--- a/Thesis Presentation/Thesis Presentation.pptx
+++ b/Thesis Presentation/Thesis Presentation.pptx
@@ -5,53 +5,52 @@
     <p:sldMasterId id="2147483864" r:id="rId1"/>
   </p:sldMasterIdLst>
   <p:notesMasterIdLst>
-    <p:notesMasterId r:id="rId46"/>
+    <p:notesMasterId r:id="rId45"/>
   </p:notesMasterIdLst>
   <p:sldIdLst>
     <p:sldId id="306" r:id="rId2"/>
-    <p:sldId id="257" r:id="rId3"/>
-    <p:sldId id="264" r:id="rId4"/>
-    <p:sldId id="274" r:id="rId5"/>
-    <p:sldId id="303" r:id="rId6"/>
-    <p:sldId id="265" r:id="rId7"/>
-    <p:sldId id="277" r:id="rId8"/>
-    <p:sldId id="259" r:id="rId9"/>
-    <p:sldId id="267" r:id="rId10"/>
-    <p:sldId id="269" r:id="rId11"/>
-    <p:sldId id="271" r:id="rId12"/>
-    <p:sldId id="278" r:id="rId13"/>
-    <p:sldId id="305" r:id="rId14"/>
-    <p:sldId id="268" r:id="rId15"/>
-    <p:sldId id="266" r:id="rId16"/>
-    <p:sldId id="258" r:id="rId17"/>
-    <p:sldId id="288" r:id="rId18"/>
-    <p:sldId id="276" r:id="rId19"/>
-    <p:sldId id="285" r:id="rId20"/>
-    <p:sldId id="286" r:id="rId21"/>
-    <p:sldId id="287" r:id="rId22"/>
-    <p:sldId id="289" r:id="rId23"/>
-    <p:sldId id="290" r:id="rId24"/>
-    <p:sldId id="275" r:id="rId25"/>
-    <p:sldId id="282" r:id="rId26"/>
-    <p:sldId id="293" r:id="rId27"/>
-    <p:sldId id="263" r:id="rId28"/>
-    <p:sldId id="291" r:id="rId29"/>
-    <p:sldId id="292" r:id="rId30"/>
-    <p:sldId id="307" r:id="rId31"/>
-    <p:sldId id="270" r:id="rId32"/>
-    <p:sldId id="294" r:id="rId33"/>
-    <p:sldId id="295" r:id="rId34"/>
-    <p:sldId id="296" r:id="rId35"/>
-    <p:sldId id="297" r:id="rId36"/>
-    <p:sldId id="298" r:id="rId37"/>
-    <p:sldId id="283" r:id="rId38"/>
-    <p:sldId id="300" r:id="rId39"/>
-    <p:sldId id="304" r:id="rId40"/>
-    <p:sldId id="299" r:id="rId41"/>
-    <p:sldId id="308" r:id="rId42"/>
-    <p:sldId id="261" r:id="rId43"/>
-    <p:sldId id="302" r:id="rId44"/>
-    <p:sldId id="301" r:id="rId45"/>
+    <p:sldId id="264" r:id="rId3"/>
+    <p:sldId id="274" r:id="rId4"/>
+    <p:sldId id="303" r:id="rId5"/>
+    <p:sldId id="265" r:id="rId6"/>
+    <p:sldId id="277" r:id="rId7"/>
+    <p:sldId id="259" r:id="rId8"/>
+    <p:sldId id="267" r:id="rId9"/>
+    <p:sldId id="269" r:id="rId10"/>
+    <p:sldId id="271" r:id="rId11"/>
+    <p:sldId id="278" r:id="rId12"/>
+    <p:sldId id="305" r:id="rId13"/>
+    <p:sldId id="268" r:id="rId14"/>
+    <p:sldId id="266" r:id="rId15"/>
+    <p:sldId id="258" r:id="rId16"/>
+    <p:sldId id="288" r:id="rId17"/>
+    <p:sldId id="276" r:id="rId18"/>
+    <p:sldId id="285" r:id="rId19"/>
+    <p:sldId id="287" r:id="rId20"/>
+    <p:sldId id="289" r:id="rId21"/>
+    <p:sldId id="290" r:id="rId22"/>
+    <p:sldId id="275" r:id="rId23"/>
+    <p:sldId id="282" r:id="rId24"/>
+    <p:sldId id="293" r:id="rId25"/>
+    <p:sldId id="263" r:id="rId26"/>
+    <p:sldId id="291" r:id="rId27"/>
+    <p:sldId id="292" r:id="rId28"/>
+    <p:sldId id="307" r:id="rId29"/>
+    <p:sldId id="270" r:id="rId30"/>
+    <p:sldId id="294" r:id="rId31"/>
+    <p:sldId id="295" r:id="rId32"/>
+    <p:sldId id="296" r:id="rId33"/>
+    <p:sldId id="297" r:id="rId34"/>
+    <p:sldId id="298" r:id="rId35"/>
+    <p:sldId id="283" r:id="rId36"/>
+    <p:sldId id="300" r:id="rId37"/>
+    <p:sldId id="309" r:id="rId38"/>
+    <p:sldId id="304" r:id="rId39"/>
+    <p:sldId id="299" r:id="rId40"/>
+    <p:sldId id="308" r:id="rId41"/>
+    <p:sldId id="261" r:id="rId42"/>
+    <p:sldId id="302" r:id="rId43"/>
+    <p:sldId id="301" r:id="rId44"/>
   </p:sldIdLst>
   <p:sldSz cx="9144000" cy="6858000" type="screen4x3"/>
   <p:notesSz cx="6858000" cy="9144000"/>
@@ -236,7 +235,7 @@
             <a:fld id="{5F684EB8-6FE3-4076-9C41-6BA60C170A32}" type="datetimeFigureOut">
               <a:rPr lang="en-US" smtClean="0"/>
               <a:pPr/>
-              <a:t>12/17/2017</a:t>
+              <a:t>12/18/2017</a:t>
             </a:fld>
             <a:endParaRPr lang="en-US"/>
           </a:p>
@@ -548,14 +547,6 @@
           </a:bodyPr>
           <a:lstStyle/>
           <a:p>
-            <a:r>
-              <a:rPr lang="en-US" dirty="0" smtClean="0"/>
-              <a:t>Delete</a:t>
-            </a:r>
-            <a:r>
-              <a:rPr lang="en-US" baseline="0" dirty="0" smtClean="0"/>
-              <a:t> this slide</a:t>
-            </a:r>
             <a:endParaRPr lang="en-US" dirty="0"/>
           </a:p>
         </p:txBody>
@@ -639,6 +630,24 @@
           <a:lstStyle/>
           <a:p>
             <a:r>
+              <a:rPr lang="en-US" dirty="0" err="1" smtClean="0"/>
+              <a:t>Natrually</a:t>
+            </a:r>
+            <a:r>
+              <a:rPr lang="en-US" dirty="0" smtClean="0"/>
+              <a:t>,</a:t>
+            </a:r>
+            <a:r>
+              <a:rPr lang="en-US" baseline="0" dirty="0" smtClean="0"/>
+              <a:t> since our AI is trying to emulate human behavior, it needs some demonstration to base itself on.</a:t>
+            </a:r>
+            <a:endParaRPr lang="en-US" dirty="0" smtClean="0"/>
+          </a:p>
+          <a:p>
+            <a:endParaRPr lang="en-US" dirty="0" smtClean="0"/>
+          </a:p>
+          <a:p>
+            <a:r>
               <a:rPr lang="en-US" dirty="0" smtClean="0"/>
               <a:t>Describe why we</a:t>
             </a:r>
@@ -668,7 +677,7 @@
             <a:fld id="{A481180C-17DB-46C9-8294-B692B42B2CE8}" type="slidenum">
               <a:rPr lang="en-US" smtClean="0"/>
               <a:pPr/>
-              <a:t>13</a:t>
+              <a:t>12</a:t>
             </a:fld>
             <a:endParaRPr lang="en-US"/>
           </a:p>
@@ -750,7 +759,7 @@
             <a:fld id="{A481180C-17DB-46C9-8294-B692B42B2CE8}" type="slidenum">
               <a:rPr lang="en-US" smtClean="0"/>
               <a:pPr/>
-              <a:t>14</a:t>
+              <a:t>13</a:t>
             </a:fld>
             <a:endParaRPr lang="en-US"/>
           </a:p>
@@ -853,7 +862,7 @@
             <a:fld id="{A481180C-17DB-46C9-8294-B692B42B2CE8}" type="slidenum">
               <a:rPr lang="en-US" smtClean="0"/>
               <a:pPr/>
-              <a:t>15</a:t>
+              <a:t>14</a:t>
             </a:fld>
             <a:endParaRPr lang="en-US"/>
           </a:p>
@@ -935,7 +944,7 @@
             <a:fld id="{A481180C-17DB-46C9-8294-B692B42B2CE8}" type="slidenum">
               <a:rPr lang="en-US" smtClean="0"/>
               <a:pPr/>
-              <a:t>18</a:t>
+              <a:t>17</a:t>
             </a:fld>
             <a:endParaRPr lang="en-US"/>
           </a:p>
@@ -995,6 +1004,21 @@
           </a:bodyPr>
           <a:lstStyle/>
           <a:p>
+            <a:r>
+              <a:rPr lang="en-US" dirty="0" smtClean="0"/>
+              <a:t>Known states have need to be expanded using KNOWN-transitions</a:t>
+            </a:r>
+          </a:p>
+          <a:p>
+            <a:endParaRPr lang="en-US" dirty="0" smtClean="0"/>
+          </a:p>
+          <a:p>
+            <a:r>
+              <a:rPr lang="en-US" dirty="0" smtClean="0"/>
+              <a:t>Unknown states have need to be expanded using delta-transitions</a:t>
+            </a:r>
+          </a:p>
+          <a:p>
             <a:endParaRPr lang="en-US" dirty="0"/>
           </a:p>
         </p:txBody>
@@ -1017,7 +1041,7 @@
             <a:fld id="{A481180C-17DB-46C9-8294-B692B42B2CE8}" type="slidenum">
               <a:rPr lang="en-US" smtClean="0"/>
               <a:pPr/>
-              <a:t>25</a:t>
+              <a:t>18</a:t>
             </a:fld>
             <a:endParaRPr lang="en-US"/>
           </a:p>
@@ -1077,23 +1101,6 @@
           </a:bodyPr>
           <a:lstStyle/>
           <a:p>
-            <a:r>
-              <a:rPr lang="en-US" dirty="0" smtClean="0"/>
-              <a:t>Add a bullet that mentions where the state similarity</a:t>
-            </a:r>
-            <a:r>
-              <a:rPr lang="en-US" baseline="0" dirty="0" smtClean="0"/>
-              <a:t> is useful in the algorithm</a:t>
-            </a:r>
-          </a:p>
-          <a:p>
-            <a:endParaRPr lang="en-US" baseline="0" dirty="0" smtClean="0"/>
-          </a:p>
-          <a:p>
-            <a:r>
-              <a:rPr lang="en-US" baseline="0" dirty="0" smtClean="0"/>
-              <a:t>Make sure to orient people as to why this value is useful</a:t>
-            </a:r>
             <a:endParaRPr lang="en-US" dirty="0"/>
           </a:p>
         </p:txBody>
@@ -1116,7 +1123,7 @@
             <a:fld id="{A481180C-17DB-46C9-8294-B692B42B2CE8}" type="slidenum">
               <a:rPr lang="en-US" smtClean="0"/>
               <a:pPr/>
-              <a:t>26</a:t>
+              <a:t>23</a:t>
             </a:fld>
             <a:endParaRPr lang="en-US"/>
           </a:p>
@@ -1176,6 +1183,23 @@
           </a:bodyPr>
           <a:lstStyle/>
           <a:p>
+            <a:r>
+              <a:rPr lang="en-US" dirty="0" smtClean="0"/>
+              <a:t>Add a bullet that mentions where the state similarity</a:t>
+            </a:r>
+            <a:r>
+              <a:rPr lang="en-US" baseline="0" dirty="0" smtClean="0"/>
+              <a:t> is useful in the algorithm</a:t>
+            </a:r>
+          </a:p>
+          <a:p>
+            <a:endParaRPr lang="en-US" baseline="0" dirty="0" smtClean="0"/>
+          </a:p>
+          <a:p>
+            <a:r>
+              <a:rPr lang="en-US" baseline="0" dirty="0" smtClean="0"/>
+              <a:t>Make sure to orient people as to why this value is useful</a:t>
+            </a:r>
             <a:endParaRPr lang="en-US" dirty="0"/>
           </a:p>
         </p:txBody>
@@ -1198,7 +1222,7 @@
             <a:fld id="{A481180C-17DB-46C9-8294-B692B42B2CE8}" type="slidenum">
               <a:rPr lang="en-US" smtClean="0"/>
               <a:pPr/>
-              <a:t>31</a:t>
+              <a:t>24</a:t>
             </a:fld>
             <a:endParaRPr lang="en-US"/>
           </a:p>
@@ -1258,94 +1282,6 @@
           </a:bodyPr>
           <a:lstStyle/>
           <a:p>
-            <a:r>
-              <a:rPr lang="en-US" dirty="0" smtClean="0"/>
-              <a:t>Say that we need to satisfy</a:t>
-            </a:r>
-            <a:r>
-              <a:rPr lang="en-US" baseline="0" dirty="0" smtClean="0"/>
-              <a:t>-</a:t>
-            </a:r>
-            <a:r>
-              <a:rPr lang="en-US" baseline="0" dirty="0" err="1" smtClean="0"/>
-              <a:t>realtime</a:t>
-            </a:r>
-            <a:r>
-              <a:rPr lang="en-US" baseline="0" dirty="0" smtClean="0"/>
-              <a:t> conditions</a:t>
-            </a:r>
-          </a:p>
-          <a:p>
-            <a:endParaRPr lang="en-US" baseline="0" dirty="0" smtClean="0"/>
-          </a:p>
-          <a:p>
-            <a:r>
-              <a:rPr lang="en-US" baseline="0" dirty="0" smtClean="0"/>
-              <a:t>Add a bullet:</a:t>
-            </a:r>
-          </a:p>
-          <a:p>
-            <a:r>
-              <a:rPr lang="en-US" baseline="0" dirty="0" smtClean="0"/>
-              <a:t>Explain that we pick a plan to </a:t>
-            </a:r>
-            <a:r>
-              <a:rPr lang="en-US" baseline="0" dirty="0" err="1" smtClean="0"/>
-              <a:t>s_goal</a:t>
-            </a:r>
-            <a:r>
-              <a:rPr lang="en-US" baseline="0" dirty="0" smtClean="0"/>
-              <a:t>* where </a:t>
-            </a:r>
-            <a:r>
-              <a:rPr lang="en-US" baseline="0" dirty="0" err="1" smtClean="0"/>
-              <a:t>sim</a:t>
-            </a:r>
-            <a:r>
-              <a:rPr lang="en-US" baseline="0" dirty="0" smtClean="0"/>
-              <a:t>(</a:t>
-            </a:r>
-            <a:r>
-              <a:rPr lang="en-US" baseline="0" dirty="0" err="1" smtClean="0"/>
-              <a:t>s_goal</a:t>
-            </a:r>
-            <a:r>
-              <a:rPr lang="en-US" baseline="0" dirty="0" smtClean="0"/>
-              <a:t>, </a:t>
-            </a:r>
-            <a:r>
-              <a:rPr lang="en-US" baseline="0" dirty="0" err="1" smtClean="0"/>
-              <a:t>s_goal</a:t>
-            </a:r>
-            <a:r>
-              <a:rPr lang="en-US" baseline="0" dirty="0" smtClean="0"/>
-              <a:t>*) is minimized</a:t>
-            </a:r>
-          </a:p>
-          <a:p>
-            <a:endParaRPr lang="en-US" baseline="0" dirty="0" smtClean="0"/>
-          </a:p>
-          <a:p>
-            <a:r>
-              <a:rPr lang="en-US" baseline="0" dirty="0" smtClean="0"/>
-              <a:t>Add a bullet:</a:t>
-            </a:r>
-          </a:p>
-          <a:p>
-            <a:r>
-              <a:rPr lang="en-US" baseline="0" dirty="0" smtClean="0"/>
-              <a:t>Because that state has been expanded, we already have a plan to that state</a:t>
-            </a:r>
-          </a:p>
-          <a:p>
-            <a:r>
-              <a:rPr lang="en-US" dirty="0" smtClean="0"/>
-              <a:t>It’s a property of all searches that once a state has been expanded, we have a path from</a:t>
-            </a:r>
-            <a:r>
-              <a:rPr lang="en-US" baseline="0" dirty="0" smtClean="0"/>
-              <a:t> the start to that state</a:t>
-            </a:r>
             <a:endParaRPr lang="en-US" dirty="0"/>
           </a:p>
         </p:txBody>
@@ -1368,7 +1304,7 @@
             <a:fld id="{A481180C-17DB-46C9-8294-B692B42B2CE8}" type="slidenum">
               <a:rPr lang="en-US" smtClean="0"/>
               <a:pPr/>
-              <a:t>34</a:t>
+              <a:t>29</a:t>
             </a:fld>
             <a:endParaRPr lang="en-US"/>
           </a:p>
@@ -1428,6 +1364,94 @@
           </a:bodyPr>
           <a:lstStyle/>
           <a:p>
+            <a:r>
+              <a:rPr lang="en-US" dirty="0" smtClean="0"/>
+              <a:t>Say that we need to satisfy</a:t>
+            </a:r>
+            <a:r>
+              <a:rPr lang="en-US" baseline="0" dirty="0" smtClean="0"/>
+              <a:t>-</a:t>
+            </a:r>
+            <a:r>
+              <a:rPr lang="en-US" baseline="0" dirty="0" err="1" smtClean="0"/>
+              <a:t>realtime</a:t>
+            </a:r>
+            <a:r>
+              <a:rPr lang="en-US" baseline="0" dirty="0" smtClean="0"/>
+              <a:t> conditions</a:t>
+            </a:r>
+          </a:p>
+          <a:p>
+            <a:endParaRPr lang="en-US" baseline="0" dirty="0" smtClean="0"/>
+          </a:p>
+          <a:p>
+            <a:r>
+              <a:rPr lang="en-US" baseline="0" dirty="0" smtClean="0"/>
+              <a:t>Add a bullet:</a:t>
+            </a:r>
+          </a:p>
+          <a:p>
+            <a:r>
+              <a:rPr lang="en-US" baseline="0" dirty="0" smtClean="0"/>
+              <a:t>Explain that we pick a plan to </a:t>
+            </a:r>
+            <a:r>
+              <a:rPr lang="en-US" baseline="0" dirty="0" err="1" smtClean="0"/>
+              <a:t>s_goal</a:t>
+            </a:r>
+            <a:r>
+              <a:rPr lang="en-US" baseline="0" dirty="0" smtClean="0"/>
+              <a:t>* where </a:t>
+            </a:r>
+            <a:r>
+              <a:rPr lang="en-US" baseline="0" dirty="0" err="1" smtClean="0"/>
+              <a:t>sim</a:t>
+            </a:r>
+            <a:r>
+              <a:rPr lang="en-US" baseline="0" dirty="0" smtClean="0"/>
+              <a:t>(</a:t>
+            </a:r>
+            <a:r>
+              <a:rPr lang="en-US" baseline="0" dirty="0" err="1" smtClean="0"/>
+              <a:t>s_goal</a:t>
+            </a:r>
+            <a:r>
+              <a:rPr lang="en-US" baseline="0" dirty="0" smtClean="0"/>
+              <a:t>, </a:t>
+            </a:r>
+            <a:r>
+              <a:rPr lang="en-US" baseline="0" dirty="0" err="1" smtClean="0"/>
+              <a:t>s_goal</a:t>
+            </a:r>
+            <a:r>
+              <a:rPr lang="en-US" baseline="0" dirty="0" smtClean="0"/>
+              <a:t>*) is minimized</a:t>
+            </a:r>
+          </a:p>
+          <a:p>
+            <a:endParaRPr lang="en-US" baseline="0" dirty="0" smtClean="0"/>
+          </a:p>
+          <a:p>
+            <a:r>
+              <a:rPr lang="en-US" baseline="0" dirty="0" smtClean="0"/>
+              <a:t>Add a bullet:</a:t>
+            </a:r>
+          </a:p>
+          <a:p>
+            <a:r>
+              <a:rPr lang="en-US" baseline="0" dirty="0" smtClean="0"/>
+              <a:t>Because that state has been expanded, we already have a plan to that state</a:t>
+            </a:r>
+          </a:p>
+          <a:p>
+            <a:r>
+              <a:rPr lang="en-US" dirty="0" smtClean="0"/>
+              <a:t>It’s a property of all searches that once a state has been expanded, we have a path from</a:t>
+            </a:r>
+            <a:r>
+              <a:rPr lang="en-US" baseline="0" dirty="0" smtClean="0"/>
+              <a:t> the start to that state</a:t>
+            </a:r>
             <a:endParaRPr lang="en-US" dirty="0"/>
           </a:p>
         </p:txBody>
@@ -1450,7 +1474,89 @@
             <a:fld id="{A481180C-17DB-46C9-8294-B692B42B2CE8}" type="slidenum">
               <a:rPr lang="en-US" smtClean="0"/>
               <a:pPr/>
-              <a:t>37</a:t>
+              <a:t>32</a:t>
+            </a:fld>
+            <a:endParaRPr lang="en-US"/>
+          </a:p>
+        </p:txBody>
+      </p:sp>
+    </p:spTree>
+  </p:cSld>
+  <p:clrMapOvr>
+    <a:masterClrMapping/>
+  </p:clrMapOvr>
+</p:notes>
+</file>
+
+<file path=ppt/notesSlides/notesSlide19.xml><?xml version="1.0" encoding="utf-8"?>
+<p:notes xmlns:a="http://schemas.openxmlformats.org/drawingml/2006/main" xmlns:r="http://schemas.openxmlformats.org/officeDocument/2006/relationships" xmlns:p="http://schemas.openxmlformats.org/presentationml/2006/main">
+  <p:cSld>
+    <p:spTree>
+      <p:nvGrpSpPr>
+        <p:cNvPr id="1" name=""/>
+        <p:cNvGrpSpPr/>
+        <p:nvPr/>
+      </p:nvGrpSpPr>
+      <p:grpSpPr>
+        <a:xfrm>
+          <a:off x="0" y="0"/>
+          <a:ext cx="0" cy="0"/>
+          <a:chOff x="0" y="0"/>
+          <a:chExt cx="0" cy="0"/>
+        </a:xfrm>
+      </p:grpSpPr>
+      <p:sp>
+        <p:nvSpPr>
+          <p:cNvPr id="2" name="Slide Image Placeholder 1"/>
+          <p:cNvSpPr>
+            <a:spLocks noGrp="1" noRot="1" noChangeAspect="1"/>
+          </p:cNvSpPr>
+          <p:nvPr>
+            <p:ph type="sldImg"/>
+          </p:nvPr>
+        </p:nvSpPr>
+        <p:spPr/>
+      </p:sp>
+      <p:sp>
+        <p:nvSpPr>
+          <p:cNvPr id="3" name="Notes Placeholder 2"/>
+          <p:cNvSpPr>
+            <a:spLocks noGrp="1"/>
+          </p:cNvSpPr>
+          <p:nvPr>
+            <p:ph type="body" idx="1"/>
+          </p:nvPr>
+        </p:nvSpPr>
+        <p:spPr/>
+        <p:txBody>
+          <a:bodyPr>
+            <a:normAutofit/>
+          </a:bodyPr>
+          <a:lstStyle/>
+          <a:p>
+            <a:endParaRPr lang="en-US" dirty="0"/>
+          </a:p>
+        </p:txBody>
+      </p:sp>
+      <p:sp>
+        <p:nvSpPr>
+          <p:cNvPr id="4" name="Slide Number Placeholder 3"/>
+          <p:cNvSpPr>
+            <a:spLocks noGrp="1"/>
+          </p:cNvSpPr>
+          <p:nvPr>
+            <p:ph type="sldNum" sz="quarter" idx="10"/>
+          </p:nvPr>
+        </p:nvSpPr>
+        <p:spPr/>
+        <p:txBody>
+          <a:bodyPr/>
+          <a:lstStyle/>
+          <a:p>
+            <a:fld id="{A481180C-17DB-46C9-8294-B692B42B2CE8}" type="slidenum">
+              <a:rPr lang="en-US" smtClean="0"/>
+              <a:pPr/>
+              <a:t>35</a:t>
             </a:fld>
             <a:endParaRPr lang="en-US"/>
           </a:p>
@@ -1510,6 +1616,23 @@
           </a:bodyPr>
           <a:lstStyle/>
           <a:p>
+            <a:r>
+              <a:rPr lang="en-US" dirty="0" smtClean="0"/>
+              <a:t>Before we</a:t>
+            </a:r>
+            <a:r>
+              <a:rPr lang="en-US" baseline="0" dirty="0" smtClean="0"/>
+              <a:t> talk about our approach, lets go over a some other approaches</a:t>
+            </a:r>
+          </a:p>
+          <a:p>
+            <a:endParaRPr lang="en-US" baseline="0" dirty="0" smtClean="0"/>
+          </a:p>
+          <a:p>
+            <a:r>
+              <a:rPr lang="en-US" baseline="0" dirty="0" smtClean="0"/>
+              <a:t>Etc.</a:t>
+            </a:r>
             <a:endParaRPr lang="en-US" dirty="0"/>
           </a:p>
         </p:txBody>
@@ -1532,7 +1655,115 @@
             <a:fld id="{A481180C-17DB-46C9-8294-B692B42B2CE8}" type="slidenum">
               <a:rPr lang="en-US" smtClean="0"/>
               <a:pPr/>
-              <a:t>3</a:t>
+              <a:t>4</a:t>
+            </a:fld>
+            <a:endParaRPr lang="en-US"/>
+          </a:p>
+        </p:txBody>
+      </p:sp>
+    </p:spTree>
+  </p:cSld>
+  <p:clrMapOvr>
+    <a:masterClrMapping/>
+  </p:clrMapOvr>
+</p:notes>
+</file>
+
+<file path=ppt/notesSlides/notesSlide20.xml><?xml version="1.0" encoding="utf-8"?>
+<p:notes xmlns:a="http://schemas.openxmlformats.org/drawingml/2006/main" xmlns:r="http://schemas.openxmlformats.org/officeDocument/2006/relationships" xmlns:p="http://schemas.openxmlformats.org/presentationml/2006/main">
+  <p:cSld>
+    <p:spTree>
+      <p:nvGrpSpPr>
+        <p:cNvPr id="1" name=""/>
+        <p:cNvGrpSpPr/>
+        <p:nvPr/>
+      </p:nvGrpSpPr>
+      <p:grpSpPr>
+        <a:xfrm>
+          <a:off x="0" y="0"/>
+          <a:ext cx="0" cy="0"/>
+          <a:chOff x="0" y="0"/>
+          <a:chExt cx="0" cy="0"/>
+        </a:xfrm>
+      </p:grpSpPr>
+      <p:sp>
+        <p:nvSpPr>
+          <p:cNvPr id="2" name="Slide Image Placeholder 1"/>
+          <p:cNvSpPr>
+            <a:spLocks noGrp="1" noRot="1" noChangeAspect="1"/>
+          </p:cNvSpPr>
+          <p:nvPr>
+            <p:ph type="sldImg"/>
+          </p:nvPr>
+        </p:nvSpPr>
+        <p:spPr/>
+      </p:sp>
+      <p:sp>
+        <p:nvSpPr>
+          <p:cNvPr id="3" name="Notes Placeholder 2"/>
+          <p:cNvSpPr>
+            <a:spLocks noGrp="1"/>
+          </p:cNvSpPr>
+          <p:nvPr>
+            <p:ph type="body" idx="1"/>
+          </p:nvPr>
+        </p:nvSpPr>
+        <p:spPr/>
+        <p:txBody>
+          <a:bodyPr>
+            <a:normAutofit/>
+          </a:bodyPr>
+          <a:lstStyle/>
+          <a:p>
+            <a:r>
+              <a:rPr lang="en-US" dirty="0" err="1" smtClean="0"/>
+              <a:t>Ngram</a:t>
+            </a:r>
+            <a:r>
+              <a:rPr lang="en-US" dirty="0" smtClean="0"/>
+              <a:t>-stutters</a:t>
+            </a:r>
+          </a:p>
+          <a:p>
+            <a:endParaRPr lang="en-US" dirty="0" smtClean="0"/>
+          </a:p>
+          <a:p>
+            <a:r>
+              <a:rPr lang="en-US" dirty="0" smtClean="0"/>
+              <a:t>Ghost</a:t>
+            </a:r>
+            <a:r>
+              <a:rPr lang="en-US" baseline="0" dirty="0" smtClean="0"/>
+              <a:t> never does the jump attack</a:t>
+            </a:r>
+          </a:p>
+          <a:p>
+            <a:endParaRPr lang="en-US" baseline="0" dirty="0" smtClean="0"/>
+          </a:p>
+          <a:p>
+            <a:endParaRPr lang="en-US" dirty="0"/>
+          </a:p>
+        </p:txBody>
+      </p:sp>
+      <p:sp>
+        <p:nvSpPr>
+          <p:cNvPr id="4" name="Slide Number Placeholder 3"/>
+          <p:cNvSpPr>
+            <a:spLocks noGrp="1"/>
+          </p:cNvSpPr>
+          <p:nvPr>
+            <p:ph type="sldNum" sz="quarter" idx="10"/>
+          </p:nvPr>
+        </p:nvSpPr>
+        <p:spPr/>
+        <p:txBody>
+          <a:bodyPr/>
+          <a:lstStyle/>
+          <a:p>
+            <a:fld id="{A481180C-17DB-46C9-8294-B692B42B2CE8}" type="slidenum">
+              <a:rPr lang="en-US" smtClean="0"/>
+              <a:pPr/>
+              <a:t>38</a:t>
             </a:fld>
             <a:endParaRPr lang="en-US"/>
           </a:p>
@@ -1614,7 +1845,7 @@
             <a:fld id="{A481180C-17DB-46C9-8294-B692B42B2CE8}" type="slidenum">
               <a:rPr lang="en-US" smtClean="0"/>
               <a:pPr/>
-              <a:t>6</a:t>
+              <a:t>5</a:t>
             </a:fld>
             <a:endParaRPr lang="en-US"/>
           </a:p>
@@ -1702,6 +1933,37 @@
             <a:endParaRPr lang="en-US" dirty="0" smtClean="0"/>
           </a:p>
           <a:p>
+            <a:endParaRPr lang="en-US" dirty="0" smtClean="0"/>
+          </a:p>
+          <a:p>
+            <a:pPr marL="0" marR="0" indent="0" algn="l" defTabSz="914400" rtl="0" eaLnBrk="1" fontAlgn="auto" latinLnBrk="0" hangingPunct="1">
+              <a:lnSpc>
+                <a:spcPct val="100000"/>
+              </a:lnSpc>
+              <a:spcBef>
+                <a:spcPts val="0"/>
+              </a:spcBef>
+              <a:spcAft>
+                <a:spcPts val="0"/>
+              </a:spcAft>
+              <a:buClrTx/>
+              <a:buSzTx/>
+              <a:buFontTx/>
+              <a:buNone/>
+              <a:tabLst/>
+              <a:defRPr/>
+            </a:pPr>
+            <a:r>
+              <a:rPr lang="en-US" dirty="0" smtClean="0"/>
+              <a:t>Mention: In</a:t>
+            </a:r>
+            <a:r>
+              <a:rPr lang="en-US" baseline="0" dirty="0" smtClean="0"/>
+              <a:t> order to navigate the FG domain, we use search</a:t>
+            </a:r>
+            <a:endParaRPr lang="en-US" dirty="0" smtClean="0"/>
+          </a:p>
+          <a:p>
             <a:endParaRPr lang="en-US" dirty="0"/>
           </a:p>
         </p:txBody>
@@ -1724,7 +1986,7 @@
             <a:fld id="{A481180C-17DB-46C9-8294-B692B42B2CE8}" type="slidenum">
               <a:rPr lang="en-US" smtClean="0"/>
               <a:pPr/>
-              <a:t>7</a:t>
+              <a:t>6</a:t>
             </a:fld>
             <a:endParaRPr lang="en-US"/>
           </a:p>
@@ -1786,15 +2048,17 @@
           <a:p>
             <a:r>
               <a:rPr lang="en-US" dirty="0" smtClean="0"/>
-              <a:t>Mention: In</a:t>
+              <a:t>One component lacking from prior research</a:t>
             </a:r>
             <a:r>
               <a:rPr lang="en-US" baseline="0" dirty="0" smtClean="0"/>
-              <a:t> </a:t>
-            </a:r>
+              <a:t> is the ability to form strategies</a:t>
+            </a:r>
+          </a:p>
+          <a:p>
             <a:r>
               <a:rPr lang="en-US" baseline="0" dirty="0" smtClean="0"/>
-              <a:t>order to navigate the FG domain, we use search</a:t>
+              <a:t>This is important because a large part of enjoying and playing fighting games is understanding the opponents strategies and overcoming them with your own</a:t>
             </a:r>
             <a:endParaRPr lang="en-US" dirty="0"/>
           </a:p>
@@ -1818,7 +2082,7 @@
             <a:fld id="{A481180C-17DB-46C9-8294-B692B42B2CE8}" type="slidenum">
               <a:rPr lang="en-US" smtClean="0"/>
               <a:pPr/>
-              <a:t>8</a:t>
+              <a:t>7</a:t>
             </a:fld>
             <a:endParaRPr lang="en-US"/>
           </a:p>
@@ -1908,7 +2172,7 @@
             <a:fld id="{A481180C-17DB-46C9-8294-B692B42B2CE8}" type="slidenum">
               <a:rPr lang="en-US" smtClean="0"/>
               <a:pPr/>
-              <a:t>9</a:t>
+              <a:t>8</a:t>
             </a:fld>
             <a:endParaRPr lang="en-US"/>
           </a:p>
@@ -1968,6 +2232,14 @@
           </a:bodyPr>
           <a:lstStyle/>
           <a:p>
+            <a:r>
+              <a:rPr lang="en-US" dirty="0" smtClean="0"/>
+              <a:t>This</a:t>
+            </a:r>
+            <a:r>
+              <a:rPr lang="en-US" baseline="0" dirty="0" smtClean="0"/>
+              <a:t> is a high level overview and we’ll be going in more detail later</a:t>
+            </a:r>
             <a:endParaRPr lang="en-US" dirty="0"/>
           </a:p>
         </p:txBody>
@@ -1990,7 +2262,7 @@
             <a:fld id="{A481180C-17DB-46C9-8294-B692B42B2CE8}" type="slidenum">
               <a:rPr lang="en-US" smtClean="0"/>
               <a:pPr/>
-              <a:t>10</a:t>
+              <a:t>9</a:t>
             </a:fld>
             <a:endParaRPr lang="en-US"/>
           </a:p>
@@ -2194,7 +2466,7 @@
             <a:fld id="{A481180C-17DB-46C9-8294-B692B42B2CE8}" type="slidenum">
               <a:rPr lang="en-US" smtClean="0"/>
               <a:pPr/>
-              <a:t>11</a:t>
+              <a:t>10</a:t>
             </a:fld>
             <a:endParaRPr lang="en-US"/>
           </a:p>
@@ -2276,7 +2548,7 @@
             <a:fld id="{A481180C-17DB-46C9-8294-B692B42B2CE8}" type="slidenum">
               <a:rPr lang="en-US" smtClean="0"/>
               <a:pPr/>
-              <a:t>12</a:t>
+              <a:t>11</a:t>
             </a:fld>
             <a:endParaRPr lang="en-US"/>
           </a:p>
@@ -2582,7 +2854,7 @@
             <a:fld id="{4B1E8B18-0E2F-41BC-BCC8-994C64237652}" type="datetimeFigureOut">
               <a:rPr lang="en-US" smtClean="0"/>
               <a:pPr/>
-              <a:t>12/17/2017</a:t>
+              <a:t>12/18/2017</a:t>
             </a:fld>
             <a:endParaRPr lang="en-US"/>
           </a:p>
@@ -2775,7 +3047,7 @@
             <a:fld id="{4B1E8B18-0E2F-41BC-BCC8-994C64237652}" type="datetimeFigureOut">
               <a:rPr lang="en-US" smtClean="0"/>
               <a:pPr/>
-              <a:t>12/17/2017</a:t>
+              <a:t>12/18/2017</a:t>
             </a:fld>
             <a:endParaRPr lang="en-US"/>
           </a:p>
@@ -2962,7 +3234,7 @@
             <a:fld id="{4B1E8B18-0E2F-41BC-BCC8-994C64237652}" type="datetimeFigureOut">
               <a:rPr lang="en-US" smtClean="0"/>
               <a:pPr/>
-              <a:t>12/17/2017</a:t>
+              <a:t>12/18/2017</a:t>
             </a:fld>
             <a:endParaRPr lang="en-US"/>
           </a:p>
@@ -3227,7 +3499,7 @@
             <a:fld id="{4B1E8B18-0E2F-41BC-BCC8-994C64237652}" type="datetimeFigureOut">
               <a:rPr lang="en-US" smtClean="0"/>
               <a:pPr/>
-              <a:t>12/17/2017</a:t>
+              <a:t>12/18/2017</a:t>
             </a:fld>
             <a:endParaRPr lang="en-US"/>
           </a:p>
@@ -3645,7 +3917,7 @@
             <a:fld id="{4B1E8B18-0E2F-41BC-BCC8-994C64237652}" type="datetimeFigureOut">
               <a:rPr lang="en-US" smtClean="0"/>
               <a:pPr/>
-              <a:t>12/17/2017</a:t>
+              <a:t>12/18/2017</a:t>
             </a:fld>
             <a:endParaRPr lang="en-US"/>
           </a:p>
@@ -3889,7 +4161,7 @@
             <a:fld id="{4B1E8B18-0E2F-41BC-BCC8-994C64237652}" type="datetimeFigureOut">
               <a:rPr lang="en-US" smtClean="0"/>
               <a:pPr/>
-              <a:t>12/17/2017</a:t>
+              <a:t>12/18/2017</a:t>
             </a:fld>
             <a:endParaRPr lang="en-US"/>
           </a:p>
@@ -4127,7 +4399,7 @@
             <a:fld id="{4B1E8B18-0E2F-41BC-BCC8-994C64237652}" type="datetimeFigureOut">
               <a:rPr lang="en-US" smtClean="0"/>
               <a:pPr/>
-              <a:t>12/17/2017</a:t>
+              <a:t>12/18/2017</a:t>
             </a:fld>
             <a:endParaRPr lang="en-US"/>
           </a:p>
@@ -4324,7 +4596,7 @@
             <a:fld id="{4B1E8B18-0E2F-41BC-BCC8-994C64237652}" type="datetimeFigureOut">
               <a:rPr lang="en-US" smtClean="0"/>
               <a:pPr/>
-              <a:t>12/17/2017</a:t>
+              <a:t>12/18/2017</a:t>
             </a:fld>
             <a:endParaRPr lang="en-US"/>
           </a:p>
@@ -4424,7 +4696,7 @@
             <a:fld id="{4B1E8B18-0E2F-41BC-BCC8-994C64237652}" type="datetimeFigureOut">
               <a:rPr lang="en-US" smtClean="0"/>
               <a:pPr/>
-              <a:t>12/17/2017</a:t>
+              <a:t>12/18/2017</a:t>
             </a:fld>
             <a:endParaRPr lang="en-US"/>
           </a:p>
@@ -4562,7 +4834,7 @@
             <a:fld id="{4B1E8B18-0E2F-41BC-BCC8-994C64237652}" type="datetimeFigureOut">
               <a:rPr lang="en-US" smtClean="0"/>
               <a:pPr/>
-              <a:t>12/17/2017</a:t>
+              <a:t>12/18/2017</a:t>
             </a:fld>
             <a:endParaRPr lang="en-US"/>
           </a:p>
@@ -5082,7 +5354,7 @@
             <a:fld id="{4B1E8B18-0E2F-41BC-BCC8-994C64237652}" type="datetimeFigureOut">
               <a:rPr lang="en-US" smtClean="0"/>
               <a:pPr/>
-              <a:t>12/17/2017</a:t>
+              <a:t>12/18/2017</a:t>
             </a:fld>
             <a:endParaRPr lang="en-US"/>
           </a:p>
@@ -5345,7 +5617,7 @@
             <a:fld id="{4B1E8B18-0E2F-41BC-BCC8-994C64237652}" type="datetimeFigureOut">
               <a:rPr lang="en-US" smtClean="0"/>
               <a:pPr/>
-              <a:t>12/17/2017</a:t>
+              <a:t>12/18/2017</a:t>
             </a:fld>
             <a:endParaRPr lang="en-US"/>
           </a:p>
@@ -6000,6 +6272,7 @@
   <p:clrMapOvr>
     <a:masterClrMapping/>
   </p:clrMapOvr>
+  <p:transition advTm="7422"/>
   <p:timing>
     <p:tnLst>
       <p:par>
@@ -6011,6 +6284,121 @@
 </file>
 
 <file path=ppt/slides/slide10.xml><?xml version="1.0" encoding="utf-8"?>
+<p:sld xmlns:a="http://schemas.openxmlformats.org/drawingml/2006/main" xmlns:r="http://schemas.openxmlformats.org/officeDocument/2006/relationships" xmlns:p="http://schemas.openxmlformats.org/presentationml/2006/main" show="0">
+  <p:cSld>
+    <p:spTree>
+      <p:nvGrpSpPr>
+        <p:cNvPr id="1" name=""/>
+        <p:cNvGrpSpPr/>
+        <p:nvPr/>
+      </p:nvGrpSpPr>
+      <p:grpSpPr>
+        <a:xfrm>
+          <a:off x="0" y="0"/>
+          <a:ext cx="0" cy="0"/>
+          <a:chOff x="0" y="0"/>
+          <a:chExt cx="0" cy="0"/>
+        </a:xfrm>
+      </p:grpSpPr>
+      <p:sp>
+        <p:nvSpPr>
+          <p:cNvPr id="2" name="Title 1"/>
+          <p:cNvSpPr>
+            <a:spLocks noGrp="1"/>
+          </p:cNvSpPr>
+          <p:nvPr>
+            <p:ph type="title"/>
+          </p:nvPr>
+        </p:nvSpPr>
+        <p:spPr/>
+        <p:txBody>
+          <a:bodyPr/>
+          <a:lstStyle/>
+          <a:p>
+            <a:r>
+              <a:rPr lang="en-US" dirty="0" smtClean="0"/>
+              <a:t>Search Representation (cont.)</a:t>
+            </a:r>
+            <a:endParaRPr lang="en-US" dirty="0"/>
+          </a:p>
+        </p:txBody>
+      </p:sp>
+      <p:sp>
+        <p:nvSpPr>
+          <p:cNvPr id="3" name="Content Placeholder 2"/>
+          <p:cNvSpPr>
+            <a:spLocks noGrp="1"/>
+          </p:cNvSpPr>
+          <p:nvPr>
+            <p:ph sz="quarter" idx="1"/>
+          </p:nvPr>
+        </p:nvSpPr>
+        <p:spPr/>
+        <p:txBody>
+          <a:bodyPr/>
+          <a:lstStyle/>
+          <a:p>
+            <a:r>
+              <a:rPr lang="en-US" dirty="0" smtClean="0"/>
+              <a:t>Goal States:</a:t>
+            </a:r>
+          </a:p>
+          <a:p>
+            <a:pPr marL="594360" lvl="2" indent="-320040">
+              <a:spcBef>
+                <a:spcPts val="700"/>
+              </a:spcBef>
+              <a:buSzPct val="60000"/>
+              <a:buFont typeface="Wingdings"/>
+              <a:buChar char=""/>
+            </a:pPr>
+            <a:r>
+              <a:rPr lang="en-US" dirty="0" smtClean="0"/>
+              <a:t>States are where the opponent is hit with an attack or has to block an attack</a:t>
+            </a:r>
+          </a:p>
+          <a:p>
+            <a:r>
+              <a:rPr lang="en-US" dirty="0" smtClean="0"/>
+              <a:t>Heuristic:</a:t>
+            </a:r>
+          </a:p>
+          <a:p>
+            <a:pPr lvl="1"/>
+            <a:r>
+              <a:rPr lang="en-US" dirty="0" smtClean="0"/>
+              <a:t>Distance between the current state and the goal state</a:t>
+            </a:r>
+          </a:p>
+          <a:p>
+            <a:pPr lvl="1"/>
+            <a:endParaRPr lang="en-US" dirty="0" smtClean="0"/>
+          </a:p>
+          <a:p>
+            <a:pPr lvl="1">
+              <a:buNone/>
+            </a:pPr>
+            <a:endParaRPr lang="en-US" dirty="0"/>
+          </a:p>
+        </p:txBody>
+      </p:sp>
+    </p:spTree>
+  </p:cSld>
+  <p:clrMapOvr>
+    <a:masterClrMapping/>
+  </p:clrMapOvr>
+  <p:transition/>
+  <p:timing>
+    <p:tnLst>
+      <p:par>
+        <p:cTn id="1" dur="indefinite" restart="never" nodeType="tmRoot"/>
+      </p:par>
+    </p:tnLst>
+  </p:timing>
+</p:sld>
+</file>
+
+<file path=ppt/slides/slide11.xml><?xml version="1.0" encoding="utf-8"?>
 <p:sld xmlns:a="http://schemas.openxmlformats.org/drawingml/2006/main" xmlns:r="http://schemas.openxmlformats.org/officeDocument/2006/relationships" xmlns:p="http://schemas.openxmlformats.org/presentationml/2006/main">
   <p:cSld>
     <p:spTree>
@@ -6044,7 +6432,7 @@
           <a:p>
             <a:r>
               <a:rPr lang="en-US" dirty="0" smtClean="0"/>
-              <a:t>Search Representation (cont.)</a:t>
+              <a:t>Topics</a:t>
             </a:r>
             <a:endParaRPr lang="en-US" dirty="0"/>
           </a:p>
@@ -6063,77 +6451,89 @@
         <p:spPr/>
         <p:txBody>
           <a:bodyPr>
-            <a:normAutofit/>
+            <a:normAutofit fontScale="85000" lnSpcReduction="20000"/>
           </a:bodyPr>
           <a:lstStyle/>
           <a:p>
             <a:r>
               <a:rPr lang="en-US" dirty="0" smtClean="0"/>
-              <a:t>State Successors</a:t>
+              <a:t>Domain Introduction</a:t>
+            </a:r>
+          </a:p>
+          <a:p>
+            <a:pPr lvl="1"/>
+            <a:r>
+              <a:rPr lang="en-US" dirty="0" smtClean="0"/>
+              <a:t>Environment Description</a:t>
+            </a:r>
+          </a:p>
+          <a:p>
+            <a:pPr lvl="1"/>
+            <a:r>
+              <a:rPr lang="en-US" dirty="0" smtClean="0"/>
+              <a:t>Search Representation</a:t>
+            </a:r>
+          </a:p>
+          <a:p>
+            <a:r>
+              <a:rPr lang="en-US" b="1" u="sng" dirty="0" smtClean="0"/>
+              <a:t>Demonstration 𝛿-Search</a:t>
+            </a:r>
+          </a:p>
+          <a:p>
+            <a:pPr lvl="1"/>
+            <a:r>
+              <a:rPr lang="en-US" dirty="0" smtClean="0"/>
+              <a:t>Demonstrations</a:t>
+            </a:r>
+          </a:p>
+          <a:p>
+            <a:pPr lvl="1"/>
+            <a:r>
+              <a:rPr lang="en-US" dirty="0" smtClean="0"/>
+              <a:t>Action- 𝛿’s</a:t>
+            </a:r>
+          </a:p>
+          <a:p>
+            <a:pPr lvl="1"/>
+            <a:r>
+              <a:rPr lang="en-US" dirty="0" smtClean="0"/>
+              <a:t>𝛿-Search </a:t>
+            </a:r>
+          </a:p>
+          <a:p>
+            <a:r>
+              <a:rPr lang="en-US" dirty="0" smtClean="0"/>
+              <a:t>Implementation Details</a:t>
+            </a:r>
+          </a:p>
+          <a:p>
+            <a:pPr lvl="1"/>
+            <a:r>
+              <a:rPr lang="en-US" dirty="0" smtClean="0"/>
+              <a:t>State Similarity</a:t>
+            </a:r>
+          </a:p>
+          <a:p>
+            <a:pPr lvl="1"/>
+            <a:r>
+              <a:rPr lang="en-US" dirty="0" smtClean="0"/>
+              <a:t>Full AI Framework</a:t>
+            </a:r>
+          </a:p>
+          <a:p>
+            <a:pPr lvl="1"/>
+            <a:r>
+              <a:rPr lang="en-US" dirty="0" smtClean="0"/>
+              <a:t>Additional Improvements</a:t>
+            </a:r>
+          </a:p>
+          <a:p>
+            <a:r>
+              <a:rPr lang="en-US" dirty="0" smtClean="0"/>
+              <a:t>Results</a:t>
             </a:r>
             <a:endParaRPr lang="en-US" dirty="0"/>
-          </a:p>
-          <a:p>
-            <a:pPr lvl="1"/>
-            <a:r>
-              <a:rPr lang="en-US" dirty="0" smtClean="0"/>
-              <a:t>The state </a:t>
-            </a:r>
-            <a:r>
-              <a:rPr lang="en-US" i="1" dirty="0" smtClean="0"/>
-              <a:t>s’</a:t>
-            </a:r>
-            <a:r>
-              <a:rPr lang="en-US" dirty="0" smtClean="0"/>
-              <a:t> that results from taking action </a:t>
-            </a:r>
-            <a:r>
-              <a:rPr lang="en-US" i="1" dirty="0" smtClean="0"/>
-              <a:t>a </a:t>
-            </a:r>
-            <a:r>
-              <a:rPr lang="en-US" dirty="0" smtClean="0"/>
-              <a:t>from state </a:t>
-            </a:r>
-            <a:r>
-              <a:rPr lang="en-US" i="1" dirty="0" smtClean="0"/>
-              <a:t>s </a:t>
-            </a:r>
-            <a:r>
-              <a:rPr lang="en-US" dirty="0" smtClean="0"/>
-              <a:t>is obtained from a learned model of the world dynamics</a:t>
-            </a:r>
-            <a:endParaRPr lang="en-US" dirty="0" smtClean="0"/>
-          </a:p>
-          <a:p>
-            <a:r>
-              <a:rPr lang="en-US" dirty="0" smtClean="0"/>
-              <a:t>Goal States:</a:t>
-            </a:r>
-          </a:p>
-          <a:p>
-            <a:pPr lvl="1"/>
-            <a:r>
-              <a:rPr lang="en-US" dirty="0" smtClean="0"/>
-              <a:t>States are where the opponent is hit with an attack or has to block an </a:t>
-            </a:r>
-            <a:r>
-              <a:rPr lang="en-US" dirty="0" smtClean="0"/>
-              <a:t>attack</a:t>
-            </a:r>
-          </a:p>
-          <a:p>
-            <a:pPr lvl="1"/>
-            <a:r>
-              <a:rPr lang="en-US" dirty="0" smtClean="0"/>
-              <a:t>Goal states selected randomly to simulate how players alter strategies</a:t>
-            </a:r>
-          </a:p>
-          <a:p>
-            <a:pPr lvl="1">
-              <a:buNone/>
-            </a:pPr>
-            <a:endParaRPr lang="en-US" dirty="0" smtClean="0"/>
           </a:p>
         </p:txBody>
       </p:sp>
@@ -6142,129 +6542,6 @@
   <p:clrMapOvr>
     <a:masterClrMapping/>
   </p:clrMapOvr>
-  <p:timing>
-    <p:tnLst>
-      <p:par>
-        <p:cTn id="1" dur="indefinite" restart="never" nodeType="tmRoot"/>
-      </p:par>
-    </p:tnLst>
-  </p:timing>
-</p:sld>
-</file>
-
-<file path=ppt/slides/slide11.xml><?xml version="1.0" encoding="utf-8"?>
-<p:sld xmlns:a="http://schemas.openxmlformats.org/drawingml/2006/main" xmlns:r="http://schemas.openxmlformats.org/officeDocument/2006/relationships" xmlns:p="http://schemas.openxmlformats.org/presentationml/2006/main" show="0">
-  <p:cSld>
-    <p:spTree>
-      <p:nvGrpSpPr>
-        <p:cNvPr id="1" name=""/>
-        <p:cNvGrpSpPr/>
-        <p:nvPr/>
-      </p:nvGrpSpPr>
-      <p:grpSpPr>
-        <a:xfrm>
-          <a:off x="0" y="0"/>
-          <a:ext cx="0" cy="0"/>
-          <a:chOff x="0" y="0"/>
-          <a:chExt cx="0" cy="0"/>
-        </a:xfrm>
-      </p:grpSpPr>
-      <p:sp>
-        <p:nvSpPr>
-          <p:cNvPr id="2" name="Title 1"/>
-          <p:cNvSpPr>
-            <a:spLocks noGrp="1"/>
-          </p:cNvSpPr>
-          <p:nvPr>
-            <p:ph type="title"/>
-          </p:nvPr>
-        </p:nvSpPr>
-        <p:spPr/>
-        <p:txBody>
-          <a:bodyPr/>
-          <a:lstStyle/>
-          <a:p>
-            <a:r>
-              <a:rPr lang="en-US" dirty="0" smtClean="0"/>
-              <a:t>Search Representation (cont.)</a:t>
-            </a:r>
-            <a:endParaRPr lang="en-US" dirty="0"/>
-          </a:p>
-        </p:txBody>
-      </p:sp>
-      <p:sp>
-        <p:nvSpPr>
-          <p:cNvPr id="3" name="Content Placeholder 2"/>
-          <p:cNvSpPr>
-            <a:spLocks noGrp="1"/>
-          </p:cNvSpPr>
-          <p:nvPr>
-            <p:ph sz="quarter" idx="1"/>
-          </p:nvPr>
-        </p:nvSpPr>
-        <p:spPr/>
-        <p:txBody>
-          <a:bodyPr/>
-          <a:lstStyle/>
-          <a:p>
-            <a:r>
-              <a:rPr lang="en-US" dirty="0" smtClean="0"/>
-              <a:t>Goal </a:t>
-            </a:r>
-            <a:r>
-              <a:rPr lang="en-US" dirty="0" smtClean="0"/>
-              <a:t>States:</a:t>
-            </a:r>
-          </a:p>
-          <a:p>
-            <a:pPr marL="594360" lvl="2" indent="-320040">
-              <a:spcBef>
-                <a:spcPts val="700"/>
-              </a:spcBef>
-              <a:buSzPct val="60000"/>
-              <a:buFont typeface="Wingdings"/>
-              <a:buChar char=""/>
-            </a:pPr>
-            <a:r>
-              <a:rPr lang="en-US" dirty="0" smtClean="0"/>
-              <a:t>States </a:t>
-            </a:r>
-            <a:r>
-              <a:rPr lang="en-US" dirty="0" smtClean="0"/>
-              <a:t>are where the opponent is hit with an attack or has to block an attack</a:t>
-            </a:r>
-          </a:p>
-          <a:p>
-            <a:r>
-              <a:rPr lang="en-US" dirty="0" smtClean="0"/>
-              <a:t>Heuristic:</a:t>
-            </a:r>
-          </a:p>
-          <a:p>
-            <a:pPr lvl="1"/>
-            <a:r>
-              <a:rPr lang="en-US" dirty="0" smtClean="0"/>
-              <a:t>Distance between the current state and the goal state</a:t>
-            </a:r>
-          </a:p>
-          <a:p>
-            <a:pPr lvl="1"/>
-            <a:endParaRPr lang="en-US" dirty="0" smtClean="0"/>
-          </a:p>
-          <a:p>
-            <a:pPr lvl="1">
-              <a:buNone/>
-            </a:pPr>
-            <a:endParaRPr lang="en-US" dirty="0"/>
-          </a:p>
-        </p:txBody>
-      </p:sp>
-    </p:spTree>
-  </p:cSld>
-  <p:clrMapOvr>
-    <a:masterClrMapping/>
-  </p:clrMapOvr>
-  <p:transition/>
   <p:timing>
     <p:tnLst>
       <p:par>
@@ -6309,7 +6586,7 @@
           <a:p>
             <a:r>
               <a:rPr lang="en-US" dirty="0" smtClean="0"/>
-              <a:t>Topics</a:t>
+              <a:t>Demonstrations</a:t>
             </a:r>
             <a:endParaRPr lang="en-US" dirty="0"/>
           </a:p>
@@ -6327,90 +6604,51 @@
         </p:nvSpPr>
         <p:spPr/>
         <p:txBody>
-          <a:bodyPr>
-            <a:normAutofit fontScale="85000" lnSpcReduction="20000"/>
-          </a:bodyPr>
-          <a:lstStyle/>
-          <a:p>
-            <a:r>
-              <a:rPr lang="en-US" dirty="0" smtClean="0"/>
-              <a:t>Domain Introduction</a:t>
+          <a:bodyPr/>
+          <a:lstStyle/>
+          <a:p>
+            <a:r>
+              <a:rPr lang="en-US" dirty="0" smtClean="0"/>
+              <a:t>Provides the agent with a set of goals that it should try to achieve </a:t>
+            </a:r>
+          </a:p>
+          <a:p>
+            <a:r>
+              <a:rPr lang="en-US" dirty="0" smtClean="0"/>
+              <a:t>Describes actions that the agent can use to achieve those goals</a:t>
             </a:r>
           </a:p>
           <a:p>
             <a:pPr lvl="1"/>
             <a:r>
               <a:rPr lang="en-US" dirty="0" smtClean="0"/>
-              <a:t>Environment Description</a:t>
+              <a:t>What kind of action can be used</a:t>
             </a:r>
           </a:p>
           <a:p>
             <a:pPr lvl="1"/>
             <a:r>
               <a:rPr lang="en-US" dirty="0" smtClean="0"/>
-              <a:t>Search Representation</a:t>
-            </a:r>
-          </a:p>
-          <a:p>
-            <a:r>
-              <a:rPr lang="en-US" b="1" u="sng" dirty="0" smtClean="0"/>
-              <a:t>Demonstration 𝛿-Search</a:t>
-            </a:r>
-          </a:p>
-          <a:p>
-            <a:pPr lvl="1"/>
-            <a:r>
-              <a:rPr lang="en-US" dirty="0" smtClean="0"/>
-              <a:t>Demonstrations</a:t>
-            </a:r>
-          </a:p>
-          <a:p>
-            <a:pPr lvl="1"/>
-            <a:r>
-              <a:rPr lang="en-US" dirty="0" smtClean="0"/>
-              <a:t>Action- 𝛿’s</a:t>
-            </a:r>
-          </a:p>
-          <a:p>
-            <a:pPr lvl="1"/>
-            <a:r>
-              <a:rPr lang="en-US" dirty="0" smtClean="0"/>
-              <a:t>𝛿-Search </a:t>
-            </a:r>
-          </a:p>
-          <a:p>
-            <a:r>
-              <a:rPr lang="en-US" dirty="0" smtClean="0"/>
-              <a:t>Implementation Details</a:t>
-            </a:r>
-          </a:p>
-          <a:p>
-            <a:pPr lvl="1"/>
-            <a:r>
-              <a:rPr lang="en-US" dirty="0" smtClean="0"/>
-              <a:t>State Similarity</a:t>
-            </a:r>
-          </a:p>
-          <a:p>
-            <a:pPr lvl="1"/>
-            <a:r>
-              <a:rPr lang="en-US" dirty="0" smtClean="0"/>
-              <a:t>Full AI Framework</a:t>
-            </a:r>
-          </a:p>
-          <a:p>
-            <a:pPr lvl="1"/>
-            <a:r>
-              <a:rPr lang="en-US" dirty="0" smtClean="0"/>
-              <a:t>Additional Improvements</a:t>
-            </a:r>
-          </a:p>
-          <a:p>
-            <a:r>
-              <a:rPr lang="en-US" dirty="0" smtClean="0"/>
-              <a:t>Results</a:t>
-            </a:r>
-            <a:endParaRPr lang="en-US" dirty="0"/>
+              <a:t>The effects of that action</a:t>
+            </a:r>
+          </a:p>
+          <a:p>
+            <a:r>
+              <a:rPr lang="en-US" dirty="0" smtClean="0"/>
+              <a:t>The AI player uses the tools of the player it is mimicking to produce convincing behavior</a:t>
+            </a:r>
+          </a:p>
+          <a:p>
+            <a:pPr lvl="1">
+              <a:buNone/>
+            </a:pPr>
+            <a:endParaRPr lang="en-US" dirty="0" smtClean="0"/>
+          </a:p>
+          <a:p>
+            <a:pPr lvl="1">
+              <a:buNone/>
+            </a:pPr>
+            <a:endParaRPr lang="en-US" dirty="0" smtClean="0"/>
           </a:p>
         </p:txBody>
       </p:sp>
@@ -6463,125 +6701,6 @@
           <a:p>
             <a:r>
               <a:rPr lang="en-US" dirty="0" smtClean="0"/>
-              <a:t>Demonstrations</a:t>
-            </a:r>
-            <a:endParaRPr lang="en-US" dirty="0"/>
-          </a:p>
-        </p:txBody>
-      </p:sp>
-      <p:sp>
-        <p:nvSpPr>
-          <p:cNvPr id="3" name="Content Placeholder 2"/>
-          <p:cNvSpPr>
-            <a:spLocks noGrp="1"/>
-          </p:cNvSpPr>
-          <p:nvPr>
-            <p:ph sz="quarter" idx="1"/>
-          </p:nvPr>
-        </p:nvSpPr>
-        <p:spPr/>
-        <p:txBody>
-          <a:bodyPr/>
-          <a:lstStyle/>
-          <a:p>
-            <a:r>
-              <a:rPr lang="en-US" dirty="0" smtClean="0"/>
-              <a:t>Provides the agent with a set of goals that it should try to achieve </a:t>
-            </a:r>
-          </a:p>
-          <a:p>
-            <a:r>
-              <a:rPr lang="en-US" dirty="0" smtClean="0"/>
-              <a:t>Describes actions that the agent can use to achieve those goals</a:t>
-            </a:r>
-          </a:p>
-          <a:p>
-            <a:pPr lvl="1"/>
-            <a:r>
-              <a:rPr lang="en-US" dirty="0" smtClean="0"/>
-              <a:t>What kind of action can be used</a:t>
-            </a:r>
-          </a:p>
-          <a:p>
-            <a:pPr lvl="1"/>
-            <a:r>
-              <a:rPr lang="en-US" dirty="0" smtClean="0"/>
-              <a:t>The effects of that </a:t>
-            </a:r>
-            <a:r>
-              <a:rPr lang="en-US" dirty="0" smtClean="0"/>
-              <a:t>action</a:t>
-            </a:r>
-          </a:p>
-          <a:p>
-            <a:r>
-              <a:rPr lang="en-US" dirty="0" smtClean="0"/>
-              <a:t>The AI player uses the tools of the player it is mimicking to produce convincing behavior</a:t>
-            </a:r>
-          </a:p>
-          <a:p>
-            <a:pPr lvl="1">
-              <a:buNone/>
-            </a:pPr>
-            <a:endParaRPr lang="en-US" dirty="0" smtClean="0"/>
-          </a:p>
-          <a:p>
-            <a:pPr lvl="1">
-              <a:buNone/>
-            </a:pPr>
-            <a:endParaRPr lang="en-US" dirty="0" smtClean="0"/>
-          </a:p>
-        </p:txBody>
-      </p:sp>
-    </p:spTree>
-  </p:cSld>
-  <p:clrMapOvr>
-    <a:masterClrMapping/>
-  </p:clrMapOvr>
-  <p:timing>
-    <p:tnLst>
-      <p:par>
-        <p:cTn id="1" dur="indefinite" restart="never" nodeType="tmRoot"/>
-      </p:par>
-    </p:tnLst>
-  </p:timing>
-</p:sld>
-</file>
-
-<file path=ppt/slides/slide14.xml><?xml version="1.0" encoding="utf-8"?>
-<p:sld xmlns:a="http://schemas.openxmlformats.org/drawingml/2006/main" xmlns:r="http://schemas.openxmlformats.org/officeDocument/2006/relationships" xmlns:p="http://schemas.openxmlformats.org/presentationml/2006/main">
-  <p:cSld>
-    <p:spTree>
-      <p:nvGrpSpPr>
-        <p:cNvPr id="1" name=""/>
-        <p:cNvGrpSpPr/>
-        <p:nvPr/>
-      </p:nvGrpSpPr>
-      <p:grpSpPr>
-        <a:xfrm>
-          <a:off x="0" y="0"/>
-          <a:ext cx="0" cy="0"/>
-          <a:chOff x="0" y="0"/>
-          <a:chExt cx="0" cy="0"/>
-        </a:xfrm>
-      </p:grpSpPr>
-      <p:sp>
-        <p:nvSpPr>
-          <p:cNvPr id="2" name="Title 1"/>
-          <p:cNvSpPr>
-            <a:spLocks noGrp="1"/>
-          </p:cNvSpPr>
-          <p:nvPr>
-            <p:ph type="title"/>
-          </p:nvPr>
-        </p:nvSpPr>
-        <p:spPr/>
-        <p:txBody>
-          <a:bodyPr/>
-          <a:lstStyle/>
-          <a:p>
-            <a:r>
-              <a:rPr lang="en-US" dirty="0" smtClean="0"/>
               <a:t>Demonstration Data Extraction</a:t>
             </a:r>
             <a:endParaRPr lang="en-US" dirty="0"/>
@@ -6634,13 +6753,8 @@
             <a:pPr lvl="1"/>
             <a:r>
               <a:rPr lang="en-US" dirty="0" smtClean="0"/>
-              <a:t>When the game state changes during the current </a:t>
-            </a:r>
-            <a:r>
-              <a:rPr lang="en-US" dirty="0" smtClean="0"/>
-              <a:t>action</a:t>
-            </a:r>
-            <a:endParaRPr lang="en-US" dirty="0" smtClean="0"/>
+              <a:t>When the game state changes during the current action</a:t>
+            </a:r>
           </a:p>
         </p:txBody>
       </p:sp>
@@ -6737,7 +6851,7 @@
 </p:sld>
 </file>
 
-<file path=ppt/slides/slide15.xml><?xml version="1.0" encoding="utf-8"?>
+<file path=ppt/slides/slide14.xml><?xml version="1.0" encoding="utf-8"?>
 <p:sld xmlns:a="http://schemas.openxmlformats.org/drawingml/2006/main" xmlns:r="http://schemas.openxmlformats.org/officeDocument/2006/relationships" xmlns:p="http://schemas.openxmlformats.org/presentationml/2006/main">
   <p:cSld>
     <p:spTree>
@@ -6978,7 +7092,7 @@
 </p:sld>
 </file>
 
-<file path=ppt/slides/slide16.xml><?xml version="1.0" encoding="utf-8"?>
+<file path=ppt/slides/slide15.xml><?xml version="1.0" encoding="utf-8"?>
 <p:sld xmlns:a="http://schemas.openxmlformats.org/drawingml/2006/main" xmlns:r="http://schemas.openxmlformats.org/officeDocument/2006/relationships" xmlns:p="http://schemas.openxmlformats.org/presentationml/2006/main">
   <p:cSld>
     <p:spTree>
@@ -7100,6 +7214,127 @@
               <a:t>Jumping to the right has a consistent effect on the player’s position</a:t>
             </a:r>
             <a:endParaRPr lang="en-US" dirty="0"/>
+          </a:p>
+        </p:txBody>
+      </p:sp>
+    </p:spTree>
+  </p:cSld>
+  <p:clrMapOvr>
+    <a:masterClrMapping/>
+  </p:clrMapOvr>
+  <p:timing>
+    <p:tnLst>
+      <p:par>
+        <p:cTn id="1" dur="indefinite" restart="never" nodeType="tmRoot"/>
+      </p:par>
+    </p:tnLst>
+  </p:timing>
+</p:sld>
+</file>
+
+<file path=ppt/slides/slide16.xml><?xml version="1.0" encoding="utf-8"?>
+<p:sld xmlns:a="http://schemas.openxmlformats.org/drawingml/2006/main" xmlns:r="http://schemas.openxmlformats.org/officeDocument/2006/relationships" xmlns:p="http://schemas.openxmlformats.org/presentationml/2006/main">
+  <p:cSld>
+    <p:spTree>
+      <p:nvGrpSpPr>
+        <p:cNvPr id="1" name=""/>
+        <p:cNvGrpSpPr/>
+        <p:nvPr/>
+      </p:nvGrpSpPr>
+      <p:grpSpPr>
+        <a:xfrm>
+          <a:off x="0" y="0"/>
+          <a:ext cx="0" cy="0"/>
+          <a:chOff x="0" y="0"/>
+          <a:chExt cx="0" cy="0"/>
+        </a:xfrm>
+      </p:grpSpPr>
+      <p:sp>
+        <p:nvSpPr>
+          <p:cNvPr id="2" name="Title 1"/>
+          <p:cNvSpPr>
+            <a:spLocks noGrp="1"/>
+          </p:cNvSpPr>
+          <p:nvPr>
+            <p:ph type="title"/>
+          </p:nvPr>
+        </p:nvSpPr>
+        <p:spPr/>
+        <p:txBody>
+          <a:bodyPr/>
+          <a:lstStyle/>
+          <a:p>
+            <a:r>
+              <a:rPr lang="en-US" dirty="0" smtClean="0"/>
+              <a:t>𝛿-Transitions</a:t>
+            </a:r>
+            <a:endParaRPr lang="en-US" dirty="0"/>
+          </a:p>
+        </p:txBody>
+      </p:sp>
+      <p:sp>
+        <p:nvSpPr>
+          <p:cNvPr id="3" name="Content Placeholder 2"/>
+          <p:cNvSpPr>
+            <a:spLocks noGrp="1"/>
+          </p:cNvSpPr>
+          <p:nvPr>
+            <p:ph sz="quarter" idx="1"/>
+          </p:nvPr>
+        </p:nvSpPr>
+        <p:spPr/>
+        <p:txBody>
+          <a:bodyPr/>
+          <a:lstStyle/>
+          <a:p>
+            <a:r>
+              <a:rPr lang="en-US" dirty="0" smtClean="0"/>
+              <a:t>𝛿-Transitions are transitions that use action-𝛿’s to predict the result of taking action </a:t>
+            </a:r>
+            <a:r>
+              <a:rPr lang="en-US" i="1" dirty="0" smtClean="0"/>
+              <a:t>a</a:t>
+            </a:r>
+            <a:r>
+              <a:rPr lang="en-US" dirty="0" smtClean="0"/>
+              <a:t> at state </a:t>
+            </a:r>
+            <a:r>
+              <a:rPr lang="en-US" i="1" dirty="0" smtClean="0"/>
+              <a:t>s</a:t>
+            </a:r>
+          </a:p>
+          <a:p>
+            <a:endParaRPr lang="en-US" dirty="0" smtClean="0"/>
+          </a:p>
+          <a:p>
+            <a:r>
+              <a:rPr lang="en-US" dirty="0" smtClean="0"/>
+              <a:t>Predictor function </a:t>
+            </a:r>
+            <a:r>
+              <a:rPr lang="en-US" i="1" dirty="0" smtClean="0"/>
+              <a:t>s’ = </a:t>
+            </a:r>
+            <a:r>
+              <a:rPr lang="el-GR" i="1" dirty="0" smtClean="0"/>
+              <a:t>ϕ</a:t>
+            </a:r>
+            <a:r>
+              <a:rPr lang="en-US" i="1" dirty="0" smtClean="0"/>
+              <a:t>(</a:t>
+            </a:r>
+            <a:r>
+              <a:rPr lang="en-US" i="1" dirty="0" err="1" smtClean="0"/>
+              <a:t>s,a</a:t>
+            </a:r>
+            <a:r>
+              <a:rPr lang="en-US" i="1" dirty="0" smtClean="0"/>
+              <a:t>)</a:t>
+            </a:r>
+          </a:p>
+          <a:p>
+            <a:endParaRPr lang="en-US" dirty="0" smtClean="0"/>
           </a:p>
         </p:txBody>
       </p:sp>
@@ -7152,78 +7387,45 @@
           <a:p>
             <a:r>
               <a:rPr lang="en-US" dirty="0" smtClean="0"/>
-              <a:t>𝛿-Transitions</a:t>
+              <a:t>𝛿-Search</a:t>
             </a:r>
             <a:endParaRPr lang="en-US" dirty="0"/>
           </a:p>
         </p:txBody>
       </p:sp>
-      <p:sp>
-        <p:nvSpPr>
-          <p:cNvPr id="3" name="Content Placeholder 2"/>
-          <p:cNvSpPr>
-            <a:spLocks noGrp="1"/>
-          </p:cNvSpPr>
-          <p:nvPr>
-            <p:ph sz="quarter" idx="1"/>
-          </p:nvPr>
-        </p:nvSpPr>
-        <p:spPr/>
-        <p:txBody>
-          <a:bodyPr/>
-          <a:lstStyle/>
-          <a:p>
-            <a:r>
-              <a:rPr lang="en-US" dirty="0" smtClean="0"/>
-              <a:t>𝛿-Transitions are transitions that use action-𝛿’s to predict the result of taking action </a:t>
-            </a:r>
-            <a:r>
-              <a:rPr lang="en-US" i="1" dirty="0" smtClean="0"/>
-              <a:t>a</a:t>
-            </a:r>
-            <a:r>
-              <a:rPr lang="en-US" dirty="0" smtClean="0"/>
-              <a:t> at state </a:t>
-            </a:r>
-            <a:r>
-              <a:rPr lang="en-US" i="1" dirty="0" smtClean="0"/>
-              <a:t>s</a:t>
-            </a:r>
-          </a:p>
-          <a:p>
-            <a:endParaRPr lang="en-US" dirty="0" smtClean="0"/>
-          </a:p>
-          <a:p>
-            <a:r>
-              <a:rPr lang="en-US" dirty="0" smtClean="0"/>
-              <a:t>Predictor function </a:t>
-            </a:r>
-            <a:r>
-              <a:rPr lang="en-US" i="1" dirty="0" smtClean="0"/>
-              <a:t>s’ = </a:t>
-            </a:r>
-            <a:r>
-              <a:rPr lang="el-GR" i="1" dirty="0" smtClean="0"/>
-              <a:t>ϕ</a:t>
-            </a:r>
-            <a:r>
-              <a:rPr lang="en-US" i="1" dirty="0" smtClean="0"/>
-              <a:t>(</a:t>
-            </a:r>
-            <a:r>
-              <a:rPr lang="en-US" i="1" dirty="0" err="1" smtClean="0"/>
-              <a:t>s,a</a:t>
-            </a:r>
-            <a:r>
-              <a:rPr lang="en-US" i="1" dirty="0" smtClean="0"/>
-              <a:t>)</a:t>
-            </a:r>
-          </a:p>
-          <a:p>
-            <a:endParaRPr lang="en-US" dirty="0" smtClean="0"/>
-          </a:p>
-        </p:txBody>
-      </p:sp>
+      <p:pic>
+        <p:nvPicPr>
+          <p:cNvPr id="2050" name="Picture 2"/>
+          <p:cNvPicPr>
+            <a:picLocks noChangeAspect="1" noChangeArrowheads="1"/>
+          </p:cNvPicPr>
+          <p:nvPr/>
+        </p:nvPicPr>
+        <p:blipFill>
+          <a:blip r:embed="rId3"/>
+          <a:srcRect/>
+          <a:stretch>
+            <a:fillRect/>
+          </a:stretch>
+        </p:blipFill>
+        <p:spPr bwMode="auto">
+          <a:xfrm>
+            <a:off x="609600" y="1600200"/>
+            <a:ext cx="6243637" cy="5192959"/>
+          </a:xfrm>
+          <a:prstGeom prst="rect">
+            <a:avLst/>
+          </a:prstGeom>
+          <a:noFill/>
+          <a:ln w="9525">
+            <a:noFill/>
+            <a:miter lim="800000"/>
+            <a:headEnd/>
+            <a:tailEnd/>
+          </a:ln>
+          <a:effectLst/>
+        </p:spPr>
+      </p:pic>
     </p:spTree>
   </p:cSld>
   <p:clrMapOvr>
@@ -7256,32 +7458,9 @@
           <a:chExt cx="0" cy="0"/>
         </a:xfrm>
       </p:grpSpPr>
-      <p:sp>
-        <p:nvSpPr>
-          <p:cNvPr id="2" name="Title 1"/>
-          <p:cNvSpPr>
-            <a:spLocks noGrp="1"/>
-          </p:cNvSpPr>
-          <p:nvPr>
-            <p:ph type="title"/>
-          </p:nvPr>
-        </p:nvSpPr>
-        <p:spPr/>
-        <p:txBody>
-          <a:bodyPr/>
-          <a:lstStyle/>
-          <a:p>
-            <a:r>
-              <a:rPr lang="en-US" dirty="0" smtClean="0"/>
-              <a:t>𝛿-Search</a:t>
-            </a:r>
-            <a:endParaRPr lang="en-US" dirty="0"/>
-          </a:p>
-        </p:txBody>
-      </p:sp>
       <p:pic>
         <p:nvPicPr>
-          <p:cNvPr id="1026" name="Picture 2"/>
+          <p:cNvPr id="11" name="Picture 2"/>
           <p:cNvPicPr>
             <a:picLocks noChangeAspect="1" noChangeArrowheads="1"/>
           </p:cNvPicPr>
@@ -7296,8 +7475,8 @@
         </p:blipFill>
         <p:spPr bwMode="auto">
           <a:xfrm>
-            <a:off x="527604" y="1523999"/>
-            <a:ext cx="5739655" cy="5334001"/>
+            <a:off x="609600" y="1600200"/>
+            <a:ext cx="6243637" cy="5192959"/>
           </a:xfrm>
           <a:prstGeom prst="rect">
             <a:avLst/>
@@ -7312,71 +7491,6 @@
           <a:effectLst/>
         </p:spPr>
       </p:pic>
-    </p:spTree>
-  </p:cSld>
-  <p:clrMapOvr>
-    <a:masterClrMapping/>
-  </p:clrMapOvr>
-  <p:timing>
-    <p:tnLst>
-      <p:par>
-        <p:cTn id="1" dur="indefinite" restart="never" nodeType="tmRoot"/>
-      </p:par>
-    </p:tnLst>
-  </p:timing>
-</p:sld>
-</file>
-
-<file path=ppt/slides/slide19.xml><?xml version="1.0" encoding="utf-8"?>
-<p:sld xmlns:a="http://schemas.openxmlformats.org/drawingml/2006/main" xmlns:r="http://schemas.openxmlformats.org/officeDocument/2006/relationships" xmlns:p="http://schemas.openxmlformats.org/presentationml/2006/main">
-  <p:cSld>
-    <p:spTree>
-      <p:nvGrpSpPr>
-        <p:cNvPr id="1" name=""/>
-        <p:cNvGrpSpPr/>
-        <p:nvPr/>
-      </p:nvGrpSpPr>
-      <p:grpSpPr>
-        <a:xfrm>
-          <a:off x="0" y="0"/>
-          <a:ext cx="0" cy="0"/>
-          <a:chOff x="0" y="0"/>
-          <a:chExt cx="0" cy="0"/>
-        </a:xfrm>
-      </p:grpSpPr>
-      <p:pic>
-        <p:nvPicPr>
-          <p:cNvPr id="9" name="Picture 2"/>
-          <p:cNvPicPr>
-            <a:picLocks noChangeAspect="1" noChangeArrowheads="1"/>
-          </p:cNvPicPr>
-          <p:nvPr/>
-        </p:nvPicPr>
-        <p:blipFill>
-          <a:blip r:embed="rId2"/>
-          <a:srcRect/>
-          <a:stretch>
-            <a:fillRect/>
-          </a:stretch>
-        </p:blipFill>
-        <p:spPr bwMode="auto">
-          <a:xfrm>
-            <a:off x="527604" y="1523999"/>
-            <a:ext cx="5739655" cy="5334001"/>
-          </a:xfrm>
-          <a:prstGeom prst="rect">
-            <a:avLst/>
-          </a:prstGeom>
-          <a:noFill/>
-          <a:ln w="9525">
-            <a:noFill/>
-            <a:miter lim="800000"/>
-            <a:headEnd/>
-            <a:tailEnd/>
-          </a:ln>
-          <a:effectLst/>
-        </p:spPr>
-      </p:pic>
       <p:sp>
         <p:nvSpPr>
           <p:cNvPr id="2" name="Title 1"/>
@@ -7409,7 +7523,7 @@
         <p:spPr>
           <a:xfrm>
             <a:off x="4953000" y="1905000"/>
-            <a:ext cx="3886200" cy="1200329"/>
+            <a:ext cx="3886200" cy="1477328"/>
           </a:xfrm>
           <a:prstGeom prst="rect">
             <a:avLst/>
@@ -7464,6 +7578,8 @@
               <a:rPr lang="en-US" dirty="0" smtClean="0"/>
               <a:t> Select a Goal State</a:t>
             </a:r>
+          </a:p>
+          <a:p>
             <a:endParaRPr lang="en-US" dirty="0"/>
           </a:p>
         </p:txBody>
@@ -7476,8 +7592,8 @@
         </p:nvSpPr>
         <p:spPr>
           <a:xfrm>
-            <a:off x="914400" y="1752600"/>
-            <a:ext cx="2514600" cy="914400"/>
+            <a:off x="1066800" y="1828800"/>
+            <a:ext cx="3276600" cy="1219200"/>
           </a:xfrm>
           <a:prstGeom prst="rect">
             <a:avLst/>
@@ -7532,8 +7648,8 @@
         </p:nvCxnSpPr>
         <p:spPr>
           <a:xfrm>
-            <a:off x="3429000" y="2209800"/>
-            <a:ext cx="1524000" cy="295365"/>
+            <a:off x="4343400" y="2438400"/>
+            <a:ext cx="609600" cy="205264"/>
           </a:xfrm>
           <a:prstGeom prst="bentConnector3">
             <a:avLst>
@@ -7580,8 +7696,8 @@
 </p:sld>
 </file>
 
-<file path=ppt/slides/slide2.xml><?xml version="1.0" encoding="utf-8"?>
-<p:sld xmlns:a="http://schemas.openxmlformats.org/drawingml/2006/main" xmlns:r="http://schemas.openxmlformats.org/officeDocument/2006/relationships" xmlns:p="http://schemas.openxmlformats.org/presentationml/2006/main" show="0">
+<file path=ppt/slides/slide19.xml><?xml version="1.0" encoding="utf-8"?>
+<p:sld xmlns:a="http://schemas.openxmlformats.org/drawingml/2006/main" xmlns:r="http://schemas.openxmlformats.org/officeDocument/2006/relationships" xmlns:p="http://schemas.openxmlformats.org/presentationml/2006/main">
   <p:cSld>
     <p:spTree>
       <p:nvGrpSpPr>
@@ -7597,9 +7713,42 @@
           <a:chExt cx="0" cy="0"/>
         </a:xfrm>
       </p:grpSpPr>
-      <p:sp>
-        <p:nvSpPr>
-          <p:cNvPr id="3" name="Title 2"/>
+      <p:pic>
+        <p:nvPicPr>
+          <p:cNvPr id="8" name="Picture 2"/>
+          <p:cNvPicPr>
+            <a:picLocks noChangeAspect="1" noChangeArrowheads="1"/>
+          </p:cNvPicPr>
+          <p:nvPr/>
+        </p:nvPicPr>
+        <p:blipFill>
+          <a:blip r:embed="rId2"/>
+          <a:srcRect/>
+          <a:stretch>
+            <a:fillRect/>
+          </a:stretch>
+        </p:blipFill>
+        <p:spPr bwMode="auto">
+          <a:xfrm>
+            <a:off x="609600" y="1600200"/>
+            <a:ext cx="6243637" cy="5192959"/>
+          </a:xfrm>
+          <a:prstGeom prst="rect">
+            <a:avLst/>
+          </a:prstGeom>
+          <a:noFill/>
+          <a:ln w="9525">
+            <a:noFill/>
+            <a:miter lim="800000"/>
+            <a:headEnd/>
+            <a:tailEnd/>
+          </a:ln>
+          <a:effectLst/>
+        </p:spPr>
+      </p:pic>
+      <p:sp>
+        <p:nvSpPr>
+          <p:cNvPr id="2" name="Title 1"/>
           <p:cNvSpPr>
             <a:spLocks noGrp="1"/>
           </p:cNvSpPr>
@@ -7614,7 +7763,7 @@
           <a:p>
             <a:r>
               <a:rPr lang="en-US" dirty="0" smtClean="0"/>
-              <a:t>Motivation</a:t>
+              <a:t>𝛿-Search</a:t>
             </a:r>
             <a:endParaRPr lang="en-US" dirty="0"/>
           </a:p>
@@ -7622,53 +7771,278 @@
       </p:sp>
       <p:sp>
         <p:nvSpPr>
-          <p:cNvPr id="2" name="Content Placeholder 1"/>
-          <p:cNvSpPr>
-            <a:spLocks noGrp="1"/>
-          </p:cNvSpPr>
-          <p:nvPr>
-            <p:ph sz="quarter" idx="1"/>
-          </p:nvPr>
-        </p:nvSpPr>
-        <p:spPr/>
-        <p:txBody>
-          <a:bodyPr/>
-          <a:lstStyle/>
-          <a:p>
-            <a:r>
-              <a:rPr lang="en-US" dirty="0" smtClean="0"/>
-              <a:t>Fighting games are unique competitive multiplayer games</a:t>
-            </a:r>
-          </a:p>
-          <a:p>
-            <a:pPr lvl="1"/>
-            <a:r>
-              <a:rPr lang="en-US" dirty="0" smtClean="0"/>
-              <a:t>Real-time</a:t>
-            </a:r>
-          </a:p>
-          <a:p>
-            <a:pPr lvl="1"/>
-            <a:r>
-              <a:rPr lang="en-US" dirty="0" smtClean="0"/>
-              <a:t>1 vs. 1</a:t>
-            </a:r>
-          </a:p>
-          <a:p>
-            <a:pPr lvl="1"/>
-            <a:r>
-              <a:rPr lang="en-US" dirty="0" smtClean="0"/>
-              <a:t>Constant meaningful decision-making</a:t>
-            </a:r>
-          </a:p>
-        </p:txBody>
-      </p:sp>
+          <p:cNvPr id="4" name="TextBox 3"/>
+          <p:cNvSpPr txBox="1"/>
+          <p:nvPr/>
+        </p:nvSpPr>
+        <p:spPr>
+          <a:xfrm>
+            <a:off x="4876800" y="1600200"/>
+            <a:ext cx="4267200" cy="1200329"/>
+          </a:xfrm>
+          <a:prstGeom prst="rect">
+            <a:avLst/>
+          </a:prstGeom>
+          <a:noFill/>
+        </p:spPr>
+        <p:txBody>
+          <a:bodyPr wrap="square" rtlCol="0">
+            <a:spAutoFit/>
+          </a:bodyPr>
+          <a:lstStyle/>
+          <a:p>
+            <a:pPr>
+              <a:buFont typeface="Arial" pitchFamily="34" charset="0"/>
+              <a:buChar char="•"/>
+            </a:pPr>
+            <a:r>
+              <a:rPr lang="en-US" dirty="0" smtClean="0"/>
+              <a:t> Prioritize expanding the states in the KNOWN queue</a:t>
+            </a:r>
+          </a:p>
+          <a:p>
+            <a:pPr>
+              <a:buFont typeface="Arial" pitchFamily="34" charset="0"/>
+              <a:buChar char="•"/>
+            </a:pPr>
+            <a:r>
+              <a:rPr lang="en-US" dirty="0" smtClean="0"/>
+              <a:t> Prefer to expand Known-Transitions first</a:t>
+            </a:r>
+            <a:endParaRPr lang="en-US" dirty="0"/>
+          </a:p>
+        </p:txBody>
+      </p:sp>
+      <p:sp>
+        <p:nvSpPr>
+          <p:cNvPr id="5" name="Rectangle 4"/>
+          <p:cNvSpPr/>
+          <p:nvPr/>
+        </p:nvSpPr>
+        <p:spPr>
+          <a:xfrm flipV="1">
+            <a:off x="1066800" y="3048000"/>
+            <a:ext cx="4724400" cy="609600"/>
+          </a:xfrm>
+          <a:prstGeom prst="rect">
+            <a:avLst/>
+          </a:prstGeom>
+          <a:solidFill>
+            <a:schemeClr val="accent1">
+              <a:alpha val="10000"/>
+            </a:schemeClr>
+          </a:solidFill>
+          <a:ln>
+            <a:solidFill>
+              <a:schemeClr val="tx1">
+                <a:lumMod val="65000"/>
+                <a:lumOff val="35000"/>
+              </a:schemeClr>
+            </a:solidFill>
+          </a:ln>
+        </p:spPr>
+        <p:style>
+          <a:lnRef idx="2">
+            <a:schemeClr val="accent1">
+              <a:shade val="50000"/>
+            </a:schemeClr>
+          </a:lnRef>
+          <a:fillRef idx="1">
+            <a:schemeClr val="accent1"/>
+          </a:fillRef>
+          <a:effectRef idx="0">
+            <a:schemeClr val="accent1"/>
+          </a:effectRef>
+          <a:fontRef idx="minor">
+            <a:schemeClr val="lt1"/>
+          </a:fontRef>
+        </p:style>
+        <p:txBody>
+          <a:bodyPr rtlCol="0" anchor="ctr"/>
+          <a:lstStyle/>
+          <a:p>
+            <a:pPr algn="ctr"/>
+            <a:endParaRPr lang="en-US"/>
+          </a:p>
+        </p:txBody>
+      </p:sp>
+      <p:cxnSp>
+        <p:nvCxnSpPr>
+          <p:cNvPr id="7" name="Elbow Connector 6"/>
+          <p:cNvCxnSpPr>
+            <a:stCxn id="5" idx="3"/>
+            <a:endCxn id="4" idx="1"/>
+          </p:cNvCxnSpPr>
+          <p:nvPr/>
+        </p:nvCxnSpPr>
+        <p:spPr>
+          <a:xfrm flipH="1" flipV="1">
+            <a:off x="4876800" y="2200365"/>
+            <a:ext cx="914400" cy="1152435"/>
+          </a:xfrm>
+          <a:prstGeom prst="bentConnector5">
+            <a:avLst>
+              <a:gd name="adj1" fmla="val -25000"/>
+              <a:gd name="adj2" fmla="val 37185"/>
+              <a:gd name="adj3" fmla="val 125000"/>
+            </a:avLst>
+          </a:prstGeom>
+          <a:ln w="19050">
+            <a:solidFill>
+              <a:schemeClr val="tx1">
+                <a:lumMod val="75000"/>
+                <a:lumOff val="25000"/>
+              </a:schemeClr>
+            </a:solidFill>
+            <a:tailEnd type="arrow"/>
+          </a:ln>
+        </p:spPr>
+        <p:style>
+          <a:lnRef idx="1">
+            <a:schemeClr val="accent1"/>
+          </a:lnRef>
+          <a:fillRef idx="0">
+            <a:schemeClr val="accent1"/>
+          </a:fillRef>
+          <a:effectRef idx="0">
+            <a:schemeClr val="accent1"/>
+          </a:effectRef>
+          <a:fontRef idx="minor">
+            <a:schemeClr val="tx1"/>
+          </a:fontRef>
+        </p:style>
+      </p:cxnSp>
     </p:spTree>
   </p:cSld>
   <p:clrMapOvr>
     <a:masterClrMapping/>
   </p:clrMapOvr>
-  <p:transition/>
+  <p:timing>
+    <p:tnLst>
+      <p:par>
+        <p:cTn id="1" dur="indefinite" restart="never" nodeType="tmRoot"/>
+      </p:par>
+    </p:tnLst>
+  </p:timing>
+</p:sld>
+</file>
+
+<file path=ppt/slides/slide2.xml><?xml version="1.0" encoding="utf-8"?>
+<p:sld xmlns:a="http://schemas.openxmlformats.org/drawingml/2006/main" xmlns:r="http://schemas.openxmlformats.org/officeDocument/2006/relationships" xmlns:p="http://schemas.openxmlformats.org/presentationml/2006/main">
+  <p:cSld>
+    <p:spTree>
+      <p:nvGrpSpPr>
+        <p:cNvPr id="1" name=""/>
+        <p:cNvGrpSpPr/>
+        <p:nvPr/>
+      </p:nvGrpSpPr>
+      <p:grpSpPr>
+        <a:xfrm>
+          <a:off x="0" y="0"/>
+          <a:ext cx="0" cy="0"/>
+          <a:chOff x="0" y="0"/>
+          <a:chExt cx="0" cy="0"/>
+        </a:xfrm>
+      </p:grpSpPr>
+      <p:sp>
+        <p:nvSpPr>
+          <p:cNvPr id="2" name="Title 1"/>
+          <p:cNvSpPr>
+            <a:spLocks noGrp="1"/>
+          </p:cNvSpPr>
+          <p:nvPr>
+            <p:ph type="title"/>
+          </p:nvPr>
+        </p:nvSpPr>
+        <p:spPr/>
+        <p:txBody>
+          <a:bodyPr/>
+          <a:lstStyle/>
+          <a:p>
+            <a:r>
+              <a:rPr lang="en-US" dirty="0" smtClean="0"/>
+              <a:t>Motivation</a:t>
+            </a:r>
+            <a:endParaRPr lang="en-US" dirty="0"/>
+          </a:p>
+        </p:txBody>
+      </p:sp>
+      <p:sp>
+        <p:nvSpPr>
+          <p:cNvPr id="3" name="Content Placeholder 2"/>
+          <p:cNvSpPr>
+            <a:spLocks noGrp="1"/>
+          </p:cNvSpPr>
+          <p:nvPr>
+            <p:ph sz="quarter" idx="1"/>
+          </p:nvPr>
+        </p:nvSpPr>
+        <p:spPr/>
+        <p:txBody>
+          <a:bodyPr/>
+          <a:lstStyle/>
+          <a:p>
+            <a:r>
+              <a:rPr lang="en-US" dirty="0" smtClean="0"/>
+              <a:t>Current Fighting Game AI is a poor substitute for human-play</a:t>
+            </a:r>
+          </a:p>
+          <a:p>
+            <a:pPr lvl="1"/>
+            <a:r>
+              <a:rPr lang="en-US" dirty="0" smtClean="0"/>
+              <a:t>Abuses perfect execution and state information</a:t>
+            </a:r>
+          </a:p>
+          <a:p>
+            <a:pPr lvl="1"/>
+            <a:r>
+              <a:rPr lang="en-US" dirty="0" smtClean="0"/>
+              <a:t>Has a fixed set of behavior patterns which can be exploited</a:t>
+            </a:r>
+          </a:p>
+          <a:p>
+            <a:pPr lvl="1"/>
+            <a:r>
+              <a:rPr lang="en-US" dirty="0" smtClean="0"/>
+              <a:t>Optimal AI strategies are not indicative of those of real human players</a:t>
+            </a:r>
+            <a:endParaRPr lang="en-US" dirty="0"/>
+          </a:p>
+        </p:txBody>
+      </p:sp>
+      <p:pic>
+        <p:nvPicPr>
+          <p:cNvPr id="4" name="Picture 15" descr="http://www.fightersgeneration.com/nz3/game/chronophantasma-ps3-review-screenshot19.jpg"/>
+          <p:cNvPicPr>
+            <a:picLocks noChangeAspect="1" noChangeArrowheads="1"/>
+          </p:cNvPicPr>
+          <p:nvPr/>
+        </p:nvPicPr>
+        <p:blipFill>
+          <a:blip r:embed="rId3"/>
+          <a:srcRect/>
+          <a:stretch>
+            <a:fillRect/>
+          </a:stretch>
+        </p:blipFill>
+        <p:spPr bwMode="auto">
+          <a:xfrm>
+            <a:off x="4876800" y="4648200"/>
+            <a:ext cx="3276600" cy="1965960"/>
+          </a:xfrm>
+          <a:prstGeom prst="rect">
+            <a:avLst/>
+          </a:prstGeom>
+          <a:noFill/>
+        </p:spPr>
+      </p:pic>
+    </p:spTree>
+  </p:cSld>
+  <p:clrMapOvr>
+    <a:masterClrMapping/>
+  </p:clrMapOvr>
+  <p:transition advTm="610"/>
   <p:timing>
     <p:tnLst>
       <p:par>
@@ -7713,8 +8087,8 @@
         </p:blipFill>
         <p:spPr bwMode="auto">
           <a:xfrm>
-            <a:off x="527604" y="1523999"/>
-            <a:ext cx="5739655" cy="5334001"/>
+            <a:off x="609600" y="1600200"/>
+            <a:ext cx="6243637" cy="5192959"/>
           </a:xfrm>
           <a:prstGeom prst="rect">
             <a:avLst/>
@@ -7760,8 +8134,8 @@
         </p:nvSpPr>
         <p:spPr>
           <a:xfrm>
-            <a:off x="4724400" y="2286000"/>
-            <a:ext cx="4267200" cy="923330"/>
+            <a:off x="5029200" y="1752600"/>
+            <a:ext cx="3962400" cy="1477328"/>
           </a:xfrm>
           <a:prstGeom prst="rect">
             <a:avLst/>
@@ -7774,23 +8148,9 @@
           </a:bodyPr>
           <a:lstStyle/>
           <a:p>
-            <a:pPr>
-              <a:buFont typeface="Arial" pitchFamily="34" charset="0"/>
-              <a:buChar char="•"/>
-            </a:pPr>
-            <a:r>
-              <a:rPr lang="en-US" dirty="0" smtClean="0"/>
-              <a:t> Add the starting state to the correct PQ</a:t>
-            </a:r>
-          </a:p>
-          <a:p>
-            <a:pPr>
-              <a:buFont typeface="Arial" pitchFamily="34" charset="0"/>
-              <a:buChar char="•"/>
-            </a:pPr>
-            <a:r>
-              <a:rPr lang="en-US" dirty="0" smtClean="0"/>
-              <a:t> KNOWN always holds states which have been seen in the demonstration </a:t>
+            <a:r>
+              <a:rPr lang="en-US" dirty="0" smtClean="0"/>
+              <a:t>Non-goal States which have not been expanded by both 𝛿-Transitions and Known-Transitions are expanded and added to the correct Queue</a:t>
             </a:r>
             <a:endParaRPr lang="en-US" dirty="0"/>
           </a:p>
@@ -7803,9 +8163,9 @@
           <p:nvPr/>
         </p:nvSpPr>
         <p:spPr>
-          <a:xfrm>
-            <a:off x="914400" y="2667000"/>
-            <a:ext cx="2895600" cy="762000"/>
+          <a:xfrm flipV="1">
+            <a:off x="1524000" y="3657600"/>
+            <a:ext cx="5334000" cy="1295400"/>
           </a:xfrm>
           <a:prstGeom prst="rect">
             <a:avLst/>
@@ -7852,20 +8212,19 @@
       <p:cxnSp>
         <p:nvCxnSpPr>
           <p:cNvPr id="7" name="Elbow Connector 6"/>
-          <p:cNvCxnSpPr>
-            <a:stCxn id="5" idx="3"/>
-            <a:endCxn id="4" idx="1"/>
-          </p:cNvCxnSpPr>
+          <p:cNvCxnSpPr/>
           <p:nvPr/>
         </p:nvCxnSpPr>
         <p:spPr>
-          <a:xfrm flipV="1">
-            <a:off x="3810000" y="2747665"/>
-            <a:ext cx="914400" cy="300335"/>
+          <a:xfrm flipH="1" flipV="1">
+            <a:off x="5029200" y="2514600"/>
+            <a:ext cx="1828800" cy="1814036"/>
           </a:xfrm>
-          <a:prstGeom prst="bentConnector3">
+          <a:prstGeom prst="bentConnector5">
             <a:avLst>
-              <a:gd name="adj1" fmla="val 50000"/>
+              <a:gd name="adj1" fmla="val -12500"/>
+              <a:gd name="adj2" fmla="val 54240"/>
+              <a:gd name="adj3" fmla="val 108563"/>
             </a:avLst>
           </a:prstGeom>
           <a:ln w="19050">
@@ -7927,7 +8286,7 @@
       </p:grpSpPr>
       <p:pic>
         <p:nvPicPr>
-          <p:cNvPr id="12" name="Picture 2"/>
+          <p:cNvPr id="9" name="Picture 2"/>
           <p:cNvPicPr>
             <a:picLocks noChangeAspect="1" noChangeArrowheads="1"/>
           </p:cNvPicPr>
@@ -7942,8 +8301,8 @@
         </p:blipFill>
         <p:spPr bwMode="auto">
           <a:xfrm>
-            <a:off x="527604" y="1523999"/>
-            <a:ext cx="5739655" cy="5334001"/>
+            <a:off x="609600" y="1600200"/>
+            <a:ext cx="6243637" cy="5192959"/>
           </a:xfrm>
           <a:prstGeom prst="rect">
             <a:avLst/>
@@ -7989,8 +8348,8 @@
         </p:nvSpPr>
         <p:spPr>
           <a:xfrm>
-            <a:off x="4724400" y="1905000"/>
-            <a:ext cx="4267200" cy="1200329"/>
+            <a:off x="5029200" y="2209800"/>
+            <a:ext cx="3962400" cy="923330"/>
           </a:xfrm>
           <a:prstGeom prst="rect">
             <a:avLst/>
@@ -8003,23 +8362,9 @@
           </a:bodyPr>
           <a:lstStyle/>
           <a:p>
-            <a:pPr>
-              <a:buFont typeface="Arial" pitchFamily="34" charset="0"/>
-              <a:buChar char="•"/>
-            </a:pPr>
-            <a:r>
-              <a:rPr lang="en-US" dirty="0" smtClean="0"/>
-              <a:t> Prioritize expanding the states in the KNOWN queue</a:t>
-            </a:r>
-          </a:p>
-          <a:p>
-            <a:pPr>
-              <a:buFont typeface="Arial" pitchFamily="34" charset="0"/>
-              <a:buChar char="•"/>
-            </a:pPr>
-            <a:r>
-              <a:rPr lang="en-US" dirty="0" smtClean="0"/>
-              <a:t> Prefer to expand Known-Transitions first</a:t>
+            <a:r>
+              <a:rPr lang="en-US" dirty="0" smtClean="0"/>
+              <a:t>When there are no more states in the KNOWN queue, expand states in the UNKNOWN queue</a:t>
             </a:r>
             <a:endParaRPr lang="en-US" dirty="0"/>
           </a:p>
@@ -8033,8 +8378,8 @@
         </p:nvSpPr>
         <p:spPr>
           <a:xfrm flipV="1">
-            <a:off x="914400" y="3352800"/>
-            <a:ext cx="4724400" cy="609600"/>
+            <a:off x="1295400" y="4953000"/>
+            <a:ext cx="5029200" cy="1752600"/>
           </a:xfrm>
           <a:prstGeom prst="rect">
             <a:avLst/>
@@ -8089,14 +8434,14 @@
         </p:nvCxnSpPr>
         <p:spPr>
           <a:xfrm flipH="1" flipV="1">
-            <a:off x="4724400" y="2505165"/>
-            <a:ext cx="914400" cy="1152435"/>
+            <a:off x="5029200" y="2671465"/>
+            <a:ext cx="1295400" cy="3157835"/>
           </a:xfrm>
           <a:prstGeom prst="bentConnector5">
             <a:avLst>
-              <a:gd name="adj1" fmla="val -25000"/>
-              <a:gd name="adj2" fmla="val 37185"/>
-              <a:gd name="adj3" fmla="val 125000"/>
+              <a:gd name="adj1" fmla="val -17647"/>
+              <a:gd name="adj2" fmla="val 56565"/>
+              <a:gd name="adj3" fmla="val 117647"/>
             </a:avLst>
           </a:prstGeom>
           <a:ln w="19050">
@@ -8124,6 +8469,35 @@
           </a:fontRef>
         </p:style>
       </p:cxnSp>
+      <p:sp>
+        <p:nvSpPr>
+          <p:cNvPr id="15" name="Rectangle 14"/>
+          <p:cNvSpPr/>
+          <p:nvPr/>
+        </p:nvSpPr>
+        <p:spPr>
+          <a:xfrm>
+            <a:off x="6705600" y="5410200"/>
+            <a:ext cx="2362200" cy="923330"/>
+          </a:xfrm>
+          <a:prstGeom prst="rect">
+            <a:avLst/>
+          </a:prstGeom>
+        </p:spPr>
+        <p:txBody>
+          <a:bodyPr wrap="square">
+            <a:spAutoFit/>
+          </a:bodyPr>
+          <a:lstStyle/>
+          <a:p>
+            <a:r>
+              <a:rPr lang="en-US" dirty="0" smtClean="0"/>
+              <a:t>This process continues until a goal state is reached</a:t>
+            </a:r>
+            <a:endParaRPr lang="en-US" dirty="0"/>
+          </a:p>
+        </p:txBody>
+      </p:sp>
     </p:spTree>
   </p:cSld>
   <p:clrMapOvr>
@@ -8156,39 +8530,6 @@
           <a:chExt cx="0" cy="0"/>
         </a:xfrm>
       </p:grpSpPr>
-      <p:pic>
-        <p:nvPicPr>
-          <p:cNvPr id="9" name="Picture 2"/>
-          <p:cNvPicPr>
-            <a:picLocks noChangeAspect="1" noChangeArrowheads="1"/>
-          </p:cNvPicPr>
-          <p:nvPr/>
-        </p:nvPicPr>
-        <p:blipFill>
-          <a:blip r:embed="rId2"/>
-          <a:srcRect/>
-          <a:stretch>
-            <a:fillRect/>
-          </a:stretch>
-        </p:blipFill>
-        <p:spPr bwMode="auto">
-          <a:xfrm>
-            <a:off x="527604" y="1523999"/>
-            <a:ext cx="5739655" cy="5334001"/>
-          </a:xfrm>
-          <a:prstGeom prst="rect">
-            <a:avLst/>
-          </a:prstGeom>
-          <a:noFill/>
-          <a:ln w="9525">
-            <a:noFill/>
-            <a:miter lim="800000"/>
-            <a:headEnd/>
-            <a:tailEnd/>
-          </a:ln>
-          <a:effectLst/>
-        </p:spPr>
-      </p:pic>
       <p:sp>
         <p:nvSpPr>
           <p:cNvPr id="2" name="Title 1"/>
@@ -8201,154 +8542,44 @@
         </p:nvSpPr>
         <p:spPr/>
         <p:txBody>
+          <a:bodyPr>
+            <a:normAutofit/>
+          </a:bodyPr>
+          <a:lstStyle/>
+          <a:p>
+            <a:r>
+              <a:rPr lang="en-US" dirty="0" smtClean="0"/>
+              <a:t>Advantage of 𝛿-Search</a:t>
+            </a:r>
+            <a:endParaRPr lang="en-US" dirty="0"/>
+          </a:p>
+        </p:txBody>
+      </p:sp>
+      <p:sp>
+        <p:nvSpPr>
+          <p:cNvPr id="3" name="Content Placeholder 2"/>
+          <p:cNvSpPr>
+            <a:spLocks noGrp="1"/>
+          </p:cNvSpPr>
+          <p:nvPr>
+            <p:ph sz="quarter" idx="1"/>
+          </p:nvPr>
+        </p:nvSpPr>
+        <p:spPr/>
+        <p:txBody>
           <a:bodyPr/>
           <a:lstStyle/>
           <a:p>
             <a:r>
               <a:rPr lang="en-US" dirty="0" smtClean="0"/>
-              <a:t>𝛿-Search</a:t>
-            </a:r>
+              <a:t>𝛿-Search favors reduces the number of expansions by first prioritizing actions that make use of transitions shown in demonstration</a:t>
+            </a:r>
+          </a:p>
+          <a:p>
             <a:endParaRPr lang="en-US" dirty="0"/>
           </a:p>
         </p:txBody>
       </p:sp>
-      <p:sp>
-        <p:nvSpPr>
-          <p:cNvPr id="4" name="TextBox 3"/>
-          <p:cNvSpPr txBox="1"/>
-          <p:nvPr/>
-        </p:nvSpPr>
-        <p:spPr>
-          <a:xfrm>
-            <a:off x="4953000" y="1905000"/>
-            <a:ext cx="3962400" cy="1477328"/>
-          </a:xfrm>
-          <a:prstGeom prst="rect">
-            <a:avLst/>
-          </a:prstGeom>
-          <a:noFill/>
-        </p:spPr>
-        <p:txBody>
-          <a:bodyPr wrap="square" rtlCol="0">
-            <a:spAutoFit/>
-          </a:bodyPr>
-          <a:lstStyle/>
-          <a:p>
-            <a:r>
-              <a:rPr lang="en-US" dirty="0" smtClean="0"/>
-              <a:t>Non-goal </a:t>
-            </a:r>
-            <a:r>
-              <a:rPr lang="en-US" dirty="0" smtClean="0"/>
-              <a:t>States </a:t>
-            </a:r>
-            <a:r>
-              <a:rPr lang="en-US" dirty="0" smtClean="0"/>
-              <a:t>which have not been expanded by both 𝛿-Transitions and Known-Transitions are expanded and added to the correct Queue</a:t>
-            </a:r>
-            <a:endParaRPr lang="en-US" dirty="0"/>
-          </a:p>
-        </p:txBody>
-      </p:sp>
-      <p:sp>
-        <p:nvSpPr>
-          <p:cNvPr id="5" name="Rectangle 4"/>
-          <p:cNvSpPr/>
-          <p:nvPr/>
-        </p:nvSpPr>
-        <p:spPr>
-          <a:xfrm flipV="1">
-            <a:off x="1219200" y="3962400"/>
-            <a:ext cx="4800600" cy="1143000"/>
-          </a:xfrm>
-          <a:prstGeom prst="rect">
-            <a:avLst/>
-          </a:prstGeom>
-          <a:solidFill>
-            <a:schemeClr val="accent1">
-              <a:alpha val="10000"/>
-            </a:schemeClr>
-          </a:solidFill>
-          <a:ln>
-            <a:solidFill>
-              <a:schemeClr val="tx1">
-                <a:lumMod val="65000"/>
-                <a:lumOff val="35000"/>
-              </a:schemeClr>
-            </a:solidFill>
-          </a:ln>
-        </p:spPr>
-        <p:style>
-          <a:lnRef idx="2">
-            <a:schemeClr val="accent1">
-              <a:shade val="50000"/>
-            </a:schemeClr>
-          </a:lnRef>
-          <a:fillRef idx="1">
-            <a:schemeClr val="accent1"/>
-          </a:fillRef>
-          <a:effectRef idx="0">
-            <a:schemeClr val="accent1"/>
-          </a:effectRef>
-          <a:fontRef idx="minor">
-            <a:schemeClr val="lt1"/>
-          </a:fontRef>
-        </p:style>
-        <p:txBody>
-          <a:bodyPr rtlCol="0" anchor="ctr"/>
-          <a:lstStyle/>
-          <a:p>
-            <a:pPr algn="ctr"/>
-            <a:endParaRPr lang="en-US"/>
-          </a:p>
-        </p:txBody>
-      </p:sp>
-      <p:cxnSp>
-        <p:nvCxnSpPr>
-          <p:cNvPr id="7" name="Elbow Connector 6"/>
-          <p:cNvCxnSpPr>
-            <a:stCxn id="5" idx="3"/>
-            <a:endCxn id="4" idx="1"/>
-          </p:cNvCxnSpPr>
-          <p:nvPr/>
-        </p:nvCxnSpPr>
-        <p:spPr>
-          <a:xfrm flipH="1" flipV="1">
-            <a:off x="4953000" y="2643664"/>
-            <a:ext cx="1066800" cy="1890236"/>
-          </a:xfrm>
-          <a:prstGeom prst="bentConnector5">
-            <a:avLst>
-              <a:gd name="adj1" fmla="val -21429"/>
-              <a:gd name="adj2" fmla="val 45578"/>
-              <a:gd name="adj3" fmla="val 121429"/>
-            </a:avLst>
-          </a:prstGeom>
-          <a:ln w="19050">
-            <a:solidFill>
-              <a:schemeClr val="tx1">
-                <a:lumMod val="75000"/>
-                <a:lumOff val="25000"/>
-              </a:schemeClr>
-            </a:solidFill>
-            <a:tailEnd type="arrow"/>
-          </a:ln>
-        </p:spPr>
-        <p:style>
-          <a:lnRef idx="1">
-            <a:schemeClr val="accent1"/>
-          </a:lnRef>
-          <a:fillRef idx="0">
-            <a:schemeClr val="accent1"/>
-          </a:fillRef>
-          <a:effectRef idx="0">
-            <a:schemeClr val="accent1"/>
-          </a:effectRef>
-          <a:fontRef idx="minor">
-            <a:schemeClr val="tx1"/>
-          </a:fontRef>
-        </p:style>
-      </p:cxnSp>
     </p:spTree>
   </p:cSld>
   <p:clrMapOvr>
@@ -8381,39 +8612,6 @@
           <a:chExt cx="0" cy="0"/>
         </a:xfrm>
       </p:grpSpPr>
-      <p:pic>
-        <p:nvPicPr>
-          <p:cNvPr id="8" name="Picture 2"/>
-          <p:cNvPicPr>
-            <a:picLocks noChangeAspect="1" noChangeArrowheads="1"/>
-          </p:cNvPicPr>
-          <p:nvPr/>
-        </p:nvPicPr>
-        <p:blipFill>
-          <a:blip r:embed="rId2"/>
-          <a:srcRect/>
-          <a:stretch>
-            <a:fillRect/>
-          </a:stretch>
-        </p:blipFill>
-        <p:spPr bwMode="auto">
-          <a:xfrm>
-            <a:off x="527604" y="1523999"/>
-            <a:ext cx="5739655" cy="5334001"/>
-          </a:xfrm>
-          <a:prstGeom prst="rect">
-            <a:avLst/>
-          </a:prstGeom>
-          <a:noFill/>
-          <a:ln w="9525">
-            <a:noFill/>
-            <a:miter lim="800000"/>
-            <a:headEnd/>
-            <a:tailEnd/>
-          </a:ln>
-          <a:effectLst/>
-        </p:spPr>
-      </p:pic>
       <p:sp>
         <p:nvSpPr>
           <p:cNvPr id="2" name="Title 1"/>
@@ -8431,7 +8629,7 @@
           <a:p>
             <a:r>
               <a:rPr lang="en-US" dirty="0" smtClean="0"/>
-              <a:t>𝛿-Search</a:t>
+              <a:t>Topics</a:t>
             </a:r>
             <a:endParaRPr lang="en-US" dirty="0"/>
           </a:p>
@@ -8439,163 +8637,98 @@
       </p:sp>
       <p:sp>
         <p:nvSpPr>
-          <p:cNvPr id="4" name="TextBox 3"/>
-          <p:cNvSpPr txBox="1"/>
-          <p:nvPr/>
-        </p:nvSpPr>
-        <p:spPr>
-          <a:xfrm>
-            <a:off x="5029200" y="2209800"/>
-            <a:ext cx="3962400" cy="923330"/>
-          </a:xfrm>
-          <a:prstGeom prst="rect">
-            <a:avLst/>
-          </a:prstGeom>
-          <a:noFill/>
-        </p:spPr>
-        <p:txBody>
-          <a:bodyPr wrap="square" rtlCol="0">
-            <a:spAutoFit/>
+          <p:cNvPr id="3" name="Content Placeholder 2"/>
+          <p:cNvSpPr>
+            <a:spLocks noGrp="1"/>
+          </p:cNvSpPr>
+          <p:nvPr>
+            <p:ph sz="quarter" idx="1"/>
+          </p:nvPr>
+        </p:nvSpPr>
+        <p:spPr/>
+        <p:txBody>
+          <a:bodyPr>
+            <a:normAutofit fontScale="85000" lnSpcReduction="20000"/>
           </a:bodyPr>
           <a:lstStyle/>
           <a:p>
             <a:r>
               <a:rPr lang="en-US" dirty="0" smtClean="0"/>
-              <a:t>When there are no more states in the KNOWN queue, expand states in the UNKNOWN queue</a:t>
-            </a:r>
-            <a:endParaRPr lang="en-US" dirty="0"/>
-          </a:p>
-        </p:txBody>
-      </p:sp>
-      <p:sp>
-        <p:nvSpPr>
-          <p:cNvPr id="5" name="Rectangle 4"/>
-          <p:cNvSpPr/>
-          <p:nvPr/>
-        </p:nvSpPr>
-        <p:spPr>
-          <a:xfrm flipV="1">
-            <a:off x="914400" y="5181600"/>
-            <a:ext cx="4800600" cy="1524000"/>
-          </a:xfrm>
-          <a:prstGeom prst="rect">
-            <a:avLst/>
-          </a:prstGeom>
-          <a:solidFill>
-            <a:schemeClr val="accent1">
-              <a:alpha val="10000"/>
-            </a:schemeClr>
-          </a:solidFill>
-          <a:ln>
-            <a:solidFill>
-              <a:schemeClr val="tx1">
-                <a:lumMod val="65000"/>
-                <a:lumOff val="35000"/>
-              </a:schemeClr>
-            </a:solidFill>
-          </a:ln>
-        </p:spPr>
-        <p:style>
-          <a:lnRef idx="2">
-            <a:schemeClr val="accent1">
-              <a:shade val="50000"/>
-            </a:schemeClr>
-          </a:lnRef>
-          <a:fillRef idx="1">
-            <a:schemeClr val="accent1"/>
-          </a:fillRef>
-          <a:effectRef idx="0">
-            <a:schemeClr val="accent1"/>
-          </a:effectRef>
-          <a:fontRef idx="minor">
-            <a:schemeClr val="lt1"/>
-          </a:fontRef>
-        </p:style>
-        <p:txBody>
-          <a:bodyPr rtlCol="0" anchor="ctr"/>
-          <a:lstStyle/>
-          <a:p>
-            <a:pPr algn="ctr"/>
-            <a:endParaRPr lang="en-US"/>
-          </a:p>
-        </p:txBody>
-      </p:sp>
-      <p:cxnSp>
-        <p:nvCxnSpPr>
-          <p:cNvPr id="7" name="Elbow Connector 6"/>
-          <p:cNvCxnSpPr>
-            <a:stCxn id="5" idx="3"/>
-            <a:endCxn id="4" idx="1"/>
-          </p:cNvCxnSpPr>
-          <p:nvPr/>
-        </p:nvCxnSpPr>
-        <p:spPr>
-          <a:xfrm flipH="1" flipV="1">
-            <a:off x="5029200" y="2671465"/>
-            <a:ext cx="685800" cy="3272135"/>
-          </a:xfrm>
-          <a:prstGeom prst="bentConnector5">
-            <a:avLst>
-              <a:gd name="adj1" fmla="val -58945"/>
-              <a:gd name="adj2" fmla="val 67220"/>
-              <a:gd name="adj3" fmla="val 133333"/>
-            </a:avLst>
-          </a:prstGeom>
-          <a:ln w="19050">
-            <a:solidFill>
-              <a:schemeClr val="tx1">
-                <a:lumMod val="75000"/>
-                <a:lumOff val="25000"/>
-              </a:schemeClr>
-            </a:solidFill>
-            <a:tailEnd type="arrow"/>
-          </a:ln>
-        </p:spPr>
-        <p:style>
-          <a:lnRef idx="1">
-            <a:schemeClr val="accent1"/>
-          </a:lnRef>
-          <a:fillRef idx="0">
-            <a:schemeClr val="accent1"/>
-          </a:fillRef>
-          <a:effectRef idx="0">
-            <a:schemeClr val="accent1"/>
-          </a:effectRef>
-          <a:fontRef idx="minor">
-            <a:schemeClr val="tx1"/>
-          </a:fontRef>
-        </p:style>
-      </p:cxnSp>
-      <p:sp>
-        <p:nvSpPr>
-          <p:cNvPr id="15" name="Rectangle 14"/>
-          <p:cNvSpPr/>
-          <p:nvPr/>
-        </p:nvSpPr>
-        <p:spPr>
-          <a:xfrm>
-            <a:off x="6248400" y="5410200"/>
-            <a:ext cx="2667000" cy="923330"/>
-          </a:xfrm>
-          <a:prstGeom prst="rect">
-            <a:avLst/>
-          </a:prstGeom>
-        </p:spPr>
-        <p:txBody>
-          <a:bodyPr wrap="square">
-            <a:spAutoFit/>
-          </a:bodyPr>
-          <a:lstStyle/>
-          <a:p>
-            <a:r>
-              <a:rPr lang="en-US" dirty="0" smtClean="0"/>
-              <a:t>This process continues until a goal state</a:t>
-            </a:r>
-          </a:p>
-          <a:p>
-            <a:r>
-              <a:rPr lang="en-US" dirty="0" smtClean="0"/>
-              <a:t>Is reached</a:t>
+              <a:t>Domain Introduction</a:t>
+            </a:r>
+          </a:p>
+          <a:p>
+            <a:pPr lvl="1"/>
+            <a:r>
+              <a:rPr lang="en-US" dirty="0" smtClean="0"/>
+              <a:t>Environment Description</a:t>
+            </a:r>
+          </a:p>
+          <a:p>
+            <a:pPr lvl="1"/>
+            <a:r>
+              <a:rPr lang="en-US" dirty="0" smtClean="0"/>
+              <a:t>Search Representation</a:t>
+            </a:r>
+          </a:p>
+          <a:p>
+            <a:r>
+              <a:rPr lang="en-US" dirty="0" smtClean="0"/>
+              <a:t>Demonstration 𝛿-Search</a:t>
+            </a:r>
+          </a:p>
+          <a:p>
+            <a:pPr lvl="1"/>
+            <a:r>
+              <a:rPr lang="en-US" dirty="0" smtClean="0"/>
+              <a:t>Demonstrations</a:t>
+            </a:r>
+          </a:p>
+          <a:p>
+            <a:pPr lvl="1"/>
+            <a:r>
+              <a:rPr lang="en-US" dirty="0" smtClean="0"/>
+              <a:t>Action- 𝛿’s</a:t>
+            </a:r>
+          </a:p>
+          <a:p>
+            <a:pPr lvl="1"/>
+            <a:r>
+              <a:rPr lang="en-US" dirty="0" smtClean="0"/>
+              <a:t>𝛿-Search </a:t>
+            </a:r>
+          </a:p>
+          <a:p>
+            <a:r>
+              <a:rPr lang="en-US" b="1" u="sng" dirty="0" smtClean="0"/>
+              <a:t>Implementation Details</a:t>
+            </a:r>
+          </a:p>
+          <a:p>
+            <a:pPr lvl="1"/>
+            <a:r>
+              <a:rPr lang="en-US" dirty="0" smtClean="0"/>
+              <a:t>State Similarity</a:t>
+            </a:r>
+          </a:p>
+          <a:p>
+            <a:pPr lvl="1"/>
+            <a:r>
+              <a:rPr lang="en-US" dirty="0" smtClean="0"/>
+              <a:t>Full AI Framework</a:t>
+            </a:r>
+          </a:p>
+          <a:p>
+            <a:pPr lvl="1"/>
+            <a:r>
+              <a:rPr lang="en-US" dirty="0" smtClean="0"/>
+              <a:t>Additional Improvements</a:t>
+            </a:r>
+          </a:p>
+          <a:p>
+            <a:r>
+              <a:rPr lang="en-US" dirty="0" smtClean="0"/>
+              <a:t>Results</a:t>
             </a:r>
             <a:endParaRPr lang="en-US" dirty="0"/>
           </a:p>
@@ -8645,242 +8778,6 @@
         </p:nvSpPr>
         <p:spPr/>
         <p:txBody>
-          <a:bodyPr>
-            <a:normAutofit/>
-          </a:bodyPr>
-          <a:lstStyle/>
-          <a:p>
-            <a:r>
-              <a:rPr lang="en-US" dirty="0" smtClean="0"/>
-              <a:t>Advantage of 𝛿-Search</a:t>
-            </a:r>
-            <a:endParaRPr lang="en-US" dirty="0"/>
-          </a:p>
-        </p:txBody>
-      </p:sp>
-      <p:sp>
-        <p:nvSpPr>
-          <p:cNvPr id="3" name="Content Placeholder 2"/>
-          <p:cNvSpPr>
-            <a:spLocks noGrp="1"/>
-          </p:cNvSpPr>
-          <p:nvPr>
-            <p:ph sz="quarter" idx="1"/>
-          </p:nvPr>
-        </p:nvSpPr>
-        <p:spPr/>
-        <p:txBody>
-          <a:bodyPr/>
-          <a:lstStyle/>
-          <a:p>
-            <a:r>
-              <a:rPr lang="en-US" dirty="0" smtClean="0"/>
-              <a:t>𝛿-Search favors reduces the number of expansions by first prioritizing actions that make use of transitions shown in demonstration</a:t>
-            </a:r>
-          </a:p>
-          <a:p>
-            <a:endParaRPr lang="en-US" dirty="0"/>
-          </a:p>
-        </p:txBody>
-      </p:sp>
-    </p:spTree>
-  </p:cSld>
-  <p:clrMapOvr>
-    <a:masterClrMapping/>
-  </p:clrMapOvr>
-  <p:timing>
-    <p:tnLst>
-      <p:par>
-        <p:cTn id="1" dur="indefinite" restart="never" nodeType="tmRoot"/>
-      </p:par>
-    </p:tnLst>
-  </p:timing>
-</p:sld>
-</file>
-
-<file path=ppt/slides/slide25.xml><?xml version="1.0" encoding="utf-8"?>
-<p:sld xmlns:a="http://schemas.openxmlformats.org/drawingml/2006/main" xmlns:r="http://schemas.openxmlformats.org/officeDocument/2006/relationships" xmlns:p="http://schemas.openxmlformats.org/presentationml/2006/main">
-  <p:cSld>
-    <p:spTree>
-      <p:nvGrpSpPr>
-        <p:cNvPr id="1" name=""/>
-        <p:cNvGrpSpPr/>
-        <p:nvPr/>
-      </p:nvGrpSpPr>
-      <p:grpSpPr>
-        <a:xfrm>
-          <a:off x="0" y="0"/>
-          <a:ext cx="0" cy="0"/>
-          <a:chOff x="0" y="0"/>
-          <a:chExt cx="0" cy="0"/>
-        </a:xfrm>
-      </p:grpSpPr>
-      <p:sp>
-        <p:nvSpPr>
-          <p:cNvPr id="2" name="Title 1"/>
-          <p:cNvSpPr>
-            <a:spLocks noGrp="1"/>
-          </p:cNvSpPr>
-          <p:nvPr>
-            <p:ph type="title"/>
-          </p:nvPr>
-        </p:nvSpPr>
-        <p:spPr/>
-        <p:txBody>
-          <a:bodyPr/>
-          <a:lstStyle/>
-          <a:p>
-            <a:r>
-              <a:rPr lang="en-US" dirty="0" smtClean="0"/>
-              <a:t>Topics</a:t>
-            </a:r>
-            <a:endParaRPr lang="en-US" dirty="0"/>
-          </a:p>
-        </p:txBody>
-      </p:sp>
-      <p:sp>
-        <p:nvSpPr>
-          <p:cNvPr id="3" name="Content Placeholder 2"/>
-          <p:cNvSpPr>
-            <a:spLocks noGrp="1"/>
-          </p:cNvSpPr>
-          <p:nvPr>
-            <p:ph sz="quarter" idx="1"/>
-          </p:nvPr>
-        </p:nvSpPr>
-        <p:spPr/>
-        <p:txBody>
-          <a:bodyPr>
-            <a:normAutofit fontScale="85000" lnSpcReduction="20000"/>
-          </a:bodyPr>
-          <a:lstStyle/>
-          <a:p>
-            <a:r>
-              <a:rPr lang="en-US" dirty="0" smtClean="0"/>
-              <a:t>Domain Introduction</a:t>
-            </a:r>
-          </a:p>
-          <a:p>
-            <a:pPr lvl="1"/>
-            <a:r>
-              <a:rPr lang="en-US" dirty="0" smtClean="0"/>
-              <a:t>Environment Description</a:t>
-            </a:r>
-          </a:p>
-          <a:p>
-            <a:pPr lvl="1"/>
-            <a:r>
-              <a:rPr lang="en-US" dirty="0" smtClean="0"/>
-              <a:t>Search Representation</a:t>
-            </a:r>
-          </a:p>
-          <a:p>
-            <a:r>
-              <a:rPr lang="en-US" dirty="0" smtClean="0"/>
-              <a:t>Demonstration 𝛿-Search</a:t>
-            </a:r>
-          </a:p>
-          <a:p>
-            <a:pPr lvl="1"/>
-            <a:r>
-              <a:rPr lang="en-US" dirty="0" smtClean="0"/>
-              <a:t>Demonstrations</a:t>
-            </a:r>
-          </a:p>
-          <a:p>
-            <a:pPr lvl="1"/>
-            <a:r>
-              <a:rPr lang="en-US" dirty="0" smtClean="0"/>
-              <a:t>Action- 𝛿’s</a:t>
-            </a:r>
-          </a:p>
-          <a:p>
-            <a:pPr lvl="1"/>
-            <a:r>
-              <a:rPr lang="en-US" dirty="0" smtClean="0"/>
-              <a:t>𝛿-Search </a:t>
-            </a:r>
-          </a:p>
-          <a:p>
-            <a:r>
-              <a:rPr lang="en-US" b="1" u="sng" dirty="0" smtClean="0"/>
-              <a:t>Implementation Details</a:t>
-            </a:r>
-          </a:p>
-          <a:p>
-            <a:pPr lvl="1"/>
-            <a:r>
-              <a:rPr lang="en-US" dirty="0" smtClean="0"/>
-              <a:t>State Similarity</a:t>
-            </a:r>
-          </a:p>
-          <a:p>
-            <a:pPr lvl="1"/>
-            <a:r>
-              <a:rPr lang="en-US" dirty="0" smtClean="0"/>
-              <a:t>Full AI Framework</a:t>
-            </a:r>
-          </a:p>
-          <a:p>
-            <a:pPr lvl="1"/>
-            <a:r>
-              <a:rPr lang="en-US" dirty="0" smtClean="0"/>
-              <a:t>Additional Improvements</a:t>
-            </a:r>
-          </a:p>
-          <a:p>
-            <a:r>
-              <a:rPr lang="en-US" dirty="0" smtClean="0"/>
-              <a:t>Results</a:t>
-            </a:r>
-            <a:endParaRPr lang="en-US" dirty="0"/>
-          </a:p>
-        </p:txBody>
-      </p:sp>
-    </p:spTree>
-  </p:cSld>
-  <p:clrMapOvr>
-    <a:masterClrMapping/>
-  </p:clrMapOvr>
-  <p:timing>
-    <p:tnLst>
-      <p:par>
-        <p:cTn id="1" dur="indefinite" restart="never" nodeType="tmRoot"/>
-      </p:par>
-    </p:tnLst>
-  </p:timing>
-</p:sld>
-</file>
-
-<file path=ppt/slides/slide26.xml><?xml version="1.0" encoding="utf-8"?>
-<p:sld xmlns:a="http://schemas.openxmlformats.org/drawingml/2006/main" xmlns:r="http://schemas.openxmlformats.org/officeDocument/2006/relationships" xmlns:p="http://schemas.openxmlformats.org/presentationml/2006/main">
-  <p:cSld>
-    <p:spTree>
-      <p:nvGrpSpPr>
-        <p:cNvPr id="1" name=""/>
-        <p:cNvGrpSpPr/>
-        <p:nvPr/>
-      </p:nvGrpSpPr>
-      <p:grpSpPr>
-        <a:xfrm>
-          <a:off x="0" y="0"/>
-          <a:ext cx="0" cy="0"/>
-          <a:chOff x="0" y="0"/>
-          <a:chExt cx="0" cy="0"/>
-        </a:xfrm>
-      </p:grpSpPr>
-      <p:sp>
-        <p:nvSpPr>
-          <p:cNvPr id="2" name="Title 1"/>
-          <p:cNvSpPr>
-            <a:spLocks noGrp="1"/>
-          </p:cNvSpPr>
-          <p:nvPr>
-            <p:ph type="title"/>
-          </p:nvPr>
-        </p:nvSpPr>
-        <p:spPr/>
-        <p:txBody>
           <a:bodyPr/>
           <a:lstStyle/>
           <a:p>
@@ -9081,7 +8978,7 @@
 </p:sld>
 </file>
 
-<file path=ppt/slides/slide27.xml><?xml version="1.0" encoding="utf-8"?>
+<file path=ppt/slides/slide25.xml><?xml version="1.0" encoding="utf-8"?>
 <p:sld xmlns:a="http://schemas.openxmlformats.org/drawingml/2006/main" xmlns:r="http://schemas.openxmlformats.org/officeDocument/2006/relationships" xmlns:p="http://schemas.openxmlformats.org/presentationml/2006/main">
   <p:cSld>
     <p:spTree>
@@ -9161,7 +9058,7 @@
 </p:sld>
 </file>
 
-<file path=ppt/slides/slide28.xml><?xml version="1.0" encoding="utf-8"?>
+<file path=ppt/slides/slide26.xml><?xml version="1.0" encoding="utf-8"?>
 <p:sld xmlns:a="http://schemas.openxmlformats.org/drawingml/2006/main" xmlns:r="http://schemas.openxmlformats.org/officeDocument/2006/relationships" xmlns:p="http://schemas.openxmlformats.org/presentationml/2006/main">
   <p:cSld>
     <p:spTree>
@@ -9374,20 +9271,14 @@
             </a:r>
             <a:r>
               <a:rPr lang="en-US" dirty="0" smtClean="0"/>
-              <a:t>) * </a:t>
-            </a:r>
-            <a:r>
-              <a:rPr lang="en-US" dirty="0" smtClean="0"/>
-              <a:t>0.3</a:t>
-            </a:r>
-            <a:endParaRPr lang="en-US" dirty="0" smtClean="0"/>
+              <a:t>) * 0.3</a:t>
+            </a:r>
           </a:p>
           <a:p>
             <a:r>
               <a:rPr lang="en-US" dirty="0" smtClean="0"/>
               <a:t>Random selection emulates the players tendencies to employ different strategies</a:t>
             </a:r>
-            <a:endParaRPr lang="en-US" dirty="0" smtClean="0"/>
           </a:p>
           <a:p>
             <a:pPr lvl="1">
@@ -9412,7 +9303,7 @@
 </p:sld>
 </file>
 
-<file path=ppt/slides/slide29.xml><?xml version="1.0" encoding="utf-8"?>
+<file path=ppt/slides/slide27.xml><?xml version="1.0" encoding="utf-8"?>
 <p:sld xmlns:a="http://schemas.openxmlformats.org/drawingml/2006/main" xmlns:r="http://schemas.openxmlformats.org/officeDocument/2006/relationships" xmlns:p="http://schemas.openxmlformats.org/presentationml/2006/main">
   <p:cSld>
     <p:spTree>
@@ -9545,7 +9436,7 @@
 </p:sld>
 </file>
 
-<file path=ppt/slides/slide3.xml><?xml version="1.0" encoding="utf-8"?>
+<file path=ppt/slides/slide28.xml><?xml version="1.0" encoding="utf-8"?>
 <p:sld xmlns:a="http://schemas.openxmlformats.org/drawingml/2006/main" xmlns:r="http://schemas.openxmlformats.org/officeDocument/2006/relationships" xmlns:p="http://schemas.openxmlformats.org/presentationml/2006/main">
   <p:cSld>
     <p:spTree>
@@ -9579,105 +9470,6 @@
           <a:p>
             <a:r>
               <a:rPr lang="en-US" dirty="0" smtClean="0"/>
-              <a:t>Motivation</a:t>
-            </a:r>
-            <a:endParaRPr lang="en-US" dirty="0"/>
-          </a:p>
-        </p:txBody>
-      </p:sp>
-      <p:sp>
-        <p:nvSpPr>
-          <p:cNvPr id="3" name="Content Placeholder 2"/>
-          <p:cNvSpPr>
-            <a:spLocks noGrp="1"/>
-          </p:cNvSpPr>
-          <p:nvPr>
-            <p:ph sz="quarter" idx="1"/>
-          </p:nvPr>
-        </p:nvSpPr>
-        <p:spPr/>
-        <p:txBody>
-          <a:bodyPr/>
-          <a:lstStyle/>
-          <a:p>
-            <a:r>
-              <a:rPr lang="en-US" dirty="0" smtClean="0"/>
-              <a:t>Current Fighting Game AI is a poor substitute for human-play</a:t>
-            </a:r>
-          </a:p>
-          <a:p>
-            <a:pPr lvl="1"/>
-            <a:r>
-              <a:rPr lang="en-US" dirty="0" smtClean="0"/>
-              <a:t>Abuses perfect execution and state information</a:t>
-            </a:r>
-          </a:p>
-          <a:p>
-            <a:pPr lvl="1"/>
-            <a:r>
-              <a:rPr lang="en-US" dirty="0" smtClean="0"/>
-              <a:t>Has a fixed set of behavior patterns which can be exploited</a:t>
-            </a:r>
-          </a:p>
-          <a:p>
-            <a:pPr lvl="1"/>
-            <a:r>
-              <a:rPr lang="en-US" dirty="0" smtClean="0"/>
-              <a:t>Optimal AI strategies are not indicative of those of real human players</a:t>
-            </a:r>
-            <a:endParaRPr lang="en-US" dirty="0"/>
-          </a:p>
-        </p:txBody>
-      </p:sp>
-    </p:spTree>
-  </p:cSld>
-  <p:clrMapOvr>
-    <a:masterClrMapping/>
-  </p:clrMapOvr>
-  <p:timing>
-    <p:tnLst>
-      <p:par>
-        <p:cTn id="1" dur="indefinite" restart="never" nodeType="tmRoot"/>
-      </p:par>
-    </p:tnLst>
-  </p:timing>
-</p:sld>
-</file>
-
-<file path=ppt/slides/slide30.xml><?xml version="1.0" encoding="utf-8"?>
-<p:sld xmlns:a="http://schemas.openxmlformats.org/drawingml/2006/main" xmlns:r="http://schemas.openxmlformats.org/officeDocument/2006/relationships" xmlns:p="http://schemas.openxmlformats.org/presentationml/2006/main">
-  <p:cSld>
-    <p:spTree>
-      <p:nvGrpSpPr>
-        <p:cNvPr id="1" name=""/>
-        <p:cNvGrpSpPr/>
-        <p:nvPr/>
-      </p:nvGrpSpPr>
-      <p:grpSpPr>
-        <a:xfrm>
-          <a:off x="0" y="0"/>
-          <a:ext cx="0" cy="0"/>
-          <a:chOff x="0" y="0"/>
-          <a:chExt cx="0" cy="0"/>
-        </a:xfrm>
-      </p:grpSpPr>
-      <p:sp>
-        <p:nvSpPr>
-          <p:cNvPr id="2" name="Title 1"/>
-          <p:cNvSpPr>
-            <a:spLocks noGrp="1"/>
-          </p:cNvSpPr>
-          <p:nvPr>
-            <p:ph type="title"/>
-          </p:nvPr>
-        </p:nvSpPr>
-        <p:spPr/>
-        <p:txBody>
-          <a:bodyPr/>
-          <a:lstStyle/>
-          <a:p>
-            <a:r>
-              <a:rPr lang="en-US" dirty="0" smtClean="0"/>
               <a:t>Generating Successors (cont.)</a:t>
             </a:r>
             <a:endParaRPr lang="en-US" dirty="0"/>
@@ -9761,11 +9553,7 @@
             <a:pPr lvl="1"/>
             <a:r>
               <a:rPr lang="en-US" sz="2800" dirty="0" smtClean="0"/>
-              <a:t>Apply </a:t>
-            </a:r>
-            <a:r>
-              <a:rPr lang="en-US" sz="2800" dirty="0" smtClean="0"/>
-              <a:t>𝛿* it to </a:t>
+              <a:t>Apply 𝛿* it to </a:t>
             </a:r>
             <a:r>
               <a:rPr lang="en-US" sz="2800" i="1" dirty="0" smtClean="0"/>
@@ -9777,13 +9565,8 @@
             </a:r>
             <a:r>
               <a:rPr lang="en-US" sz="2800" i="1" dirty="0" smtClean="0"/>
-              <a:t>s</a:t>
-            </a:r>
-            <a:r>
-              <a:rPr lang="en-US" sz="2800" i="1" dirty="0" smtClean="0"/>
-              <a:t>’</a:t>
-            </a:r>
-            <a:endParaRPr lang="en-US" sz="2800" i="1" dirty="0" smtClean="0"/>
+              <a:t>s’</a:t>
+            </a:r>
           </a:p>
           <a:p>
             <a:pPr lvl="1"/>
@@ -9847,7 +9630,7 @@
       </p:sp>
       <p:pic>
         <p:nvPicPr>
-          <p:cNvPr id="2051" name="Picture 3"/>
+          <p:cNvPr id="2053" name="Picture 5"/>
           <p:cNvPicPr>
             <a:picLocks noChangeAspect="1" noChangeArrowheads="1"/>
           </p:cNvPicPr>
@@ -9862,8 +9645,8 @@
         </p:blipFill>
         <p:spPr bwMode="auto">
           <a:xfrm>
-            <a:off x="1752600" y="5638800"/>
-            <a:ext cx="5943600" cy="974145"/>
+            <a:off x="1524000" y="3124200"/>
+            <a:ext cx="5672938" cy="1200876"/>
           </a:xfrm>
           <a:prstGeom prst="rect">
             <a:avLst/>
@@ -9880,7 +9663,7 @@
       </p:pic>
       <p:pic>
         <p:nvPicPr>
-          <p:cNvPr id="2053" name="Picture 5"/>
+          <p:cNvPr id="2050" name="Picture 2"/>
           <p:cNvPicPr>
             <a:picLocks noChangeAspect="1" noChangeArrowheads="1"/>
           </p:cNvPicPr>
@@ -9895,8 +9678,8 @@
         </p:blipFill>
         <p:spPr bwMode="auto">
           <a:xfrm>
-            <a:off x="1524000" y="3124200"/>
-            <a:ext cx="5672938" cy="1200876"/>
+            <a:off x="1219200" y="5486400"/>
+            <a:ext cx="6781800" cy="1206486"/>
           </a:xfrm>
           <a:prstGeom prst="rect">
             <a:avLst/>
@@ -9926,7 +9709,7 @@
 </p:sld>
 </file>
 
-<file path=ppt/slides/slide31.xml><?xml version="1.0" encoding="utf-8"?>
+<file path=ppt/slides/slide29.xml><?xml version="1.0" encoding="utf-8"?>
 <p:sld xmlns:a="http://schemas.openxmlformats.org/drawingml/2006/main" xmlns:r="http://schemas.openxmlformats.org/officeDocument/2006/relationships" xmlns:p="http://schemas.openxmlformats.org/presentationml/2006/main">
   <p:cSld>
     <p:spTree>
@@ -9990,11 +9773,7 @@
             <a:pPr lvl="1"/>
             <a:r>
               <a:rPr lang="en-US" dirty="0" smtClean="0"/>
-              <a:t>The cost of </a:t>
-            </a:r>
-            <a:r>
-              <a:rPr lang="en-US" dirty="0" smtClean="0"/>
-              <a:t>taking an action </a:t>
+              <a:t>The cost of taking an action </a:t>
             </a:r>
             <a:r>
               <a:rPr lang="en-US" i="1" dirty="0" smtClean="0"/>
@@ -10010,15 +9789,7 @@
             </a:r>
             <a:r>
               <a:rPr lang="en-US" dirty="0" smtClean="0"/>
-              <a:t> </a:t>
-            </a:r>
-            <a:r>
-              <a:rPr lang="en-US" dirty="0" smtClean="0"/>
-              <a:t>is inversely proportional to the confidence in the predicted resulting </a:t>
-            </a:r>
-            <a:r>
-              <a:rPr lang="en-US" dirty="0" smtClean="0"/>
-              <a:t>state </a:t>
+              <a:t> is inversely proportional to the confidence in the predicted resulting state </a:t>
             </a:r>
             <a:r>
               <a:rPr lang="en-US" i="1" dirty="0" smtClean="0"/>
@@ -10042,11 +9813,7 @@
             </a:r>
             <a:r>
               <a:rPr lang="en-US" sz="2800" dirty="0" smtClean="0"/>
-              <a:t>with </a:t>
-            </a:r>
-            <a:r>
-              <a:rPr lang="en-US" sz="2800" dirty="0" smtClean="0"/>
-              <a:t>higher confidence have lower cost</a:t>
+              <a:t>with higher confidence have lower cost</a:t>
             </a:r>
           </a:p>
           <a:p>
@@ -10073,7 +9840,86 @@
 </p:sld>
 </file>
 
-<file path=ppt/slides/slide32.xml><?xml version="1.0" encoding="utf-8"?>
+<file path=ppt/slides/slide3.xml><?xml version="1.0" encoding="utf-8"?>
+<p:sld xmlns:a="http://schemas.openxmlformats.org/drawingml/2006/main" xmlns:r="http://schemas.openxmlformats.org/officeDocument/2006/relationships" xmlns:p="http://schemas.openxmlformats.org/presentationml/2006/main">
+  <p:cSld>
+    <p:spTree>
+      <p:nvGrpSpPr>
+        <p:cNvPr id="1" name=""/>
+        <p:cNvGrpSpPr/>
+        <p:nvPr/>
+      </p:nvGrpSpPr>
+      <p:grpSpPr>
+        <a:xfrm>
+          <a:off x="0" y="0"/>
+          <a:ext cx="0" cy="0"/>
+          <a:chOff x="0" y="0"/>
+          <a:chExt cx="0" cy="0"/>
+        </a:xfrm>
+      </p:grpSpPr>
+      <p:sp>
+        <p:nvSpPr>
+          <p:cNvPr id="2" name="Title 1"/>
+          <p:cNvSpPr>
+            <a:spLocks noGrp="1"/>
+          </p:cNvSpPr>
+          <p:nvPr>
+            <p:ph type="title"/>
+          </p:nvPr>
+        </p:nvSpPr>
+        <p:spPr/>
+        <p:txBody>
+          <a:bodyPr/>
+          <a:lstStyle/>
+          <a:p>
+            <a:r>
+              <a:rPr lang="en-US" dirty="0" smtClean="0"/>
+              <a:t>Purpose</a:t>
+            </a:r>
+            <a:endParaRPr lang="en-US" dirty="0"/>
+          </a:p>
+        </p:txBody>
+      </p:sp>
+      <p:sp>
+        <p:nvSpPr>
+          <p:cNvPr id="3" name="Content Placeholder 2"/>
+          <p:cNvSpPr>
+            <a:spLocks noGrp="1"/>
+          </p:cNvSpPr>
+          <p:nvPr>
+            <p:ph sz="quarter" idx="1"/>
+          </p:nvPr>
+        </p:nvSpPr>
+        <p:spPr/>
+        <p:txBody>
+          <a:bodyPr/>
+          <a:lstStyle/>
+          <a:p>
+            <a:r>
+              <a:rPr lang="en-US" dirty="0" smtClean="0"/>
+              <a:t>The goal of this research is to explore and evaluate techniques that mimic player behavior in fighting games</a:t>
+            </a:r>
+            <a:endParaRPr lang="en-US" dirty="0"/>
+          </a:p>
+        </p:txBody>
+      </p:sp>
+    </p:spTree>
+  </p:cSld>
+  <p:clrMapOvr>
+    <a:masterClrMapping/>
+  </p:clrMapOvr>
+  <p:transition advTm="438"/>
+  <p:timing>
+    <p:tnLst>
+      <p:par>
+        <p:cTn id="1" dur="indefinite" restart="never" nodeType="tmRoot"/>
+      </p:par>
+    </p:tnLst>
+  </p:timing>
+</p:sld>
+</file>
+
+<file path=ppt/slides/slide30.xml><?xml version="1.0" encoding="utf-8"?>
 <p:sld xmlns:a="http://schemas.openxmlformats.org/drawingml/2006/main" xmlns:r="http://schemas.openxmlformats.org/officeDocument/2006/relationships" xmlns:p="http://schemas.openxmlformats.org/presentationml/2006/main">
   <p:cSld>
     <p:spTree>
@@ -10170,41 +10016,7 @@
                 <a:ea typeface="+mn-ea"/>
                 <a:cs typeface="+mn-cs"/>
               </a:rPr>
-              <a:t>Known-Transition </a:t>
-            </a:r>
-            <a:r>
-              <a:rPr kumimoji="0" lang="en-US" sz="3200" b="0" i="0" u="none" strike="noStrike" kern="1200" cap="none" spc="0" normalizeH="0" baseline="0" noProof="0" dirty="0" smtClean="0">
-                <a:ln>
-                  <a:noFill/>
-                </a:ln>
-                <a:solidFill>
-                  <a:schemeClr val="tx1"/>
-                </a:solidFill>
-                <a:effectLst/>
-                <a:uLnTx/>
-                <a:uFillTx/>
-                <a:latin typeface="+mn-lt"/>
-                <a:ea typeface="+mn-ea"/>
-                <a:cs typeface="+mn-cs"/>
-              </a:rPr>
-              <a:t>Cost = </a:t>
-            </a:r>
-            <a:r>
-              <a:rPr kumimoji="0" lang="en-US" sz="3200" b="0" i="0" u="none" strike="noStrike" kern="1200" cap="none" spc="0" normalizeH="0" baseline="0" noProof="0" dirty="0" smtClean="0">
-                <a:ln>
-                  <a:noFill/>
-                </a:ln>
-                <a:solidFill>
-                  <a:schemeClr val="tx1"/>
-                </a:solidFill>
-                <a:effectLst/>
-                <a:uLnTx/>
-                <a:uFillTx/>
-                <a:latin typeface="+mn-lt"/>
-                <a:ea typeface="+mn-ea"/>
-                <a:cs typeface="+mn-cs"/>
-              </a:rPr>
-              <a:t>1</a:t>
+              <a:t>Known-Transition Cost = 1</a:t>
             </a:r>
           </a:p>
           <a:p>
@@ -10295,7 +10107,6 @@
               <a:rPr lang="en-US" sz="3200" dirty="0" smtClean="0"/>
               <a:t> </a:t>
             </a:r>
-            <a:endParaRPr lang="en-US" sz="3200" dirty="0" smtClean="0"/>
           </a:p>
           <a:p>
             <a:pPr marL="320040" lvl="0" indent="-320040">
@@ -10364,7 +10175,7 @@
 </p:sld>
 </file>
 
-<file path=ppt/slides/slide33.xml><?xml version="1.0" encoding="utf-8"?>
+<file path=ppt/slides/slide31.xml><?xml version="1.0" encoding="utf-8"?>
 <p:sld xmlns:a="http://schemas.openxmlformats.org/drawingml/2006/main" xmlns:r="http://schemas.openxmlformats.org/officeDocument/2006/relationships" xmlns:p="http://schemas.openxmlformats.org/presentationml/2006/main">
   <p:cSld>
     <p:spTree>
@@ -10643,7 +10454,7 @@
 </p:sld>
 </file>
 
-<file path=ppt/slides/slide34.xml><?xml version="1.0" encoding="utf-8"?>
+<file path=ppt/slides/slide32.xml><?xml version="1.0" encoding="utf-8"?>
 <p:sld xmlns:a="http://schemas.openxmlformats.org/drawingml/2006/main" xmlns:r="http://schemas.openxmlformats.org/officeDocument/2006/relationships" xmlns:p="http://schemas.openxmlformats.org/presentationml/2006/main">
   <p:cSld>
     <p:spTree>
@@ -10769,11 +10580,7 @@
             </a:pPr>
             <a:r>
               <a:rPr lang="en-US" sz="2900" dirty="0" smtClean="0"/>
-              <a:t>Sub-50 </a:t>
-            </a:r>
-            <a:r>
-              <a:rPr lang="en-US" sz="2900" dirty="0" smtClean="0"/>
-              <a:t>ms</a:t>
+              <a:t>Sub-50 ms</a:t>
             </a:r>
           </a:p>
           <a:p>
@@ -10805,19 +10612,7 @@
             </a:pPr>
             <a:r>
               <a:rPr lang="en-US" sz="2900" dirty="0" smtClean="0"/>
-              <a:t>Returns a </a:t>
-            </a:r>
-            <a:r>
-              <a:rPr lang="en-US" sz="2900" dirty="0" smtClean="0"/>
-              <a:t>plan </a:t>
-            </a:r>
-            <a:r>
-              <a:rPr lang="en-US" sz="2900" dirty="0" smtClean="0"/>
-              <a:t>to </a:t>
-            </a:r>
-            <a:r>
-              <a:rPr lang="en-US" sz="2900" dirty="0" smtClean="0"/>
-              <a:t>an expanded </a:t>
+              <a:t>Returns a plan to an expanded </a:t>
             </a:r>
             <a:r>
               <a:rPr lang="en-US" sz="2900" i="1" dirty="0" err="1" smtClean="0"/>
@@ -10869,11 +10664,7 @@
             </a:r>
             <a:r>
               <a:rPr lang="en-US" sz="2900" dirty="0" smtClean="0"/>
-              <a:t> is </a:t>
-            </a:r>
-            <a:r>
-              <a:rPr lang="en-US" sz="2900" dirty="0" smtClean="0"/>
-              <a:t>minimized</a:t>
+              <a:t> is minimized</a:t>
             </a:r>
           </a:p>
           <a:p>
@@ -10978,7 +10769,7 @@
 </p:sld>
 </file>
 
-<file path=ppt/slides/slide35.xml><?xml version="1.0" encoding="utf-8"?>
+<file path=ppt/slides/slide33.xml><?xml version="1.0" encoding="utf-8"?>
 <p:sld xmlns:a="http://schemas.openxmlformats.org/drawingml/2006/main" xmlns:r="http://schemas.openxmlformats.org/officeDocument/2006/relationships" xmlns:p="http://schemas.openxmlformats.org/presentationml/2006/main">
   <p:cSld>
     <p:spTree>
@@ -11172,7 +10963,7 @@
 </p:sld>
 </file>
 
-<file path=ppt/slides/slide36.xml><?xml version="1.0" encoding="utf-8"?>
+<file path=ppt/slides/slide34.xml><?xml version="1.0" encoding="utf-8"?>
 <p:sld xmlns:a="http://schemas.openxmlformats.org/drawingml/2006/main" xmlns:r="http://schemas.openxmlformats.org/officeDocument/2006/relationships" xmlns:p="http://schemas.openxmlformats.org/presentationml/2006/main">
   <p:cSld>
     <p:spTree>
@@ -11286,6 +11077,348 @@
 </p:sld>
 </file>
 
+<file path=ppt/slides/slide35.xml><?xml version="1.0" encoding="utf-8"?>
+<p:sld xmlns:a="http://schemas.openxmlformats.org/drawingml/2006/main" xmlns:r="http://schemas.openxmlformats.org/officeDocument/2006/relationships" xmlns:p="http://schemas.openxmlformats.org/presentationml/2006/main">
+  <p:cSld>
+    <p:spTree>
+      <p:nvGrpSpPr>
+        <p:cNvPr id="1" name=""/>
+        <p:cNvGrpSpPr/>
+        <p:nvPr/>
+      </p:nvGrpSpPr>
+      <p:grpSpPr>
+        <a:xfrm>
+          <a:off x="0" y="0"/>
+          <a:ext cx="0" cy="0"/>
+          <a:chOff x="0" y="0"/>
+          <a:chExt cx="0" cy="0"/>
+        </a:xfrm>
+      </p:grpSpPr>
+      <p:sp>
+        <p:nvSpPr>
+          <p:cNvPr id="2" name="Title 1"/>
+          <p:cNvSpPr>
+            <a:spLocks noGrp="1"/>
+          </p:cNvSpPr>
+          <p:nvPr>
+            <p:ph type="title"/>
+          </p:nvPr>
+        </p:nvSpPr>
+        <p:spPr/>
+        <p:txBody>
+          <a:bodyPr/>
+          <a:lstStyle/>
+          <a:p>
+            <a:r>
+              <a:rPr lang="en-US" dirty="0" smtClean="0"/>
+              <a:t>Topics</a:t>
+            </a:r>
+            <a:endParaRPr lang="en-US" dirty="0"/>
+          </a:p>
+        </p:txBody>
+      </p:sp>
+      <p:sp>
+        <p:nvSpPr>
+          <p:cNvPr id="3" name="Content Placeholder 2"/>
+          <p:cNvSpPr>
+            <a:spLocks noGrp="1"/>
+          </p:cNvSpPr>
+          <p:nvPr>
+            <p:ph sz="quarter" idx="1"/>
+          </p:nvPr>
+        </p:nvSpPr>
+        <p:spPr/>
+        <p:txBody>
+          <a:bodyPr>
+            <a:normAutofit fontScale="85000" lnSpcReduction="20000"/>
+          </a:bodyPr>
+          <a:lstStyle/>
+          <a:p>
+            <a:r>
+              <a:rPr lang="en-US" dirty="0" smtClean="0"/>
+              <a:t>Domain Introduction</a:t>
+            </a:r>
+          </a:p>
+          <a:p>
+            <a:pPr lvl="1"/>
+            <a:r>
+              <a:rPr lang="en-US" dirty="0" smtClean="0"/>
+              <a:t>Environment Description</a:t>
+            </a:r>
+          </a:p>
+          <a:p>
+            <a:pPr lvl="1"/>
+            <a:r>
+              <a:rPr lang="en-US" dirty="0" smtClean="0"/>
+              <a:t>Search Representation</a:t>
+            </a:r>
+          </a:p>
+          <a:p>
+            <a:r>
+              <a:rPr lang="en-US" dirty="0" smtClean="0"/>
+              <a:t>Demonstration 𝛿-Search</a:t>
+            </a:r>
+          </a:p>
+          <a:p>
+            <a:pPr lvl="1"/>
+            <a:r>
+              <a:rPr lang="en-US" dirty="0" smtClean="0"/>
+              <a:t>Demonstrations</a:t>
+            </a:r>
+          </a:p>
+          <a:p>
+            <a:pPr lvl="1"/>
+            <a:r>
+              <a:rPr lang="en-US" dirty="0" smtClean="0"/>
+              <a:t>Action- 𝛿’s</a:t>
+            </a:r>
+          </a:p>
+          <a:p>
+            <a:pPr lvl="1"/>
+            <a:r>
+              <a:rPr lang="en-US" dirty="0" smtClean="0"/>
+              <a:t>𝛿-Search </a:t>
+            </a:r>
+          </a:p>
+          <a:p>
+            <a:r>
+              <a:rPr lang="en-US" dirty="0" smtClean="0"/>
+              <a:t>Implementation Details</a:t>
+            </a:r>
+          </a:p>
+          <a:p>
+            <a:pPr lvl="1"/>
+            <a:r>
+              <a:rPr lang="en-US" dirty="0" smtClean="0"/>
+              <a:t>State Similarity</a:t>
+            </a:r>
+          </a:p>
+          <a:p>
+            <a:pPr lvl="1"/>
+            <a:r>
+              <a:rPr lang="en-US" dirty="0" smtClean="0"/>
+              <a:t>Full AI Framework</a:t>
+            </a:r>
+          </a:p>
+          <a:p>
+            <a:pPr lvl="1"/>
+            <a:r>
+              <a:rPr lang="en-US" dirty="0" smtClean="0"/>
+              <a:t>Additional Improvements</a:t>
+            </a:r>
+          </a:p>
+          <a:p>
+            <a:r>
+              <a:rPr lang="en-US" b="1" u="sng" dirty="0" smtClean="0"/>
+              <a:t>Results</a:t>
+            </a:r>
+            <a:endParaRPr lang="en-US" b="1" u="sng" dirty="0"/>
+          </a:p>
+        </p:txBody>
+      </p:sp>
+    </p:spTree>
+  </p:cSld>
+  <p:clrMapOvr>
+    <a:masterClrMapping/>
+  </p:clrMapOvr>
+  <p:timing>
+    <p:tnLst>
+      <p:par>
+        <p:cTn id="1" dur="indefinite" restart="never" nodeType="tmRoot"/>
+      </p:par>
+    </p:tnLst>
+  </p:timing>
+</p:sld>
+</file>
+
+<file path=ppt/slides/slide36.xml><?xml version="1.0" encoding="utf-8"?>
+<p:sld xmlns:a="http://schemas.openxmlformats.org/drawingml/2006/main" xmlns:r="http://schemas.openxmlformats.org/officeDocument/2006/relationships" xmlns:p="http://schemas.openxmlformats.org/presentationml/2006/main">
+  <p:cSld>
+    <p:spTree>
+      <p:nvGrpSpPr>
+        <p:cNvPr id="1" name=""/>
+        <p:cNvGrpSpPr/>
+        <p:nvPr/>
+      </p:nvGrpSpPr>
+      <p:grpSpPr>
+        <a:xfrm>
+          <a:off x="0" y="0"/>
+          <a:ext cx="0" cy="0"/>
+          <a:chOff x="0" y="0"/>
+          <a:chExt cx="0" cy="0"/>
+        </a:xfrm>
+      </p:grpSpPr>
+      <p:sp>
+        <p:nvSpPr>
+          <p:cNvPr id="2" name="Title 1"/>
+          <p:cNvSpPr>
+            <a:spLocks noGrp="1"/>
+          </p:cNvSpPr>
+          <p:nvPr>
+            <p:ph type="title"/>
+          </p:nvPr>
+        </p:nvSpPr>
+        <p:spPr/>
+        <p:txBody>
+          <a:bodyPr/>
+          <a:lstStyle/>
+          <a:p>
+            <a:r>
+              <a:rPr lang="en-US" dirty="0" smtClean="0"/>
+              <a:t>Experiment</a:t>
+            </a:r>
+            <a:endParaRPr lang="en-US" dirty="0"/>
+          </a:p>
+        </p:txBody>
+      </p:sp>
+      <p:sp>
+        <p:nvSpPr>
+          <p:cNvPr id="3" name="Content Placeholder 2"/>
+          <p:cNvSpPr>
+            <a:spLocks noGrp="1"/>
+          </p:cNvSpPr>
+          <p:nvPr>
+            <p:ph sz="quarter" idx="1"/>
+          </p:nvPr>
+        </p:nvSpPr>
+        <p:spPr>
+          <a:xfrm>
+            <a:off x="612648" y="1600200"/>
+            <a:ext cx="8153400" cy="4953000"/>
+          </a:xfrm>
+        </p:spPr>
+        <p:txBody>
+          <a:bodyPr>
+            <a:normAutofit fontScale="77500" lnSpcReduction="20000"/>
+          </a:bodyPr>
+          <a:lstStyle/>
+          <a:p>
+            <a:pPr>
+              <a:lnSpc>
+                <a:spcPct val="120000"/>
+              </a:lnSpc>
+              <a:spcBef>
+                <a:spcPts val="600"/>
+              </a:spcBef>
+            </a:pPr>
+            <a:r>
+              <a:rPr lang="en-US" dirty="0" smtClean="0"/>
+              <a:t>Players were first acclimated to the game controls and allowed to play</a:t>
+            </a:r>
+          </a:p>
+          <a:p>
+            <a:pPr>
+              <a:lnSpc>
+                <a:spcPct val="120000"/>
+              </a:lnSpc>
+              <a:spcBef>
+                <a:spcPts val="600"/>
+              </a:spcBef>
+            </a:pPr>
+            <a:endParaRPr lang="en-US" dirty="0" smtClean="0"/>
+          </a:p>
+          <a:p>
+            <a:pPr>
+              <a:lnSpc>
+                <a:spcPct val="120000"/>
+              </a:lnSpc>
+              <a:spcBef>
+                <a:spcPts val="600"/>
+              </a:spcBef>
+            </a:pPr>
+            <a:r>
+              <a:rPr lang="en-US" dirty="0" smtClean="0"/>
+              <a:t>They then fought against a simple defensive computer opponent for five 20-second periods</a:t>
+            </a:r>
+          </a:p>
+          <a:p>
+            <a:pPr>
+              <a:lnSpc>
+                <a:spcPct val="120000"/>
+              </a:lnSpc>
+              <a:spcBef>
+                <a:spcPts val="600"/>
+              </a:spcBef>
+            </a:pPr>
+            <a:endParaRPr lang="en-US" dirty="0" smtClean="0"/>
+          </a:p>
+          <a:p>
+            <a:pPr>
+              <a:lnSpc>
+                <a:spcPct val="120000"/>
+              </a:lnSpc>
+              <a:spcBef>
+                <a:spcPts val="600"/>
+              </a:spcBef>
+            </a:pPr>
+            <a:r>
+              <a:rPr lang="en-US" dirty="0" smtClean="0"/>
+              <a:t>One of these sessions was used as the demonstration set. An </a:t>
+            </a:r>
+            <a:r>
+              <a:rPr lang="en-US" dirty="0" smtClean="0"/>
+              <a:t>N-</a:t>
+            </a:r>
+            <a:r>
+              <a:rPr lang="en-US" dirty="0" smtClean="0"/>
+              <a:t>gram based </a:t>
+            </a:r>
+            <a:r>
+              <a:rPr lang="en-US" dirty="0" smtClean="0"/>
+              <a:t>AI, </a:t>
+            </a:r>
+            <a:r>
+              <a:rPr lang="en-US" dirty="0" err="1" smtClean="0"/>
+              <a:t>GhostAI</a:t>
+            </a:r>
+            <a:r>
+              <a:rPr lang="en-US" dirty="0" smtClean="0"/>
+              <a:t>, and our Search AI were formed from that demonstration set</a:t>
+            </a:r>
+          </a:p>
+          <a:p>
+            <a:pPr>
+              <a:lnSpc>
+                <a:spcPct val="120000"/>
+              </a:lnSpc>
+              <a:spcBef>
+                <a:spcPts val="600"/>
+              </a:spcBef>
+            </a:pPr>
+            <a:endParaRPr lang="en-US" dirty="0" smtClean="0"/>
+          </a:p>
+          <a:p>
+            <a:pPr>
+              <a:lnSpc>
+                <a:spcPct val="120000"/>
+              </a:lnSpc>
+              <a:spcBef>
+                <a:spcPts val="600"/>
+              </a:spcBef>
+            </a:pPr>
+            <a:r>
+              <a:rPr lang="en-US" dirty="0" smtClean="0"/>
+              <a:t>The agents then also fought the same defensive computer opponent</a:t>
+            </a:r>
+            <a:endParaRPr lang="en-US" dirty="0"/>
+          </a:p>
+        </p:txBody>
+      </p:sp>
+    </p:spTree>
+  </p:cSld>
+  <p:clrMapOvr>
+    <a:masterClrMapping/>
+  </p:clrMapOvr>
+  <p:timing>
+    <p:tnLst>
+      <p:par>
+        <p:cTn id="1" dur="indefinite" restart="never" nodeType="tmRoot"/>
+      </p:par>
+    </p:tnLst>
+  </p:timing>
+</p:sld>
+</file>
+
 <file path=ppt/slides/slide37.xml><?xml version="1.0" encoding="utf-8"?>
 <p:sld xmlns:a="http://schemas.openxmlformats.org/drawingml/2006/main" xmlns:r="http://schemas.openxmlformats.org/officeDocument/2006/relationships" xmlns:p="http://schemas.openxmlformats.org/presentationml/2006/main">
   <p:cSld>
@@ -11320,7 +11453,11 @@
           <a:p>
             <a:r>
               <a:rPr lang="en-US" dirty="0" smtClean="0"/>
-              <a:t>Topics</a:t>
+              <a:t>N-gram and </a:t>
+            </a:r>
+            <a:r>
+              <a:rPr lang="en-US" dirty="0" err="1" smtClean="0"/>
+              <a:t>GhostAI</a:t>
             </a:r>
             <a:endParaRPr lang="en-US" dirty="0"/>
           </a:p>
@@ -11338,105 +11475,278 @@
         </p:nvSpPr>
         <p:spPr/>
         <p:txBody>
-          <a:bodyPr>
-            <a:normAutofit fontScale="85000" lnSpcReduction="20000"/>
-          </a:bodyPr>
-          <a:lstStyle/>
-          <a:p>
-            <a:r>
-              <a:rPr lang="en-US" dirty="0" smtClean="0"/>
-              <a:t>Domain Introduction</a:t>
+          <a:bodyPr/>
+          <a:lstStyle/>
+          <a:p>
+            <a:r>
+              <a:rPr lang="en-US" dirty="0" smtClean="0"/>
+              <a:t>N-gram</a:t>
             </a:r>
           </a:p>
           <a:p>
             <a:pPr lvl="1"/>
             <a:r>
               <a:rPr lang="en-US" dirty="0" smtClean="0"/>
-              <a:t>Environment Description</a:t>
+              <a:t>Sequence: a, a, a, b, a, a, b</a:t>
             </a:r>
           </a:p>
           <a:p>
             <a:pPr lvl="1"/>
             <a:r>
               <a:rPr lang="en-US" dirty="0" smtClean="0"/>
-              <a:t>Search Representation</a:t>
-            </a:r>
-          </a:p>
-          <a:p>
-            <a:r>
-              <a:rPr lang="en-US" dirty="0" smtClean="0"/>
-              <a:t>Demonstration 𝛿-Search</a:t>
-            </a:r>
+              <a:t>Pick according to </a:t>
+            </a:r>
+            <a:r>
+              <a:rPr lang="en-US" dirty="0" err="1" smtClean="0"/>
+              <a:t>Hist</a:t>
+            </a:r>
+            <a:r>
+              <a:rPr lang="en-US" dirty="0" smtClean="0"/>
+              <a:t> H: </a:t>
+            </a:r>
+            <a:endParaRPr lang="en-US" dirty="0" smtClean="0"/>
+          </a:p>
+          <a:p>
+            <a:endParaRPr lang="en-US" dirty="0" smtClean="0"/>
+          </a:p>
+          <a:p>
+            <a:r>
+              <a:rPr lang="en-US" dirty="0" err="1" smtClean="0"/>
+              <a:t>GhostAI</a:t>
+            </a:r>
+            <a:endParaRPr lang="en-US" dirty="0" smtClean="0"/>
           </a:p>
           <a:p>
             <a:pPr lvl="1"/>
             <a:r>
               <a:rPr lang="en-US" dirty="0" smtClean="0"/>
-              <a:t>Demonstrations</a:t>
+              <a:t>Separate Histogram for each game state</a:t>
             </a:r>
           </a:p>
           <a:p>
             <a:pPr lvl="1"/>
             <a:r>
               <a:rPr lang="en-US" dirty="0" smtClean="0"/>
-              <a:t>Action- 𝛿’s</a:t>
-            </a:r>
-          </a:p>
-          <a:p>
-            <a:pPr lvl="1"/>
-            <a:r>
-              <a:rPr lang="en-US" dirty="0" smtClean="0"/>
-              <a:t>𝛿-Search </a:t>
-            </a:r>
-          </a:p>
-          <a:p>
-            <a:r>
-              <a:rPr lang="en-US" dirty="0" smtClean="0"/>
-              <a:t>Implementation Details</a:t>
-            </a:r>
-          </a:p>
-          <a:p>
-            <a:pPr lvl="1"/>
-            <a:r>
-              <a:rPr lang="en-US" dirty="0" smtClean="0"/>
-              <a:t>State Similarity</a:t>
-            </a:r>
-          </a:p>
-          <a:p>
-            <a:pPr lvl="1"/>
-            <a:r>
-              <a:rPr lang="en-US" dirty="0" smtClean="0"/>
-              <a:t>Full AI Framework</a:t>
-            </a:r>
-          </a:p>
-          <a:p>
-            <a:pPr lvl="1"/>
-            <a:r>
-              <a:rPr lang="en-US" dirty="0" smtClean="0"/>
-              <a:t>Additional Improvements</a:t>
-            </a:r>
-          </a:p>
-          <a:p>
-            <a:r>
-              <a:rPr lang="en-US" b="1" u="sng" dirty="0" smtClean="0"/>
-              <a:t>Results</a:t>
-            </a:r>
-            <a:endParaRPr lang="en-US" b="1" u="sng" dirty="0"/>
-          </a:p>
-        </p:txBody>
-      </p:sp>
+              <a:t>Weights for sequences adjust as AI gets rewards </a:t>
+            </a:r>
+          </a:p>
+        </p:txBody>
+      </p:sp>
+      <p:graphicFrame>
+        <p:nvGraphicFramePr>
+          <p:cNvPr id="4" name="Table 3"/>
+          <p:cNvGraphicFramePr>
+            <a:graphicFrameLocks noGrp="1"/>
+          </p:cNvGraphicFramePr>
+          <p:nvPr/>
+        </p:nvGraphicFramePr>
+        <p:xfrm>
+          <a:off x="5943600" y="1676400"/>
+          <a:ext cx="2667000" cy="1828800"/>
+        </p:xfrm>
+        <a:graphic>
+          <a:graphicData uri="http://schemas.openxmlformats.org/drawingml/2006/table">
+            <a:tbl>
+              <a:tblPr firstRow="1" bandRow="1">
+                <a:tableStyleId>{5C22544A-7EE6-4342-B048-85BDC9FD1C3A}</a:tableStyleId>
+              </a:tblPr>
+              <a:tblGrid>
+                <a:gridCol w="1600200"/>
+                <a:gridCol w="1066800"/>
+              </a:tblGrid>
+              <a:tr h="349673">
+                <a:tc>
+                  <a:txBody>
+                    <a:bodyPr/>
+                    <a:lstStyle/>
+                    <a:p>
+                      <a:r>
+                        <a:rPr lang="en-US" dirty="0" smtClean="0">
+                          <a:solidFill>
+                            <a:schemeClr val="bg2">
+                              <a:lumMod val="25000"/>
+                            </a:schemeClr>
+                          </a:solidFill>
+                        </a:rPr>
+                        <a:t>Sequence</a:t>
+                      </a:r>
+                      <a:r>
+                        <a:rPr lang="en-US" baseline="0" dirty="0" smtClean="0">
+                          <a:solidFill>
+                            <a:schemeClr val="bg2">
+                              <a:lumMod val="25000"/>
+                            </a:schemeClr>
+                          </a:solidFill>
+                        </a:rPr>
+                        <a:t> s</a:t>
+                      </a:r>
+                      <a:endParaRPr lang="en-US" dirty="0">
+                        <a:solidFill>
+                          <a:schemeClr val="bg2">
+                            <a:lumMod val="25000"/>
+                          </a:schemeClr>
+                        </a:solidFill>
+                      </a:endParaRPr>
+                    </a:p>
+                  </a:txBody>
+                  <a:tcPr/>
+                </a:tc>
+                <a:tc>
+                  <a:txBody>
+                    <a:bodyPr/>
+                    <a:lstStyle/>
+                    <a:p>
+                      <a:r>
+                        <a:rPr lang="en-US" dirty="0" smtClean="0">
+                          <a:solidFill>
+                            <a:schemeClr val="bg2">
+                              <a:lumMod val="25000"/>
+                            </a:schemeClr>
+                          </a:solidFill>
+                        </a:rPr>
+                        <a:t>Count</a:t>
+                      </a:r>
+                      <a:endParaRPr lang="en-US" dirty="0">
+                        <a:solidFill>
+                          <a:schemeClr val="bg2">
+                            <a:lumMod val="25000"/>
+                          </a:schemeClr>
+                        </a:solidFill>
+                      </a:endParaRPr>
+                    </a:p>
+                  </a:txBody>
+                  <a:tcPr/>
+                </a:tc>
+              </a:tr>
+              <a:tr h="349673">
+                <a:tc>
+                  <a:txBody>
+                    <a:bodyPr/>
+                    <a:lstStyle/>
+                    <a:p>
+                      <a:r>
+                        <a:rPr lang="en-US" dirty="0" err="1" smtClean="0"/>
+                        <a:t>a,a,a</a:t>
+                      </a:r>
+                      <a:endParaRPr lang="en-US" dirty="0"/>
+                    </a:p>
+                  </a:txBody>
+                  <a:tcPr/>
+                </a:tc>
+                <a:tc>
+                  <a:txBody>
+                    <a:bodyPr/>
+                    <a:lstStyle/>
+                    <a:p>
+                      <a:r>
+                        <a:rPr lang="en-US" dirty="0" smtClean="0"/>
+                        <a:t>1</a:t>
+                      </a:r>
+                      <a:endParaRPr lang="en-US" dirty="0"/>
+                    </a:p>
+                  </a:txBody>
+                  <a:tcPr/>
+                </a:tc>
+              </a:tr>
+              <a:tr h="349673">
+                <a:tc>
+                  <a:txBody>
+                    <a:bodyPr/>
+                    <a:lstStyle/>
+                    <a:p>
+                      <a:r>
+                        <a:rPr lang="en-US" dirty="0" err="1" smtClean="0"/>
+                        <a:t>a,a,b</a:t>
+                      </a:r>
+                      <a:endParaRPr lang="en-US" dirty="0"/>
+                    </a:p>
+                  </a:txBody>
+                  <a:tcPr/>
+                </a:tc>
+                <a:tc>
+                  <a:txBody>
+                    <a:bodyPr/>
+                    <a:lstStyle/>
+                    <a:p>
+                      <a:r>
+                        <a:rPr lang="en-US" dirty="0" smtClean="0"/>
+                        <a:t>2</a:t>
+                      </a:r>
+                      <a:endParaRPr lang="en-US" dirty="0"/>
+                    </a:p>
+                  </a:txBody>
+                  <a:tcPr/>
+                </a:tc>
+              </a:tr>
+              <a:tr h="349673">
+                <a:tc>
+                  <a:txBody>
+                    <a:bodyPr/>
+                    <a:lstStyle/>
+                    <a:p>
+                      <a:r>
+                        <a:rPr lang="en-US" dirty="0" err="1" smtClean="0"/>
+                        <a:t>a,b,a</a:t>
+                      </a:r>
+                      <a:endParaRPr lang="en-US" dirty="0"/>
+                    </a:p>
+                  </a:txBody>
+                  <a:tcPr/>
+                </a:tc>
+                <a:tc>
+                  <a:txBody>
+                    <a:bodyPr/>
+                    <a:lstStyle/>
+                    <a:p>
+                      <a:r>
+                        <a:rPr lang="en-US" dirty="0" smtClean="0"/>
+                        <a:t>1</a:t>
+                      </a:r>
+                      <a:endParaRPr lang="en-US" dirty="0"/>
+                    </a:p>
+                  </a:txBody>
+                  <a:tcPr/>
+                </a:tc>
+              </a:tr>
+              <a:tr h="349673">
+                <a:tc>
+                  <a:txBody>
+                    <a:bodyPr/>
+                    <a:lstStyle/>
+                    <a:p>
+                      <a:r>
+                        <a:rPr lang="en-US" dirty="0" err="1" smtClean="0"/>
+                        <a:t>b,a,a</a:t>
+                      </a:r>
+                      <a:endParaRPr lang="en-US" dirty="0"/>
+                    </a:p>
+                  </a:txBody>
+                  <a:tcPr/>
+                </a:tc>
+                <a:tc>
+                  <a:txBody>
+                    <a:bodyPr/>
+                    <a:lstStyle/>
+                    <a:p>
+                      <a:r>
+                        <a:rPr lang="en-US" dirty="0" smtClean="0"/>
+                        <a:t>1</a:t>
+                      </a:r>
+                      <a:endParaRPr lang="en-US" dirty="0"/>
+                    </a:p>
+                  </a:txBody>
+                  <a:tcPr/>
+                </a:tc>
+              </a:tr>
+            </a:tbl>
+          </a:graphicData>
+        </a:graphic>
+      </p:graphicFrame>
     </p:spTree>
   </p:cSld>
   <p:clrMapOvr>
     <a:masterClrMapping/>
   </p:clrMapOvr>
-  <p:timing>
-    <p:tnLst>
-      <p:par>
-        <p:cTn id="1" dur="indefinite" restart="never" nodeType="tmRoot"/>
-      </p:par>
-    </p:tnLst>
-  </p:timing>
 </p:sld>
 </file>
 
@@ -11473,134 +11783,6 @@
           <a:lstStyle/>
           <a:p>
             <a:r>
-              <a:rPr lang="en-US" dirty="0" smtClean="0"/>
-              <a:t>Experiment</a:t>
-            </a:r>
-            <a:endParaRPr lang="en-US" dirty="0"/>
-          </a:p>
-        </p:txBody>
-      </p:sp>
-      <p:sp>
-        <p:nvSpPr>
-          <p:cNvPr id="3" name="Content Placeholder 2"/>
-          <p:cNvSpPr>
-            <a:spLocks noGrp="1"/>
-          </p:cNvSpPr>
-          <p:nvPr>
-            <p:ph sz="quarter" idx="1"/>
-          </p:nvPr>
-        </p:nvSpPr>
-        <p:spPr/>
-        <p:txBody>
-          <a:bodyPr>
-            <a:normAutofit fontScale="85000" lnSpcReduction="20000"/>
-          </a:bodyPr>
-          <a:lstStyle/>
-          <a:p>
-            <a:r>
-              <a:rPr lang="en-US" dirty="0" smtClean="0"/>
-              <a:t>Players were first acclimated to the game controls and allowed to play</a:t>
-            </a:r>
-          </a:p>
-          <a:p>
-            <a:endParaRPr lang="en-US" dirty="0" smtClean="0"/>
-          </a:p>
-          <a:p>
-            <a:r>
-              <a:rPr lang="en-US" dirty="0" smtClean="0"/>
-              <a:t>They then fought against a simple defensive computer opponent for five 20-second periods</a:t>
-            </a:r>
-          </a:p>
-          <a:p>
-            <a:endParaRPr lang="en-US" dirty="0" smtClean="0"/>
-          </a:p>
-          <a:p>
-            <a:r>
-              <a:rPr lang="en-US" dirty="0" smtClean="0"/>
-              <a:t>One of these sessions was used as the demonstration set. An </a:t>
-            </a:r>
-            <a:r>
-              <a:rPr lang="en-US" dirty="0" err="1" smtClean="0"/>
-              <a:t>ngram</a:t>
-            </a:r>
-            <a:r>
-              <a:rPr lang="en-US" dirty="0" smtClean="0"/>
-              <a:t>-based AI, </a:t>
-            </a:r>
-            <a:r>
-              <a:rPr lang="en-US" dirty="0" err="1" smtClean="0"/>
-              <a:t>GhostAI</a:t>
-            </a:r>
-            <a:r>
-              <a:rPr lang="en-US" dirty="0" smtClean="0"/>
-              <a:t>, and our Search AI were formed from that demonstration set</a:t>
-            </a:r>
-          </a:p>
-          <a:p>
-            <a:endParaRPr lang="en-US" dirty="0" smtClean="0"/>
-          </a:p>
-          <a:p>
-            <a:r>
-              <a:rPr lang="en-US" dirty="0" smtClean="0"/>
-              <a:t>The agents then also fought the same defensive computer opponent</a:t>
-            </a:r>
-          </a:p>
-          <a:p>
-            <a:endParaRPr lang="en-US" dirty="0" smtClean="0"/>
-          </a:p>
-          <a:p>
-            <a:endParaRPr lang="en-US" dirty="0"/>
-          </a:p>
-        </p:txBody>
-      </p:sp>
-    </p:spTree>
-  </p:cSld>
-  <p:clrMapOvr>
-    <a:masterClrMapping/>
-  </p:clrMapOvr>
-  <p:timing>
-    <p:tnLst>
-      <p:par>
-        <p:cTn id="1" dur="indefinite" restart="never" nodeType="tmRoot"/>
-      </p:par>
-    </p:tnLst>
-  </p:timing>
-</p:sld>
-</file>
-
-<file path=ppt/slides/slide39.xml><?xml version="1.0" encoding="utf-8"?>
-<p:sld xmlns:a="http://schemas.openxmlformats.org/drawingml/2006/main" xmlns:r="http://schemas.openxmlformats.org/officeDocument/2006/relationships" xmlns:p="http://schemas.openxmlformats.org/presentationml/2006/main">
-  <p:cSld>
-    <p:spTree>
-      <p:nvGrpSpPr>
-        <p:cNvPr id="1" name=""/>
-        <p:cNvGrpSpPr/>
-        <p:nvPr/>
-      </p:nvGrpSpPr>
-      <p:grpSpPr>
-        <a:xfrm>
-          <a:off x="0" y="0"/>
-          <a:ext cx="0" cy="0"/>
-          <a:chOff x="0" y="0"/>
-          <a:chExt cx="0" cy="0"/>
-        </a:xfrm>
-      </p:grpSpPr>
-      <p:sp>
-        <p:nvSpPr>
-          <p:cNvPr id="2" name="Title 1"/>
-          <p:cNvSpPr>
-            <a:spLocks noGrp="1"/>
-          </p:cNvSpPr>
-          <p:nvPr>
-            <p:ph type="title"/>
-          </p:nvPr>
-        </p:nvSpPr>
-        <p:spPr/>
-        <p:txBody>
-          <a:bodyPr/>
-          <a:lstStyle/>
-          <a:p>
-            <a:r>
               <a:rPr lang="en-US" smtClean="0"/>
               <a:t>Results-Footage</a:t>
             </a:r>
@@ -11622,7 +11804,7 @@
           </p:nvPr>
         </p:nvPicPr>
         <p:blipFill>
-          <a:blip r:embed="rId5"/>
+          <a:blip r:embed="rId7"/>
           <a:stretch>
             <a:fillRect/>
           </a:stretch>
@@ -11650,7 +11832,7 @@
           </p:nvPr>
         </p:nvPicPr>
         <p:blipFill>
-          <a:blip r:embed="rId5"/>
+          <a:blip r:embed="rId7"/>
           <a:stretch>
             <a:fillRect/>
           </a:stretch>
@@ -11725,34 +11907,6 @@
           </a:p>
         </p:txBody>
       </p:sp>
-      <p:pic>
-        <p:nvPicPr>
-          <p:cNvPr id="9" name="ghost.mp4">
-            <a:hlinkClick r:id="" action="ppaction://media"/>
-          </p:cNvPr>
-          <p:cNvPicPr>
-            <a:picLocks noRot="1" noChangeAspect="1"/>
-          </p:cNvPicPr>
-          <p:nvPr>
-            <a:videoFile r:link="rId3"/>
-          </p:nvPr>
-        </p:nvPicPr>
-        <p:blipFill>
-          <a:blip r:embed="rId5"/>
-          <a:stretch>
-            <a:fillRect/>
-          </a:stretch>
-        </p:blipFill>
-        <p:spPr>
-          <a:xfrm>
-            <a:off x="5715000" y="4191000"/>
-            <a:ext cx="2235200" cy="1676400"/>
-          </a:xfrm>
-          <a:prstGeom prst="rect">
-            <a:avLst/>
-          </a:prstGeom>
-        </p:spPr>
-      </p:pic>
       <p:sp>
         <p:nvSpPr>
           <p:cNvPr id="11" name="TextBox 10"/>
@@ -11796,7 +11950,7 @@
           </p:nvPr>
         </p:nvPicPr>
         <p:blipFill>
-          <a:blip r:embed="rId5"/>
+          <a:blip r:embed="rId7"/>
           <a:stretch>
             <a:fillRect/>
           </a:stretch>
@@ -11841,6 +11995,34 @@
           </a:p>
         </p:txBody>
       </p:sp>
+      <p:pic>
+        <p:nvPicPr>
+          <p:cNvPr id="14" name="AI.mp4">
+            <a:hlinkClick r:id="" action="ppaction://media"/>
+          </p:cNvPr>
+          <p:cNvPicPr>
+            <a:picLocks noRot="1" noChangeAspect="1"/>
+          </p:cNvPicPr>
+          <p:nvPr>
+            <a:videoFile r:link="rId4"/>
+          </p:nvPr>
+        </p:nvPicPr>
+        <p:blipFill>
+          <a:blip r:embed="rId7"/>
+          <a:stretch>
+            <a:fillRect/>
+          </a:stretch>
+        </p:blipFill>
+        <p:spPr>
+          <a:xfrm>
+            <a:off x="5715000" y="4191000"/>
+            <a:ext cx="2133600" cy="1600200"/>
+          </a:xfrm>
+          <a:prstGeom prst="rect">
+            <a:avLst/>
+          </a:prstGeom>
+        </p:spPr>
+      </p:pic>
     </p:spTree>
   </p:cSld>
   <p:clrMapOvr>
@@ -11911,7 +12093,7 @@
             </p:seq>
             <p:video>
               <p:cMediaNode>
-                <p:cTn id="7" fill="hold" display="0">
+                <p:cTn id="7" repeatCount="indefinite" fill="hold" display="0">
                   <p:stCondLst>
                     <p:cond delay="indefinite"/>
                   </p:stCondLst>
@@ -11993,7 +12175,7 @@
             </p:seq>
             <p:video>
               <p:cMediaNode>
-                <p:cTn id="13" fill="hold" display="0">
+                <p:cTn id="13" repeatCount="indefinite" fill="hold" display="0">
                   <p:stCondLst>
                     <p:cond delay="indefinite"/>
                   </p:stCondLst>
@@ -12020,7 +12202,7 @@
                 <p:stCondLst>
                   <p:cond evt="onClick" delay="0">
                     <p:tgtEl>
-                      <p:spTgt spid="9"/>
+                      <p:spTgt spid="12"/>
                     </p:tgtEl>
                   </p:cond>
                 </p:stCondLst>
@@ -12050,7 +12232,7 @@
                                       <p:cBhvr>
                                         <p:cTn id="18" dur="1" fill="hold"/>
                                         <p:tgtEl>
-                                          <p:spTgt spid="9"/>
+                                          <p:spTgt spid="12"/>
                                         </p:tgtEl>
                                       </p:cBhvr>
                                     </p:cmd>
@@ -12068,14 +12250,14 @@
               <p:nextCondLst>
                 <p:cond evt="onClick" delay="0">
                   <p:tgtEl>
-                    <p:spTgt spid="9"/>
+                    <p:spTgt spid="12"/>
                   </p:tgtEl>
                 </p:cond>
               </p:nextCondLst>
             </p:seq>
             <p:video>
               <p:cMediaNode>
-                <p:cTn id="19" fill="hold" display="0">
+                <p:cTn id="19" repeatCount="indefinite" fill="hold" display="0">
                   <p:stCondLst>
                     <p:cond delay="indefinite"/>
                   </p:stCondLst>
@@ -12093,7 +12275,7 @@
                   </p:endCondLst>
                 </p:cTn>
                 <p:tgtEl>
-                  <p:spTgt spid="9"/>
+                  <p:spTgt spid="12"/>
                 </p:tgtEl>
               </p:cMediaNode>
             </p:video>
@@ -12102,7 +12284,7 @@
                 <p:stCondLst>
                   <p:cond evt="onClick" delay="0">
                     <p:tgtEl>
-                      <p:spTgt spid="12"/>
+                      <p:spTgt spid="14"/>
                     </p:tgtEl>
                   </p:cond>
                 </p:stCondLst>
@@ -12132,7 +12314,7 @@
                                       <p:cBhvr>
                                         <p:cTn id="24" dur="1" fill="hold"/>
                                         <p:tgtEl>
-                                          <p:spTgt spid="12"/>
+                                          <p:spTgt spid="14"/>
                                         </p:tgtEl>
                                       </p:cBhvr>
                                     </p:cmd>
@@ -12150,14 +12332,14 @@
               <p:nextCondLst>
                 <p:cond evt="onClick" delay="0">
                   <p:tgtEl>
-                    <p:spTgt spid="12"/>
+                    <p:spTgt spid="14"/>
                   </p:tgtEl>
                 </p:cond>
               </p:nextCondLst>
             </p:seq>
             <p:video>
               <p:cMediaNode>
-                <p:cTn id="25" fill="hold" display="0">
+                <p:cTn id="25" repeatCount="indefinite" fill="hold" display="0">
                   <p:stCondLst>
                     <p:cond delay="indefinite"/>
                   </p:stCondLst>
@@ -12175,7 +12357,7 @@
                   </p:endCondLst>
                 </p:cTn>
                 <p:tgtEl>
-                  <p:spTgt spid="12"/>
+                  <p:spTgt spid="14"/>
                 </p:tgtEl>
               </p:cMediaNode>
             </p:video>
@@ -12187,7 +12369,7 @@
 </p:sld>
 </file>
 
-<file path=ppt/slides/slide4.xml><?xml version="1.0" encoding="utf-8"?>
+<file path=ppt/slides/slide39.xml><?xml version="1.0" encoding="utf-8"?>
 <p:sld xmlns:a="http://schemas.openxmlformats.org/drawingml/2006/main" xmlns:r="http://schemas.openxmlformats.org/officeDocument/2006/relationships" xmlns:p="http://schemas.openxmlformats.org/presentationml/2006/main">
   <p:cSld>
     <p:spTree>
@@ -12221,121 +12403,9 @@
           <a:p>
             <a:r>
               <a:rPr lang="en-US" dirty="0" smtClean="0"/>
-              <a:t>Purpose</a:t>
+              <a:t>Results-Similarity Stats</a:t>
             </a:r>
             <a:endParaRPr lang="en-US" dirty="0"/>
-          </a:p>
-        </p:txBody>
-      </p:sp>
-      <p:sp>
-        <p:nvSpPr>
-          <p:cNvPr id="3" name="Content Placeholder 2"/>
-          <p:cNvSpPr>
-            <a:spLocks noGrp="1"/>
-          </p:cNvSpPr>
-          <p:nvPr>
-            <p:ph sz="quarter" idx="1"/>
-          </p:nvPr>
-        </p:nvSpPr>
-        <p:spPr/>
-        <p:txBody>
-          <a:bodyPr/>
-          <a:lstStyle/>
-          <a:p>
-            <a:r>
-              <a:rPr lang="en-US" dirty="0" smtClean="0"/>
-              <a:t>The goal of this research is to explore and evaluate techniques that mimic player behavior in fighting games</a:t>
-            </a:r>
-            <a:endParaRPr lang="en-US" dirty="0"/>
-          </a:p>
-        </p:txBody>
-      </p:sp>
-    </p:spTree>
-  </p:cSld>
-  <p:clrMapOvr>
-    <a:masterClrMapping/>
-  </p:clrMapOvr>
-  <p:timing>
-    <p:tnLst>
-      <p:par>
-        <p:cTn id="1" dur="indefinite" restart="never" nodeType="tmRoot"/>
-      </p:par>
-    </p:tnLst>
-  </p:timing>
-</p:sld>
-</file>
-
-<file path=ppt/slides/slide40.xml><?xml version="1.0" encoding="utf-8"?>
-<p:sld xmlns:a="http://schemas.openxmlformats.org/drawingml/2006/main" xmlns:r="http://schemas.openxmlformats.org/officeDocument/2006/relationships" xmlns:p="http://schemas.openxmlformats.org/presentationml/2006/main">
-  <p:cSld>
-    <p:spTree>
-      <p:nvGrpSpPr>
-        <p:cNvPr id="1" name=""/>
-        <p:cNvGrpSpPr/>
-        <p:nvPr/>
-      </p:nvGrpSpPr>
-      <p:grpSpPr>
-        <a:xfrm>
-          <a:off x="0" y="0"/>
-          <a:ext cx="0" cy="0"/>
-          <a:chOff x="0" y="0"/>
-          <a:chExt cx="0" cy="0"/>
-        </a:xfrm>
-      </p:grpSpPr>
-      <p:sp>
-        <p:nvSpPr>
-          <p:cNvPr id="2" name="Title 1"/>
-          <p:cNvSpPr>
-            <a:spLocks noGrp="1"/>
-          </p:cNvSpPr>
-          <p:nvPr>
-            <p:ph type="title"/>
-          </p:nvPr>
-        </p:nvSpPr>
-        <p:spPr/>
-        <p:txBody>
-          <a:bodyPr/>
-          <a:lstStyle/>
-          <a:p>
-            <a:r>
-              <a:rPr lang="en-US" dirty="0" smtClean="0"/>
-              <a:t>Results-Similarity Stats</a:t>
-            </a:r>
-            <a:endParaRPr lang="en-US" dirty="0"/>
-          </a:p>
-        </p:txBody>
-      </p:sp>
-      <p:sp>
-        <p:nvSpPr>
-          <p:cNvPr id="4" name="TextBox 3"/>
-          <p:cNvSpPr txBox="1"/>
-          <p:nvPr/>
-        </p:nvSpPr>
-        <p:spPr>
-          <a:xfrm>
-            <a:off x="609600" y="2209800"/>
-            <a:ext cx="1826141" cy="369332"/>
-          </a:xfrm>
-          <a:prstGeom prst="rect">
-            <a:avLst/>
-          </a:prstGeom>
-          <a:noFill/>
-        </p:spPr>
-        <p:txBody>
-          <a:bodyPr wrap="none" rtlCol="0">
-            <a:spAutoFit/>
-          </a:bodyPr>
-          <a:lstStyle/>
-          <a:p>
-            <a:r>
-              <a:rPr lang="en-US" u="sng" dirty="0" smtClean="0"/>
-              <a:t>Similarity Mean</a:t>
-            </a:r>
-            <a:r>
-              <a:rPr lang="en-US" u="sng" dirty="0" smtClean="0"/>
-              <a:t>:</a:t>
-            </a:r>
-            <a:endParaRPr lang="en-US" u="sng" dirty="0" smtClean="0"/>
           </a:p>
         </p:txBody>
       </p:sp>
@@ -12348,7 +12418,7 @@
           <p:nvPr/>
         </p:nvGraphicFramePr>
         <p:xfrm>
-          <a:off x="685800" y="2895600"/>
+          <a:off x="685800" y="3886200"/>
           <a:ext cx="7543800" cy="1381760"/>
         </p:xfrm>
         <a:graphic>
@@ -12404,17 +12474,7 @@
                             </a:schemeClr>
                           </a:solidFill>
                         </a:rPr>
-                        <a:t> </a:t>
-                      </a:r>
-                      <a:r>
-                        <a:rPr lang="en-US" baseline="0" dirty="0" smtClean="0">
-                          <a:solidFill>
-                            <a:schemeClr val="accent1">
-                              <a:lumMod val="25000"/>
-                            </a:schemeClr>
-                          </a:solidFill>
-                        </a:rPr>
-                        <a:t>Validation</a:t>
+                        <a:t> Validation</a:t>
                       </a:r>
                       <a:endParaRPr lang="en-US" dirty="0">
                         <a:solidFill>
@@ -12545,7 +12605,7 @@
                           </a:solidFill>
                           <a:latin typeface="Calibri"/>
                         </a:rPr>
-                        <a:t>0.44666</a:t>
+                        <a:t>0.447</a:t>
                       </a:r>
                       <a:endParaRPr lang="en-US" sz="2000" b="0" i="0" u="none" strike="noStrike" dirty="0">
                         <a:solidFill>
@@ -12565,7 +12625,7 @@
                       <a:pPr algn="r"/>
                       <a:r>
                         <a:rPr lang="en-US" dirty="0" smtClean="0"/>
-                        <a:t>0.22376</a:t>
+                        <a:t>0.224</a:t>
                       </a:r>
                       <a:endParaRPr lang="en-US" dirty="0"/>
                     </a:p>
@@ -12580,7 +12640,7 @@
                       <a:pPr algn="r"/>
                       <a:r>
                         <a:rPr lang="en-US" dirty="0" smtClean="0"/>
-                        <a:t>0.26525</a:t>
+                        <a:t>0.265</a:t>
                       </a:r>
                       <a:endParaRPr lang="en-US" dirty="0"/>
                     </a:p>
@@ -12595,7 +12655,7 @@
                       <a:pPr algn="r"/>
                       <a:r>
                         <a:rPr lang="en-US" dirty="0" smtClean="0"/>
-                        <a:t>0.24788</a:t>
+                        <a:t>0.248</a:t>
                       </a:r>
                       <a:endParaRPr lang="en-US" dirty="0"/>
                     </a:p>
@@ -12651,7 +12711,7 @@
                           </a:solidFill>
                           <a:latin typeface="Calibri"/>
                         </a:rPr>
-                        <a:t>0.07774</a:t>
+                        <a:t>0.078</a:t>
                       </a:r>
                       <a:endParaRPr lang="en-US" sz="2000" b="0" i="0" u="none" strike="noStrike" dirty="0">
                         <a:solidFill>
@@ -12671,7 +12731,7 @@
                       <a:pPr algn="r"/>
                       <a:r>
                         <a:rPr lang="en-US" dirty="0" smtClean="0"/>
-                        <a:t>0.0474</a:t>
+                        <a:t>0.047</a:t>
                       </a:r>
                       <a:endParaRPr lang="en-US" dirty="0"/>
                     </a:p>
@@ -12686,7 +12746,7 @@
                       <a:pPr algn="r"/>
                       <a:r>
                         <a:rPr lang="en-US" dirty="0" smtClean="0"/>
-                        <a:t>0.03575</a:t>
+                        <a:t>0.036</a:t>
                       </a:r>
                       <a:endParaRPr lang="en-US" dirty="0"/>
                     </a:p>
@@ -12706,7 +12766,7 @@
                           </a:solidFill>
                           <a:latin typeface="Calibri"/>
                         </a:rPr>
-                        <a:t>0.03400</a:t>
+                        <a:t>0.034</a:t>
                       </a:r>
                       <a:endParaRPr lang="en-US" sz="2000" b="0" i="0" u="none" strike="noStrike" dirty="0">
                         <a:solidFill>
@@ -12723,6 +12783,73 @@
           </a:graphicData>
         </a:graphic>
       </p:graphicFrame>
+      <p:sp>
+        <p:nvSpPr>
+          <p:cNvPr id="4" name="TextBox 3"/>
+          <p:cNvSpPr txBox="1"/>
+          <p:nvPr/>
+        </p:nvSpPr>
+        <p:spPr>
+          <a:xfrm>
+            <a:off x="838200" y="1828800"/>
+            <a:ext cx="2198038" cy="369332"/>
+          </a:xfrm>
+          <a:prstGeom prst="rect">
+            <a:avLst/>
+          </a:prstGeom>
+          <a:noFill/>
+        </p:spPr>
+        <p:txBody>
+          <a:bodyPr wrap="none" rtlCol="0">
+            <a:spAutoFit/>
+          </a:bodyPr>
+          <a:lstStyle/>
+          <a:p>
+            <a:r>
+              <a:rPr lang="en-US" u="sng" dirty="0" err="1" smtClean="0"/>
+              <a:t>Similiarity</a:t>
+            </a:r>
+            <a:r>
+              <a:rPr lang="en-US" u="sng" dirty="0" smtClean="0"/>
+              <a:t> Measure:</a:t>
+            </a:r>
+            <a:endParaRPr lang="en-US" u="sng" dirty="0"/>
+          </a:p>
+        </p:txBody>
+      </p:sp>
+      <p:pic>
+        <p:nvPicPr>
+          <p:cNvPr id="1027" name="Picture 3"/>
+          <p:cNvPicPr>
+            <a:picLocks noChangeAspect="1" noChangeArrowheads="1"/>
+          </p:cNvPicPr>
+          <p:nvPr/>
+        </p:nvPicPr>
+        <p:blipFill>
+          <a:blip r:embed="rId2"/>
+          <a:srcRect/>
+          <a:stretch>
+            <a:fillRect/>
+          </a:stretch>
+        </p:blipFill>
+        <p:spPr bwMode="auto">
+          <a:xfrm>
+            <a:off x="1828800" y="2209800"/>
+            <a:ext cx="5410200" cy="1120294"/>
+          </a:xfrm>
+          <a:prstGeom prst="rect">
+            <a:avLst/>
+          </a:prstGeom>
+          <a:noFill/>
+          <a:ln w="9525">
+            <a:noFill/>
+            <a:miter lim="800000"/>
+            <a:headEnd/>
+            <a:tailEnd/>
+          </a:ln>
+          <a:effectLst/>
+        </p:spPr>
+      </p:pic>
     </p:spTree>
   </p:cSld>
   <p:clrMapOvr>
@@ -12738,7 +12865,7 @@
 </p:sld>
 </file>
 
-<file path=ppt/slides/slide41.xml><?xml version="1.0" encoding="utf-8"?>
+<file path=ppt/slides/slide4.xml><?xml version="1.0" encoding="utf-8"?>
 <p:sld xmlns:a="http://schemas.openxmlformats.org/drawingml/2006/main" xmlns:r="http://schemas.openxmlformats.org/officeDocument/2006/relationships" xmlns:p="http://schemas.openxmlformats.org/presentationml/2006/main">
   <p:cSld>
     <p:spTree>
@@ -12772,6 +12899,165 @@
           <a:p>
             <a:r>
               <a:rPr lang="en-US" dirty="0" smtClean="0"/>
+              <a:t>Related Work</a:t>
+            </a:r>
+            <a:endParaRPr lang="en-US" dirty="0"/>
+          </a:p>
+        </p:txBody>
+      </p:sp>
+      <p:sp>
+        <p:nvSpPr>
+          <p:cNvPr id="3" name="Content Placeholder 2"/>
+          <p:cNvSpPr>
+            <a:spLocks noGrp="1"/>
+          </p:cNvSpPr>
+          <p:nvPr>
+            <p:ph sz="quarter" idx="1"/>
+          </p:nvPr>
+        </p:nvSpPr>
+        <p:spPr>
+          <a:xfrm>
+            <a:off x="612648" y="1600200"/>
+            <a:ext cx="8153400" cy="5257800"/>
+          </a:xfrm>
+        </p:spPr>
+        <p:txBody>
+          <a:bodyPr>
+            <a:normAutofit fontScale="92500" lnSpcReduction="10000"/>
+          </a:bodyPr>
+          <a:lstStyle/>
+          <a:p>
+            <a:r>
+              <a:rPr lang="en-US" dirty="0" smtClean="0"/>
+              <a:t>Player driving styles in racing-games</a:t>
+            </a:r>
+          </a:p>
+          <a:p>
+            <a:pPr lvl="1"/>
+            <a:r>
+              <a:rPr lang="en-US" dirty="0" smtClean="0"/>
+              <a:t>Used evolutionary algorithms to try to replicate elements of driving style</a:t>
+            </a:r>
+          </a:p>
+          <a:p>
+            <a:pPr lvl="1"/>
+            <a:r>
+              <a:rPr lang="en-US" dirty="0" smtClean="0"/>
+              <a:t>Trade off of robustness and mimicry</a:t>
+            </a:r>
+          </a:p>
+          <a:p>
+            <a:r>
+              <a:rPr lang="en-US" dirty="0" smtClean="0"/>
+              <a:t>Optimal AI for Super Smash Bros. Melee</a:t>
+            </a:r>
+          </a:p>
+          <a:p>
+            <a:pPr lvl="1"/>
+            <a:r>
+              <a:rPr lang="en-US" dirty="0" smtClean="0"/>
+              <a:t>Deep Reinforcement Learning</a:t>
+            </a:r>
+          </a:p>
+          <a:p>
+            <a:pPr lvl="1"/>
+            <a:r>
+              <a:rPr lang="en-US" dirty="0" smtClean="0"/>
+              <a:t>Long training time. Very strong at playing the game</a:t>
+            </a:r>
+          </a:p>
+          <a:p>
+            <a:r>
+              <a:rPr lang="en-US" dirty="0" smtClean="0"/>
+              <a:t>N-gram and </a:t>
+            </a:r>
+            <a:r>
+              <a:rPr lang="en-US" dirty="0" err="1" smtClean="0"/>
+              <a:t>GhostAI</a:t>
+            </a:r>
+            <a:endParaRPr lang="en-US" dirty="0" smtClean="0"/>
+          </a:p>
+          <a:p>
+            <a:pPr lvl="1"/>
+            <a:r>
+              <a:rPr lang="en-US" dirty="0" smtClean="0"/>
+              <a:t>Use histogram of players actions to guide decision making</a:t>
+            </a:r>
+          </a:p>
+          <a:p>
+            <a:pPr lvl="1"/>
+            <a:r>
+              <a:rPr lang="en-US" dirty="0" err="1" smtClean="0"/>
+              <a:t>GhostAI</a:t>
+            </a:r>
+            <a:r>
+              <a:rPr lang="en-US" dirty="0" smtClean="0"/>
+              <a:t> learns the moves that give more reward</a:t>
+            </a:r>
+          </a:p>
+          <a:p>
+            <a:pPr lvl="1"/>
+            <a:r>
+              <a:rPr lang="en-US" dirty="0" smtClean="0"/>
+              <a:t>Doesn’t capture aspects like player’s sense of timing</a:t>
+            </a:r>
+          </a:p>
+          <a:p>
+            <a:pPr lvl="1"/>
+            <a:endParaRPr lang="en-US" dirty="0" smtClean="0"/>
+          </a:p>
+        </p:txBody>
+      </p:sp>
+    </p:spTree>
+  </p:cSld>
+  <p:clrMapOvr>
+    <a:masterClrMapping/>
+  </p:clrMapOvr>
+  <p:transition advTm="2390"/>
+  <p:timing>
+    <p:tnLst>
+      <p:par>
+        <p:cTn id="1" dur="indefinite" restart="never" nodeType="tmRoot"/>
+      </p:par>
+    </p:tnLst>
+  </p:timing>
+</p:sld>
+</file>
+
+<file path=ppt/slides/slide40.xml><?xml version="1.0" encoding="utf-8"?>
+<p:sld xmlns:a="http://schemas.openxmlformats.org/drawingml/2006/main" xmlns:r="http://schemas.openxmlformats.org/officeDocument/2006/relationships" xmlns:p="http://schemas.openxmlformats.org/presentationml/2006/main">
+  <p:cSld>
+    <p:spTree>
+      <p:nvGrpSpPr>
+        <p:cNvPr id="1" name=""/>
+        <p:cNvGrpSpPr/>
+        <p:nvPr/>
+      </p:nvGrpSpPr>
+      <p:grpSpPr>
+        <a:xfrm>
+          <a:off x="0" y="0"/>
+          <a:ext cx="0" cy="0"/>
+          <a:chOff x="0" y="0"/>
+          <a:chExt cx="0" cy="0"/>
+        </a:xfrm>
+      </p:grpSpPr>
+      <p:sp>
+        <p:nvSpPr>
+          <p:cNvPr id="2" name="Title 1"/>
+          <p:cNvSpPr>
+            <a:spLocks noGrp="1"/>
+          </p:cNvSpPr>
+          <p:nvPr>
+            <p:ph type="title"/>
+          </p:nvPr>
+        </p:nvSpPr>
+        <p:spPr/>
+        <p:txBody>
+          <a:bodyPr/>
+          <a:lstStyle/>
+          <a:p>
+            <a:r>
+              <a:rPr lang="en-US" dirty="0" smtClean="0"/>
               <a:t>Results-Efficiency Stats</a:t>
             </a:r>
             <a:endParaRPr lang="en-US" dirty="0"/>
@@ -12787,7 +13073,7 @@
         <p:spPr>
           <a:xfrm>
             <a:off x="685800" y="1676400"/>
-            <a:ext cx="2121093" cy="2585323"/>
+            <a:ext cx="1890261" cy="2585323"/>
           </a:xfrm>
           <a:prstGeom prst="rect">
             <a:avLst/>
@@ -12804,32 +13090,20 @@
               <a:rPr lang="en-US" u="sng" dirty="0" smtClean="0"/>
               <a:t>Hits Landed </a:t>
             </a:r>
+          </a:p>
+          <a:p>
+            <a:endParaRPr lang="en-US" u="sng" dirty="0" smtClean="0"/>
+          </a:p>
+          <a:p>
+            <a:endParaRPr lang="en-US" u="sng" dirty="0" smtClean="0"/>
+          </a:p>
+          <a:p>
+            <a:endParaRPr lang="en-US" u="sng" dirty="0" smtClean="0"/>
+          </a:p>
+          <a:p>
             <a:r>
               <a:rPr lang="en-US" u="sng" dirty="0" smtClean="0"/>
-              <a:t>Mean:</a:t>
-            </a:r>
-          </a:p>
-          <a:p>
-            <a:endParaRPr lang="en-US" u="sng" dirty="0" smtClean="0"/>
-          </a:p>
-          <a:p>
-            <a:endParaRPr lang="en-US" u="sng" dirty="0" smtClean="0"/>
-          </a:p>
-          <a:p>
-            <a:endParaRPr lang="en-US" u="sng" dirty="0" smtClean="0"/>
-          </a:p>
-          <a:p>
-            <a:r>
-              <a:rPr lang="en-US" u="sng" dirty="0" smtClean="0"/>
-              <a:t>Hits Landed </a:t>
-            </a:r>
-            <a:r>
-              <a:rPr lang="en-US" u="sng" dirty="0" smtClean="0"/>
-              <a:t>Std</a:t>
-            </a:r>
-            <a:r>
-              <a:rPr lang="en-US" u="sng" dirty="0" smtClean="0"/>
-              <a:t>:</a:t>
+              <a:t>Hits Landed Std:</a:t>
             </a:r>
           </a:p>
           <a:p>
@@ -13132,7 +13406,7 @@
                           </a:solidFill>
                           <a:latin typeface="Calibri"/>
                         </a:rPr>
-                        <a:t>1.54643</a:t>
+                        <a:t>1.55</a:t>
                       </a:r>
                       <a:endParaRPr lang="en-US" sz="2000" b="0" i="0" u="none" strike="noStrike" dirty="0">
                         <a:solidFill>
@@ -13152,7 +13426,7 @@
                       <a:pPr algn="r"/>
                       <a:r>
                         <a:rPr lang="en-US" dirty="0" smtClean="0"/>
-                        <a:t>1.16199</a:t>
+                        <a:t>1.162</a:t>
                       </a:r>
                       <a:endParaRPr lang="en-US" dirty="0"/>
                     </a:p>
@@ -13167,7 +13441,7 @@
                       <a:pPr algn="r"/>
                       <a:r>
                         <a:rPr lang="en-US" dirty="0" smtClean="0"/>
-                        <a:t>0.68342</a:t>
+                        <a:t>0.683</a:t>
                       </a:r>
                       <a:endParaRPr lang="en-US" dirty="0"/>
                     </a:p>
@@ -13187,7 +13461,7 @@
                           </a:solidFill>
                           <a:latin typeface="Calibri"/>
                         </a:rPr>
-                        <a:t>1.36822</a:t>
+                        <a:t>1.368</a:t>
                       </a:r>
                       <a:endParaRPr lang="en-US" sz="2000" b="0" i="0" u="none" strike="noStrike" dirty="0">
                         <a:solidFill>
@@ -13387,15 +13661,6 @@
                         <a:rPr lang="en-US" sz="2000" dirty="0" smtClean="0"/>
                         <a:t>10.54</a:t>
                       </a:r>
-                      <a:r>
-                        <a:rPr lang="en-US" sz="2000" b="0" i="0" u="none" strike="noStrike" dirty="0" smtClean="0">
-                          <a:solidFill>
-                            <a:srgbClr val="000000"/>
-                          </a:solidFill>
-                          <a:latin typeface="Calibri"/>
-                        </a:rPr>
-                        <a:t>1</a:t>
-                      </a:r>
                       <a:endParaRPr lang="en-US" sz="2000" b="0" i="0" u="none" strike="noStrike" dirty="0">
                         <a:solidFill>
                           <a:srgbClr val="000000"/>
@@ -13568,7 +13833,7 @@
 </p:sld>
 </file>
 
-<file path=ppt/slides/slide42.xml><?xml version="1.0" encoding="utf-8"?>
+<file path=ppt/slides/slide41.xml><?xml version="1.0" encoding="utf-8"?>
 <p:sld xmlns:a="http://schemas.openxmlformats.org/drawingml/2006/main" xmlns:r="http://schemas.openxmlformats.org/officeDocument/2006/relationships" xmlns:p="http://schemas.openxmlformats.org/presentationml/2006/main">
   <p:cSld>
     <p:spTree>
@@ -13843,7 +14108,7 @@
 </p:sld>
 </file>
 
-<file path=ppt/slides/slide43.xml><?xml version="1.0" encoding="utf-8"?>
+<file path=ppt/slides/slide42.xml><?xml version="1.0" encoding="utf-8"?>
 <p:sld xmlns:a="http://schemas.openxmlformats.org/drawingml/2006/main" xmlns:r="http://schemas.openxmlformats.org/officeDocument/2006/relationships" xmlns:p="http://schemas.openxmlformats.org/presentationml/2006/main">
   <p:cSld>
     <p:spTree>
@@ -13896,47 +14161,67 @@
         <p:spPr/>
         <p:txBody>
           <a:bodyPr>
-            <a:normAutofit fontScale="92500" lnSpcReduction="20000"/>
+            <a:normAutofit fontScale="77500" lnSpcReduction="20000"/>
           </a:bodyPr>
           <a:lstStyle/>
           <a:p>
+            <a:pPr>
+              <a:lnSpc>
+                <a:spcPct val="120000"/>
+              </a:lnSpc>
+            </a:pPr>
             <a:r>
               <a:rPr lang="en-US" dirty="0" smtClean="0"/>
               <a:t>Developed an AI which uses search to form plans that mimic human-behavior</a:t>
             </a:r>
           </a:p>
           <a:p>
-            <a:pPr lvl="1"/>
+            <a:pPr lvl="1">
+              <a:lnSpc>
+                <a:spcPct val="120000"/>
+              </a:lnSpc>
+            </a:pPr>
             <a:r>
               <a:rPr lang="en-US" dirty="0" smtClean="0"/>
               <a:t>Formulated the idea of action-𝛿’s and described how they are used to allow the AI to build a model of the world from a limited demonstration</a:t>
             </a:r>
+          </a:p>
+          <a:p>
+            <a:pPr>
+              <a:lnSpc>
+                <a:spcPct val="120000"/>
+              </a:lnSpc>
+            </a:pPr>
             <a:endParaRPr lang="en-US" dirty="0" smtClean="0"/>
           </a:p>
           <a:p>
+            <a:pPr>
+              <a:lnSpc>
+                <a:spcPct val="120000"/>
+              </a:lnSpc>
+            </a:pPr>
+            <a:r>
+              <a:rPr lang="en-US" dirty="0" smtClean="0"/>
+              <a:t>Experimental results showed that the AI was the best at matching the human’s performance</a:t>
+            </a:r>
+          </a:p>
+          <a:p>
+            <a:pPr>
+              <a:lnSpc>
+                <a:spcPct val="120000"/>
+              </a:lnSpc>
+            </a:pPr>
             <a:endParaRPr lang="en-US" dirty="0" smtClean="0"/>
           </a:p>
           <a:p>
-            <a:r>
-              <a:rPr lang="en-US" dirty="0" smtClean="0"/>
-              <a:t>Experimental results showed that the AI was the best at matching the human’s performance</a:t>
-            </a:r>
-          </a:p>
-          <a:p>
-            <a:endParaRPr lang="en-US" dirty="0" smtClean="0"/>
-          </a:p>
-          <a:p>
-            <a:r>
-              <a:rPr lang="en-US" dirty="0" smtClean="0"/>
-              <a:t>Despite not recording the same similarity stats as  </a:t>
-            </a:r>
-            <a:r>
-              <a:rPr lang="en-US" smtClean="0"/>
-              <a:t>other demonstrations, </a:t>
-            </a:r>
-            <a:r>
-              <a:rPr lang="en-US" dirty="0" smtClean="0"/>
-              <a:t>it still exhibited desirable qualities of human-play</a:t>
+            <a:pPr>
+              <a:lnSpc>
+                <a:spcPct val="120000"/>
+              </a:lnSpc>
+            </a:pPr>
+            <a:r>
+              <a:rPr lang="en-US" dirty="0" smtClean="0"/>
+              <a:t>Despite not recording the same similarity stats as  other demonstrations, it still exhibited desirable qualities of human-play</a:t>
             </a:r>
           </a:p>
         </p:txBody>
@@ -13946,10 +14231,17 @@
   <p:clrMapOvr>
     <a:masterClrMapping/>
   </p:clrMapOvr>
+  <p:timing>
+    <p:tnLst>
+      <p:par>
+        <p:cTn id="1" dur="indefinite" restart="never" nodeType="tmRoot"/>
+      </p:par>
+    </p:tnLst>
+  </p:timing>
 </p:sld>
 </file>
 
-<file path=ppt/slides/slide44.xml><?xml version="1.0" encoding="utf-8"?>
+<file path=ppt/slides/slide43.xml><?xml version="1.0" encoding="utf-8"?>
 <p:sld xmlns:a="http://schemas.openxmlformats.org/drawingml/2006/main" xmlns:r="http://schemas.openxmlformats.org/officeDocument/2006/relationships" xmlns:p="http://schemas.openxmlformats.org/presentationml/2006/main">
   <p:cSld>
     <p:spTree>
@@ -14067,7 +14359,7 @@
           <a:p>
             <a:r>
               <a:rPr lang="en-US" dirty="0" smtClean="0"/>
-              <a:t>Related Work</a:t>
+              <a:t>Topics</a:t>
             </a:r>
             <a:endParaRPr lang="en-US" dirty="0"/>
           </a:p>
@@ -14083,102 +14375,92 @@
             <p:ph sz="quarter" idx="1"/>
           </p:nvPr>
         </p:nvSpPr>
-        <p:spPr>
-          <a:xfrm>
-            <a:off x="612648" y="1600200"/>
-            <a:ext cx="8153400" cy="5257800"/>
-          </a:xfrm>
-        </p:spPr>
+        <p:spPr/>
         <p:txBody>
           <a:bodyPr>
-            <a:normAutofit fontScale="92500" lnSpcReduction="10000"/>
+            <a:normAutofit fontScale="85000" lnSpcReduction="20000"/>
           </a:bodyPr>
           <a:lstStyle/>
           <a:p>
             <a:r>
-              <a:rPr lang="en-US" dirty="0" smtClean="0"/>
-              <a:t>Player driving styles in racing-games</a:t>
+              <a:rPr lang="en-US" b="1" u="sng" dirty="0" smtClean="0"/>
+              <a:t>Domain Introduction</a:t>
             </a:r>
           </a:p>
           <a:p>
             <a:pPr lvl="1"/>
             <a:r>
               <a:rPr lang="en-US" dirty="0" smtClean="0"/>
-              <a:t>Used evolutionary algorithms to try to replicate elements of driving style</a:t>
+              <a:t>Environment Description</a:t>
             </a:r>
           </a:p>
           <a:p>
             <a:pPr lvl="1"/>
             <a:r>
               <a:rPr lang="en-US" dirty="0" smtClean="0"/>
-              <a:t>Trade off of robustness and mimicry</a:t>
-            </a:r>
-            <a:endParaRPr lang="en-US" dirty="0" smtClean="0"/>
-          </a:p>
-          <a:p>
-            <a:r>
-              <a:rPr lang="en-US" dirty="0" smtClean="0"/>
-              <a:t>Optimal AI for Super Smash Bros. Melee</a:t>
+              <a:t>Search Representation</a:t>
+            </a:r>
+          </a:p>
+          <a:p>
+            <a:r>
+              <a:rPr lang="en-US" dirty="0" smtClean="0"/>
+              <a:t>Demonstration 𝛿-Search</a:t>
             </a:r>
           </a:p>
           <a:p>
             <a:pPr lvl="1"/>
             <a:r>
               <a:rPr lang="en-US" dirty="0" smtClean="0"/>
-              <a:t>Deep Reinforcement Learning</a:t>
+              <a:t>Demonstrations</a:t>
             </a:r>
           </a:p>
           <a:p>
             <a:pPr lvl="1"/>
             <a:r>
               <a:rPr lang="en-US" dirty="0" smtClean="0"/>
-              <a:t>Long training time. Very strong at playing the game</a:t>
-            </a:r>
-            <a:endParaRPr lang="en-US" dirty="0" smtClean="0"/>
-          </a:p>
-          <a:p>
-            <a:r>
-              <a:rPr lang="en-US" dirty="0" smtClean="0"/>
-              <a:t>N-gram</a:t>
-            </a:r>
-            <a:r>
-              <a:rPr lang="en-US" dirty="0" smtClean="0"/>
-              <a:t> and </a:t>
-            </a:r>
-            <a:r>
-              <a:rPr lang="en-US" dirty="0" err="1" smtClean="0"/>
-              <a:t>GhostAI</a:t>
-            </a:r>
-            <a:endParaRPr lang="en-US" dirty="0" smtClean="0"/>
+              <a:t>Action- 𝛿’s</a:t>
+            </a:r>
           </a:p>
           <a:p>
             <a:pPr lvl="1"/>
             <a:r>
               <a:rPr lang="en-US" dirty="0" smtClean="0"/>
-              <a:t>Use histogram of players actions to guide decision making</a:t>
+              <a:t>𝛿-Search </a:t>
+            </a:r>
+          </a:p>
+          <a:p>
+            <a:r>
+              <a:rPr lang="en-US" dirty="0" smtClean="0"/>
+              <a:t>Implementation Details</a:t>
             </a:r>
           </a:p>
           <a:p>
             <a:pPr lvl="1"/>
             <a:r>
-              <a:rPr lang="en-US" dirty="0" err="1" smtClean="0"/>
-              <a:t>GhostAI</a:t>
-            </a:r>
-            <a:r>
-              <a:rPr lang="en-US" dirty="0" smtClean="0"/>
-              <a:t> learns the moves that give more reward</a:t>
+              <a:rPr lang="en-US" dirty="0" smtClean="0"/>
+              <a:t>State Similarity</a:t>
             </a:r>
           </a:p>
           <a:p>
             <a:pPr lvl="1"/>
             <a:r>
               <a:rPr lang="en-US" dirty="0" smtClean="0"/>
-              <a:t>Doesn’t capture aspects like timing</a:t>
+              <a:t>Full AI Framework</a:t>
             </a:r>
           </a:p>
           <a:p>
             <a:pPr lvl="1"/>
-            <a:endParaRPr lang="en-US" dirty="0" smtClean="0"/>
+            <a:r>
+              <a:rPr lang="en-US" dirty="0" smtClean="0"/>
+              <a:t>Additional Improvements</a:t>
+            </a:r>
+          </a:p>
+          <a:p>
+            <a:r>
+              <a:rPr lang="en-US" dirty="0" smtClean="0"/>
+              <a:t>Results</a:t>
+            </a:r>
+            <a:endParaRPr lang="en-US" dirty="0"/>
           </a:p>
         </p:txBody>
       </p:sp>
@@ -14187,6 +14469,7 @@
   <p:clrMapOvr>
     <a:masterClrMapping/>
   </p:clrMapOvr>
+  <p:transition advTm="1500"/>
   <p:timing>
     <p:tnLst>
       <p:par>
@@ -14230,10 +14513,10 @@
           <a:lstStyle/>
           <a:p>
             <a:r>
-              <a:rPr lang="en-US" dirty="0" smtClean="0"/>
-              <a:t>Topics</a:t>
-            </a:r>
-            <a:endParaRPr lang="en-US" dirty="0"/>
+              <a:rPr lang="en-US" i="1" dirty="0" smtClean="0"/>
+              <a:t>FG</a:t>
+            </a:r>
+            <a:endParaRPr lang="en-US" i="1" dirty="0"/>
           </a:p>
         </p:txBody>
       </p:sp>
@@ -14250,89 +14533,54 @@
         <p:spPr/>
         <p:txBody>
           <a:bodyPr>
-            <a:normAutofit fontScale="85000" lnSpcReduction="20000"/>
+            <a:normAutofit/>
           </a:bodyPr>
           <a:lstStyle/>
           <a:p>
             <a:r>
-              <a:rPr lang="en-US" b="1" u="sng" dirty="0" smtClean="0"/>
-              <a:t>Domain Introduction</a:t>
+              <a:rPr lang="en-US" dirty="0" smtClean="0"/>
+              <a:t>We implemented a simple fighting game </a:t>
+            </a:r>
+            <a:r>
+              <a:rPr lang="en-US" i="1" dirty="0" smtClean="0"/>
+              <a:t>FG </a:t>
+            </a:r>
+            <a:r>
+              <a:rPr lang="en-US" dirty="0" smtClean="0"/>
+              <a:t>as our </a:t>
+            </a:r>
+            <a:r>
+              <a:rPr lang="en-US" dirty="0" err="1" smtClean="0"/>
+              <a:t>testbed</a:t>
+            </a:r>
+            <a:endParaRPr lang="en-US" dirty="0" smtClean="0"/>
+          </a:p>
+          <a:p>
+            <a:r>
+              <a:rPr lang="en-US" dirty="0" smtClean="0"/>
+              <a:t>A variety of actions are available to players</a:t>
             </a:r>
           </a:p>
           <a:p>
             <a:pPr lvl="1"/>
             <a:r>
               <a:rPr lang="en-US" dirty="0" smtClean="0"/>
-              <a:t>Environment Description</a:t>
+              <a:t>There are a variety of attacks with situational uses</a:t>
             </a:r>
           </a:p>
           <a:p>
             <a:pPr lvl="1"/>
             <a:r>
               <a:rPr lang="en-US" dirty="0" smtClean="0"/>
-              <a:t>Search Representation</a:t>
-            </a:r>
-          </a:p>
-          <a:p>
-            <a:r>
-              <a:rPr lang="en-US" dirty="0" smtClean="0"/>
-              <a:t>Demonstration 𝛿-Search</a:t>
+              <a:t>These attacks can be defended against if they are blocked correctly</a:t>
             </a:r>
           </a:p>
           <a:p>
             <a:pPr lvl="1"/>
             <a:r>
               <a:rPr lang="en-US" dirty="0" smtClean="0"/>
-              <a:t>Demonstrations</a:t>
-            </a:r>
-          </a:p>
-          <a:p>
-            <a:pPr lvl="1"/>
-            <a:r>
-              <a:rPr lang="en-US" dirty="0" smtClean="0"/>
-              <a:t>Action- 𝛿’s</a:t>
-            </a:r>
-          </a:p>
-          <a:p>
-            <a:pPr lvl="1"/>
-            <a:r>
-              <a:rPr lang="en-US" dirty="0" smtClean="0"/>
-              <a:t>𝛿-Search </a:t>
-            </a:r>
-          </a:p>
-          <a:p>
-            <a:r>
-              <a:rPr lang="en-US" dirty="0" smtClean="0"/>
-              <a:t>Implementation Details</a:t>
-            </a:r>
-          </a:p>
-          <a:p>
-            <a:pPr lvl="1"/>
-            <a:r>
-              <a:rPr lang="en-US" dirty="0" smtClean="0"/>
-              <a:t>State Similarity</a:t>
-            </a:r>
-          </a:p>
-          <a:p>
-            <a:pPr lvl="1"/>
-            <a:r>
-              <a:rPr lang="en-US" dirty="0" smtClean="0"/>
-              <a:t>Full AI Framework</a:t>
-            </a:r>
-          </a:p>
-          <a:p>
-            <a:pPr lvl="1"/>
-            <a:r>
-              <a:rPr lang="en-US" dirty="0" smtClean="0"/>
-              <a:t>Additional Improvements</a:t>
-            </a:r>
-          </a:p>
-          <a:p>
-            <a:r>
-              <a:rPr lang="en-US" dirty="0" smtClean="0"/>
-              <a:t>Results</a:t>
-            </a:r>
-            <a:endParaRPr lang="en-US" dirty="0"/>
+              <a:t>There are many ways to move around the arena such as jumping, walking, and dashing</a:t>
+            </a:r>
           </a:p>
         </p:txBody>
       </p:sp>
@@ -14341,6 +14589,7 @@
   <p:clrMapOvr>
     <a:masterClrMapping/>
   </p:clrMapOvr>
+  <p:transition advTm="750"/>
   <p:timing>
     <p:tnLst>
       <p:par>
@@ -14384,10 +14633,10 @@
           <a:lstStyle/>
           <a:p>
             <a:r>
-              <a:rPr lang="en-US" i="1" dirty="0" smtClean="0"/>
-              <a:t>FG</a:t>
-            </a:r>
-            <a:endParaRPr lang="en-US" i="1" dirty="0"/>
+              <a:rPr lang="en-US" dirty="0" smtClean="0"/>
+              <a:t>Why Use Search?</a:t>
+            </a:r>
+            <a:endParaRPr lang="en-US" dirty="0"/>
           </a:p>
         </p:txBody>
       </p:sp>
@@ -14403,54 +14652,36 @@
         </p:nvSpPr>
         <p:spPr/>
         <p:txBody>
-          <a:bodyPr>
-            <a:normAutofit/>
-          </a:bodyPr>
-          <a:lstStyle/>
-          <a:p>
-            <a:r>
-              <a:rPr lang="en-US" dirty="0" smtClean="0"/>
-              <a:t>We implemented a simple fighting game </a:t>
-            </a:r>
-            <a:r>
-              <a:rPr lang="en-US" i="1" dirty="0" smtClean="0"/>
-              <a:t>FG </a:t>
-            </a:r>
-            <a:r>
-              <a:rPr lang="en-US" dirty="0" smtClean="0"/>
-              <a:t>as our </a:t>
+          <a:bodyPr/>
+          <a:lstStyle/>
+          <a:p>
+            <a:r>
+              <a:rPr lang="en-US" dirty="0" smtClean="0"/>
+              <a:t>Allows for the AI to form long coherent strategies to hit the opponent</a:t>
+            </a:r>
+          </a:p>
+          <a:p>
+            <a:pPr lvl="1"/>
+            <a:r>
+              <a:rPr lang="en-US" dirty="0" smtClean="0"/>
+              <a:t>Similar to how players have form strategies during </a:t>
             </a:r>
             <a:r>
               <a:rPr lang="en-US" dirty="0" err="1" smtClean="0"/>
-              <a:t>testbed</a:t>
+              <a:t>gameplay</a:t>
             </a:r>
             <a:endParaRPr lang="en-US" dirty="0" smtClean="0"/>
           </a:p>
           <a:p>
             <a:r>
               <a:rPr lang="en-US" dirty="0" smtClean="0"/>
-              <a:t>A variety of actions are available to players</a:t>
-            </a:r>
-          </a:p>
-          <a:p>
-            <a:pPr lvl="1"/>
-            <a:r>
-              <a:rPr lang="en-US" dirty="0" smtClean="0"/>
-              <a:t>There are a variety of attacks with situational uses</a:t>
-            </a:r>
-          </a:p>
-          <a:p>
-            <a:pPr lvl="1"/>
-            <a:r>
-              <a:rPr lang="en-US" dirty="0" smtClean="0"/>
-              <a:t>These attacks can be defended against if they are blocked correctly</a:t>
-            </a:r>
-          </a:p>
-          <a:p>
-            <a:pPr lvl="1"/>
-            <a:r>
-              <a:rPr lang="en-US" dirty="0" smtClean="0"/>
-              <a:t>There are many ways to move around the arena such as jumping, walking, and dashing</a:t>
+              <a:t>Actions are purposeful and are less likely to be contextually inappropriate</a:t>
+            </a:r>
+          </a:p>
+          <a:p>
+            <a:r>
+              <a:rPr lang="en-US" dirty="0" smtClean="0"/>
+              <a:t>The agent commits to performing goal-directed behaviors</a:t>
             </a:r>
           </a:p>
         </p:txBody>
@@ -14460,6 +14691,7 @@
   <p:clrMapOvr>
     <a:masterClrMapping/>
   </p:clrMapOvr>
+  <p:transition advTm="704"/>
   <p:timing>
     <p:tnLst>
       <p:par>
@@ -14504,7 +14736,7 @@
           <a:p>
             <a:r>
               <a:rPr lang="en-US" dirty="0" smtClean="0"/>
-              <a:t>Why Use Search?</a:t>
+              <a:t>Search Representation</a:t>
             </a:r>
             <a:endParaRPr lang="en-US" dirty="0"/>
           </a:p>
@@ -14522,36 +14754,112 @@
         </p:nvSpPr>
         <p:spPr/>
         <p:txBody>
-          <a:bodyPr/>
-          <a:lstStyle/>
-          <a:p>
-            <a:r>
-              <a:rPr lang="en-US" dirty="0" smtClean="0"/>
-              <a:t>Allows for the AI to form long coherent strategies to hit the opponent</a:t>
+          <a:bodyPr>
+            <a:normAutofit lnSpcReduction="10000"/>
+          </a:bodyPr>
+          <a:lstStyle/>
+          <a:p>
+            <a:r>
+              <a:rPr lang="en-US" dirty="0" smtClean="0"/>
+              <a:t>Game State: State of player 1 and player 2</a:t>
             </a:r>
           </a:p>
           <a:p>
             <a:pPr lvl="1"/>
             <a:r>
               <a:rPr lang="en-US" dirty="0" smtClean="0"/>
-              <a:t>Similar to how players have form strategies during </a:t>
+              <a:t>Player State:</a:t>
+            </a:r>
+          </a:p>
+          <a:p>
+            <a:pPr lvl="2"/>
+            <a:r>
+              <a:rPr lang="en-US" dirty="0" smtClean="0"/>
+              <a:t>Position (</a:t>
             </a:r>
             <a:r>
               <a:rPr lang="en-US" dirty="0" err="1" smtClean="0"/>
-              <a:t>gameplay</a:t>
-            </a:r>
-            <a:endParaRPr lang="en-US" dirty="0" smtClean="0"/>
-          </a:p>
-          <a:p>
-            <a:r>
-              <a:rPr lang="en-US" dirty="0" smtClean="0"/>
-              <a:t>Actions are purposeful and are less likely to be contextually inappropriate</a:t>
-            </a:r>
-          </a:p>
-          <a:p>
-            <a:r>
-              <a:rPr lang="en-US" dirty="0" smtClean="0"/>
-              <a:t>The agent commits to performing goal-directed behaviors</a:t>
+              <a:t>Discretized</a:t>
+            </a:r>
+            <a:r>
+              <a:rPr lang="en-US" dirty="0" smtClean="0"/>
+              <a:t> x and y)</a:t>
+            </a:r>
+          </a:p>
+          <a:p>
+            <a:pPr lvl="2"/>
+            <a:r>
+              <a:rPr lang="en-US" dirty="0" smtClean="0"/>
+              <a:t>Velocity (x and y)</a:t>
+            </a:r>
+          </a:p>
+          <a:p>
+            <a:pPr lvl="2"/>
+            <a:r>
+              <a:rPr lang="en-US" dirty="0" smtClean="0"/>
+              <a:t>Grounded Status</a:t>
+            </a:r>
+          </a:p>
+          <a:p>
+            <a:pPr lvl="2"/>
+            <a:r>
+              <a:rPr lang="en-US" dirty="0" smtClean="0"/>
+              <a:t>Status (standing, crouching, attacking etc.)</a:t>
+            </a:r>
+          </a:p>
+          <a:p>
+            <a:r>
+              <a:rPr lang="en-US" dirty="0" smtClean="0"/>
+              <a:t>Actions:</a:t>
+            </a:r>
+          </a:p>
+          <a:p>
+            <a:pPr lvl="1"/>
+            <a:r>
+              <a:rPr lang="en-US" dirty="0" smtClean="0"/>
+              <a:t>Duration: Number of frames it was performed for</a:t>
+            </a:r>
+          </a:p>
+          <a:p>
+            <a:pPr lvl="1"/>
+            <a:r>
+              <a:rPr lang="en-US" dirty="0" smtClean="0"/>
+              <a:t>Type: </a:t>
+            </a:r>
+            <a:r>
+              <a:rPr lang="en-US" dirty="0" smtClean="0"/>
+              <a:t>21 </a:t>
+            </a:r>
+            <a:r>
+              <a:rPr lang="en-US" dirty="0" smtClean="0"/>
+              <a:t>Types: </a:t>
+            </a:r>
+          </a:p>
+          <a:p>
+            <a:pPr lvl="2"/>
+            <a:r>
+              <a:rPr lang="en-US" dirty="0" smtClean="0"/>
+              <a:t>Stand</a:t>
+            </a:r>
+            <a:r>
+              <a:rPr lang="en-US" dirty="0" smtClean="0"/>
+              <a:t>, </a:t>
+            </a:r>
+            <a:r>
+              <a:rPr lang="en-US" dirty="0" err="1" smtClean="0"/>
+              <a:t>WalkLeft</a:t>
+            </a:r>
+            <a:r>
+              <a:rPr lang="en-US" dirty="0" smtClean="0"/>
+              <a:t>, </a:t>
+            </a:r>
+            <a:r>
+              <a:rPr lang="en-US" dirty="0" err="1" smtClean="0"/>
+              <a:t>JumpNeutral</a:t>
+            </a:r>
+            <a:r>
+              <a:rPr lang="en-US" dirty="0" smtClean="0"/>
+              <a:t> etc.</a:t>
             </a:r>
           </a:p>
         </p:txBody>
@@ -14605,7 +14913,7 @@
           <a:p>
             <a:r>
               <a:rPr lang="en-US" dirty="0" smtClean="0"/>
-              <a:t>Search Representation</a:t>
+              <a:t>Search Representation (cont.)</a:t>
             </a:r>
             <a:endParaRPr lang="en-US" dirty="0"/>
           </a:p>
@@ -14623,92 +14931,73 @@
         </p:nvSpPr>
         <p:spPr/>
         <p:txBody>
-          <a:bodyPr/>
-          <a:lstStyle/>
-          <a:p>
-            <a:r>
-              <a:rPr lang="en-US" dirty="0" smtClean="0"/>
-              <a:t>Game State: State of player 1 and player 2</a:t>
-            </a:r>
+          <a:bodyPr>
+            <a:normAutofit/>
+          </a:bodyPr>
+          <a:lstStyle/>
+          <a:p>
+            <a:r>
+              <a:rPr lang="en-US" dirty="0" smtClean="0"/>
+              <a:t>State Successors</a:t>
+            </a:r>
+            <a:endParaRPr lang="en-US" dirty="0"/>
           </a:p>
           <a:p>
             <a:pPr lvl="1"/>
             <a:r>
               <a:rPr lang="en-US" dirty="0" smtClean="0"/>
-              <a:t>Player State:</a:t>
-            </a:r>
-          </a:p>
-          <a:p>
-            <a:pPr lvl="2"/>
-            <a:r>
-              <a:rPr lang="en-US" dirty="0" smtClean="0"/>
-              <a:t>Position (</a:t>
-            </a:r>
-            <a:r>
-              <a:rPr lang="en-US" dirty="0" err="1" smtClean="0"/>
-              <a:t>Discretized</a:t>
-            </a:r>
-            <a:r>
-              <a:rPr lang="en-US" dirty="0" smtClean="0"/>
-              <a:t> x and y)</a:t>
-            </a:r>
-          </a:p>
-          <a:p>
-            <a:pPr lvl="2"/>
-            <a:r>
-              <a:rPr lang="en-US" dirty="0" smtClean="0"/>
-              <a:t>Velocity (x and y)</a:t>
-            </a:r>
-          </a:p>
-          <a:p>
-            <a:pPr lvl="2"/>
-            <a:r>
-              <a:rPr lang="en-US" dirty="0" smtClean="0"/>
-              <a:t>Grounded Status</a:t>
-            </a:r>
-          </a:p>
-          <a:p>
-            <a:pPr lvl="2"/>
-            <a:r>
-              <a:rPr lang="en-US" dirty="0" smtClean="0"/>
-              <a:t>Status (standing, crouching, attacking etc.)</a:t>
-            </a:r>
-          </a:p>
-          <a:p>
-            <a:r>
-              <a:rPr lang="en-US" dirty="0" smtClean="0"/>
-              <a:t>Actions:</a:t>
+              <a:t>The state </a:t>
+            </a:r>
+            <a:r>
+              <a:rPr lang="en-US" i="1" dirty="0" smtClean="0"/>
+              <a:t>s’</a:t>
+            </a:r>
+            <a:r>
+              <a:rPr lang="en-US" dirty="0" smtClean="0"/>
+              <a:t> that results from taking action </a:t>
+            </a:r>
+            <a:r>
+              <a:rPr lang="en-US" i="1" dirty="0" smtClean="0"/>
+              <a:t>a </a:t>
+            </a:r>
+            <a:r>
+              <a:rPr lang="en-US" dirty="0" smtClean="0"/>
+              <a:t>from state </a:t>
+            </a:r>
+            <a:r>
+              <a:rPr lang="en-US" i="1" dirty="0" smtClean="0"/>
+              <a:t>s </a:t>
+            </a:r>
+            <a:r>
+              <a:rPr lang="en-US" dirty="0" smtClean="0"/>
+              <a:t>is obtained from a learned model of the world dynamics</a:t>
+            </a:r>
+          </a:p>
+          <a:p>
+            <a:r>
+              <a:rPr lang="en-US" dirty="0" smtClean="0"/>
+              <a:t>Goal States:</a:t>
             </a:r>
           </a:p>
           <a:p>
             <a:pPr lvl="1"/>
             <a:r>
               <a:rPr lang="en-US" dirty="0" smtClean="0"/>
-              <a:t>Duration: Number of frames it was performed for</a:t>
+              <a:t>States are where the opponent is hit with an attack or has to block an attack</a:t>
             </a:r>
           </a:p>
           <a:p>
             <a:pPr lvl="1"/>
             <a:r>
               <a:rPr lang="en-US" dirty="0" smtClean="0"/>
-              <a:t>Type: Stand, </a:t>
-            </a:r>
-            <a:r>
-              <a:rPr lang="en-US" dirty="0" err="1" smtClean="0"/>
-              <a:t>WalkLeft</a:t>
-            </a:r>
-            <a:r>
-              <a:rPr lang="en-US" dirty="0" smtClean="0"/>
-              <a:t>, </a:t>
-            </a:r>
-            <a:r>
-              <a:rPr lang="en-US" dirty="0" err="1" smtClean="0"/>
-              <a:t>JumpNeutral</a:t>
-            </a:r>
-            <a:r>
-              <a:rPr lang="en-US" dirty="0" smtClean="0"/>
-              <a:t> etc.</a:t>
-            </a:r>
+              <a:t>Goal states selected randomly to simulate how players alter strategies</a:t>
+            </a:r>
+          </a:p>
+          <a:p>
+            <a:pPr lvl="1">
+              <a:buNone/>
+            </a:pPr>
+            <a:endParaRPr lang="en-US" dirty="0" smtClean="0"/>
           </a:p>
         </p:txBody>
       </p:sp>
